--- a/ez18n-slides/Jugs2013/SmartAnnotationProcessing_2013.pptx
+++ b/ez18n-slides/Jugs2013/SmartAnnotationProcessing_2013.pptx
@@ -236,7 +236,7 @@
           <a:p>
             <a:fld id="{08ED011F-C245-0E49-A952-42A1461A07A3}" type="datetimeFigureOut">
               <a:rPr lang="fr-FR" smtClean="0"/>
-              <a:t>11/01/2013</a:t>
+              <a:t>12/02/2013</a:t>
             </a:fld>
             <a:endParaRPr lang="fr-FR"/>
           </a:p>
@@ -401,7 +401,7 @@
           <a:p>
             <a:fld id="{91D8CEF6-FA3A-DE46-91EA-16BEFB9EEE40}" type="datetimeFigureOut">
               <a:rPr lang="fr-FR" smtClean="0"/>
-              <a:t>11/01/2013</a:t>
+              <a:t>12/02/2013</a:t>
             </a:fld>
             <a:endParaRPr lang="fr-FR"/>
           </a:p>
@@ -788,13 +788,21 @@
         </p:spPr>
         <p:txBody>
           <a:bodyPr/>
-          <a:lstStyle/>
-          <a:p>
-            <a:r>
-              <a:rPr lang="fr-FR" smtClean="0"/>
+          <a:lstStyle>
+            <a:lvl1pPr>
+              <a:defRPr>
+                <a:solidFill>
+                  <a:srgbClr val="364097"/>
+                </a:solidFill>
+              </a:defRPr>
+            </a:lvl1pPr>
+          </a:lstStyle>
+          <a:p>
+            <a:r>
+              <a:rPr lang="fr-FR" dirty="0" smtClean="0"/>
               <a:t>Modifiez le style du titre</a:t>
             </a:r>
-            <a:endParaRPr lang="fr-FR"/>
+            <a:endParaRPr lang="fr-FR" dirty="0"/>
           </a:p>
         </p:txBody>
       </p:sp>
@@ -1009,13 +1017,21 @@
         <p:spPr/>
         <p:txBody>
           <a:bodyPr/>
-          <a:lstStyle/>
-          <a:p>
-            <a:r>
-              <a:rPr lang="fr-FR" smtClean="0"/>
+          <a:lstStyle>
+            <a:lvl1pPr>
+              <a:defRPr>
+                <a:solidFill>
+                  <a:srgbClr val="364097"/>
+                </a:solidFill>
+              </a:defRPr>
+            </a:lvl1pPr>
+          </a:lstStyle>
+          <a:p>
+            <a:r>
+              <a:rPr lang="fr-FR" dirty="0" smtClean="0"/>
               <a:t>Modifiez le style du titre</a:t>
             </a:r>
-            <a:endParaRPr lang="fr-FR"/>
+            <a:endParaRPr lang="fr-FR" dirty="0"/>
           </a:p>
         </p:txBody>
       </p:sp>
@@ -1123,6 +1139,13 @@
   <p:clrMapOvr>
     <a:masterClrMapping/>
   </p:clrMapOvr>
+  <p:timing>
+    <p:tnLst>
+      <p:par>
+        <p:cTn id="1" dur="indefinite" restart="never" nodeType="tmRoot"/>
+      </p:par>
+    </p:tnLst>
+  </p:timing>
 </p:sldLayout>
 </file>
 
@@ -1161,13 +1184,21 @@
         </p:spPr>
         <p:txBody>
           <a:bodyPr vert="eaVert"/>
-          <a:lstStyle/>
-          <a:p>
-            <a:r>
-              <a:rPr lang="fr-FR" smtClean="0"/>
+          <a:lstStyle>
+            <a:lvl1pPr>
+              <a:defRPr>
+                <a:solidFill>
+                  <a:srgbClr val="364097"/>
+                </a:solidFill>
+              </a:defRPr>
+            </a:lvl1pPr>
+          </a:lstStyle>
+          <a:p>
+            <a:r>
+              <a:rPr lang="fr-FR" dirty="0" smtClean="0"/>
               <a:t>Modifiez le style du titre</a:t>
             </a:r>
-            <a:endParaRPr lang="fr-FR"/>
+            <a:endParaRPr lang="fr-FR" dirty="0"/>
           </a:p>
         </p:txBody>
       </p:sp>
@@ -1280,6 +1311,13 @@
   <p:clrMapOvr>
     <a:masterClrMapping/>
   </p:clrMapOvr>
+  <p:timing>
+    <p:tnLst>
+      <p:par>
+        <p:cTn id="1" dur="indefinite" restart="never" nodeType="tmRoot"/>
+      </p:par>
+    </p:tnLst>
+  </p:timing>
 </p:sldLayout>
 </file>
 
@@ -1317,7 +1355,7 @@
             <a:lvl1pPr>
               <a:defRPr b="1">
                 <a:solidFill>
-                  <a:srgbClr val="2684AC"/>
+                  <a:srgbClr val="364097"/>
                 </a:solidFill>
               </a:defRPr>
             </a:lvl1pPr>
@@ -1482,15 +1520,19 @@
           <a:bodyPr anchor="t"/>
           <a:lstStyle>
             <a:lvl1pPr algn="l">
-              <a:defRPr sz="4000" b="1" cap="all"/>
+              <a:defRPr sz="4000" b="1" cap="all">
+                <a:solidFill>
+                  <a:srgbClr val="364097"/>
+                </a:solidFill>
+              </a:defRPr>
             </a:lvl1pPr>
           </a:lstStyle>
           <a:p>
             <a:r>
-              <a:rPr lang="fr-FR" smtClean="0"/>
+              <a:rPr lang="fr-FR" dirty="0" smtClean="0"/>
               <a:t>Modifiez le style du titre</a:t>
             </a:r>
-            <a:endParaRPr lang="fr-FR"/>
+            <a:endParaRPr lang="fr-FR" dirty="0"/>
           </a:p>
         </p:txBody>
       </p:sp>
@@ -1665,6 +1707,13 @@
   <p:clrMapOvr>
     <a:masterClrMapping/>
   </p:clrMapOvr>
+  <p:timing>
+    <p:tnLst>
+      <p:par>
+        <p:cTn id="1" dur="indefinite" restart="never" nodeType="tmRoot"/>
+      </p:par>
+    </p:tnLst>
+  </p:timing>
 </p:sldLayout>
 </file>
 
@@ -1698,13 +1747,21 @@
         <p:spPr/>
         <p:txBody>
           <a:bodyPr/>
-          <a:lstStyle/>
-          <a:p>
-            <a:r>
-              <a:rPr lang="fr-FR" smtClean="0"/>
+          <a:lstStyle>
+            <a:lvl1pPr>
+              <a:defRPr>
+                <a:solidFill>
+                  <a:srgbClr val="364097"/>
+                </a:solidFill>
+              </a:defRPr>
+            </a:lvl1pPr>
+          </a:lstStyle>
+          <a:p>
+            <a:r>
+              <a:rPr lang="fr-FR" dirty="0" smtClean="0"/>
               <a:t>Modifiez le style du titre</a:t>
             </a:r>
-            <a:endParaRPr lang="fr-FR"/>
+            <a:endParaRPr lang="fr-FR" dirty="0"/>
           </a:p>
         </p:txBody>
       </p:sp>
@@ -1930,6 +1987,13 @@
   <p:clrMapOvr>
     <a:masterClrMapping/>
   </p:clrMapOvr>
+  <p:timing>
+    <p:tnLst>
+      <p:par>
+        <p:cTn id="1" dur="indefinite" restart="never" nodeType="tmRoot"/>
+      </p:par>
+    </p:tnLst>
+  </p:timing>
 </p:sldLayout>
 </file>
 
@@ -1965,15 +2029,19 @@
           <a:bodyPr/>
           <a:lstStyle>
             <a:lvl1pPr>
-              <a:defRPr/>
+              <a:defRPr>
+                <a:solidFill>
+                  <a:srgbClr val="364097"/>
+                </a:solidFill>
+              </a:defRPr>
             </a:lvl1pPr>
           </a:lstStyle>
           <a:p>
             <a:r>
-              <a:rPr lang="fr-FR" smtClean="0"/>
+              <a:rPr lang="fr-FR" dirty="0" smtClean="0"/>
               <a:t>Modifiez le style du titre</a:t>
             </a:r>
-            <a:endParaRPr lang="fr-FR"/>
+            <a:endParaRPr lang="fr-FR" dirty="0"/>
           </a:p>
         </p:txBody>
       </p:sp>
@@ -2369,13 +2437,21 @@
         <p:spPr/>
         <p:txBody>
           <a:bodyPr/>
-          <a:lstStyle/>
-          <a:p>
-            <a:r>
-              <a:rPr lang="fr-FR" smtClean="0"/>
+          <a:lstStyle>
+            <a:lvl1pPr>
+              <a:defRPr>
+                <a:solidFill>
+                  <a:srgbClr val="364097"/>
+                </a:solidFill>
+              </a:defRPr>
+            </a:lvl1pPr>
+          </a:lstStyle>
+          <a:p>
+            <a:r>
+              <a:rPr lang="fr-FR" dirty="0" smtClean="0"/>
               <a:t>Modifiez le style du titre</a:t>
             </a:r>
-            <a:endParaRPr lang="fr-FR"/>
+            <a:endParaRPr lang="fr-FR" dirty="0"/>
           </a:p>
         </p:txBody>
       </p:sp>
@@ -2431,6 +2507,13 @@
   <p:clrMapOvr>
     <a:masterClrMapping/>
   </p:clrMapOvr>
+  <p:timing>
+    <p:tnLst>
+      <p:par>
+        <p:cTn id="1" dur="indefinite" restart="never" nodeType="tmRoot"/>
+      </p:par>
+    </p:tnLst>
+  </p:timing>
 </p:sldLayout>
 </file>
 
@@ -2543,15 +2626,19 @@
           <a:bodyPr anchor="b"/>
           <a:lstStyle>
             <a:lvl1pPr algn="l">
-              <a:defRPr sz="2000" b="1"/>
+              <a:defRPr sz="2000" b="1">
+                <a:solidFill>
+                  <a:srgbClr val="364097"/>
+                </a:solidFill>
+              </a:defRPr>
             </a:lvl1pPr>
           </a:lstStyle>
           <a:p>
             <a:r>
-              <a:rPr lang="fr-FR" smtClean="0"/>
+              <a:rPr lang="fr-FR" dirty="0" smtClean="0"/>
               <a:t>Modifiez le style du titre</a:t>
             </a:r>
-            <a:endParaRPr lang="fr-FR"/>
+            <a:endParaRPr lang="fr-FR" dirty="0"/>
           </a:p>
         </p:txBody>
       </p:sp>
@@ -2757,6 +2844,13 @@
   <p:clrMapOvr>
     <a:masterClrMapping/>
   </p:clrMapOvr>
+  <p:timing>
+    <p:tnLst>
+      <p:par>
+        <p:cTn id="1" dur="indefinite" restart="never" nodeType="tmRoot"/>
+      </p:par>
+    </p:tnLst>
+  </p:timing>
 </p:sldLayout>
 </file>
 
@@ -2797,15 +2891,19 @@
           <a:bodyPr anchor="b"/>
           <a:lstStyle>
             <a:lvl1pPr algn="l">
-              <a:defRPr sz="2000" b="1"/>
+              <a:defRPr sz="2000" b="1">
+                <a:solidFill>
+                  <a:srgbClr val="364097"/>
+                </a:solidFill>
+              </a:defRPr>
             </a:lvl1pPr>
           </a:lstStyle>
           <a:p>
             <a:r>
-              <a:rPr lang="fr-FR" smtClean="0"/>
+              <a:rPr lang="fr-FR" dirty="0" smtClean="0"/>
               <a:t>Modifiez le style du titre</a:t>
             </a:r>
-            <a:endParaRPr lang="fr-FR"/>
+            <a:endParaRPr lang="fr-FR" dirty="0"/>
           </a:p>
         </p:txBody>
       </p:sp>
@@ -2987,6 +3085,13 @@
   <p:clrMapOvr>
     <a:masterClrMapping/>
   </p:clrMapOvr>
+  <p:timing>
+    <p:tnLst>
+      <p:par>
+        <p:cTn id="1" dur="indefinite" restart="never" nodeType="tmRoot"/>
+      </p:par>
+    </p:tnLst>
+  </p:timing>
 </p:sldLayout>
 </file>
 
@@ -3012,9 +3117,220 @@
           <a:chExt cx="0" cy="0"/>
         </a:xfrm>
       </p:grpSpPr>
+      <p:sp>
+        <p:nvSpPr>
+          <p:cNvPr id="2" name="Espace réservé du titre 1"/>
+          <p:cNvSpPr>
+            <a:spLocks noGrp="1"/>
+          </p:cNvSpPr>
+          <p:nvPr>
+            <p:ph type="title"/>
+          </p:nvPr>
+        </p:nvSpPr>
+        <p:spPr>
+          <a:xfrm>
+            <a:off x="457200" y="274638"/>
+            <a:ext cx="8229600" cy="1143000"/>
+          </a:xfrm>
+          <a:prstGeom prst="rect">
+            <a:avLst/>
+          </a:prstGeom>
+        </p:spPr>
+        <p:txBody>
+          <a:bodyPr vert="horz" lIns="91440" tIns="45720" rIns="91440" bIns="45720" rtlCol="0" anchor="ctr">
+            <a:normAutofit/>
+          </a:bodyPr>
+          <a:lstStyle/>
+          <a:p>
+            <a:r>
+              <a:rPr lang="fr-FR" dirty="0" smtClean="0"/>
+              <a:t>Modifiez le style du titre</a:t>
+            </a:r>
+            <a:endParaRPr lang="fr-FR" dirty="0"/>
+          </a:p>
+        </p:txBody>
+      </p:sp>
+      <p:sp>
+        <p:nvSpPr>
+          <p:cNvPr id="3" name="Espace réservé du texte 2"/>
+          <p:cNvSpPr>
+            <a:spLocks noGrp="1"/>
+          </p:cNvSpPr>
+          <p:nvPr>
+            <p:ph type="body" idx="1"/>
+          </p:nvPr>
+        </p:nvSpPr>
+        <p:spPr>
+          <a:xfrm>
+            <a:off x="457200" y="1600200"/>
+            <a:ext cx="8229600" cy="4525963"/>
+          </a:xfrm>
+          <a:prstGeom prst="rect">
+            <a:avLst/>
+          </a:prstGeom>
+        </p:spPr>
+        <p:txBody>
+          <a:bodyPr vert="horz" lIns="91440" tIns="45720" rIns="91440" bIns="45720" rtlCol="0">
+            <a:normAutofit/>
+          </a:bodyPr>
+          <a:lstStyle/>
+          <a:p>
+            <a:pPr lvl="0"/>
+            <a:r>
+              <a:rPr lang="fr-FR" dirty="0" smtClean="0"/>
+              <a:t>Modifiez les styles du texte du masque</a:t>
+            </a:r>
+          </a:p>
+          <a:p>
+            <a:pPr lvl="1"/>
+            <a:r>
+              <a:rPr lang="fr-FR" dirty="0" smtClean="0"/>
+              <a:t>Deuxième niveau</a:t>
+            </a:r>
+          </a:p>
+          <a:p>
+            <a:pPr lvl="2"/>
+            <a:r>
+              <a:rPr lang="fr-FR" dirty="0" smtClean="0"/>
+              <a:t>Troisième niveau</a:t>
+            </a:r>
+          </a:p>
+          <a:p>
+            <a:pPr lvl="3"/>
+            <a:r>
+              <a:rPr lang="fr-FR" dirty="0" smtClean="0"/>
+              <a:t>Quatrième niveau</a:t>
+            </a:r>
+          </a:p>
+          <a:p>
+            <a:pPr lvl="4"/>
+            <a:r>
+              <a:rPr lang="fr-FR" dirty="0" smtClean="0"/>
+              <a:t>Cinquième niveau</a:t>
+            </a:r>
+            <a:endParaRPr lang="fr-FR" dirty="0"/>
+          </a:p>
+        </p:txBody>
+      </p:sp>
+      <p:sp>
+        <p:nvSpPr>
+          <p:cNvPr id="5" name="Espace réservé du pied de page 4"/>
+          <p:cNvSpPr>
+            <a:spLocks noGrp="1"/>
+          </p:cNvSpPr>
+          <p:nvPr>
+            <p:ph type="ftr" sz="quarter" idx="3"/>
+          </p:nvPr>
+        </p:nvSpPr>
+        <p:spPr>
+          <a:xfrm>
+            <a:off x="3124200" y="6356350"/>
+            <a:ext cx="2895600" cy="365125"/>
+          </a:xfrm>
+          <a:prstGeom prst="rect">
+            <a:avLst/>
+          </a:prstGeom>
+        </p:spPr>
+        <p:txBody>
+          <a:bodyPr vert="horz" lIns="91440" tIns="45720" rIns="91440" bIns="45720" rtlCol="0" anchor="ctr"/>
+          <a:lstStyle>
+            <a:lvl1pPr algn="ctr">
+              <a:defRPr sz="1200">
+                <a:solidFill>
+                  <a:schemeClr val="tx1">
+                    <a:tint val="75000"/>
+                  </a:schemeClr>
+                </a:solidFill>
+              </a:defRPr>
+            </a:lvl1pPr>
+          </a:lstStyle>
+          <a:p>
+            <a:endParaRPr lang="fr-FR"/>
+          </a:p>
+        </p:txBody>
+      </p:sp>
+      <p:sp>
+        <p:nvSpPr>
+          <p:cNvPr id="6" name="Espace réservé du numéro de diapositive 5"/>
+          <p:cNvSpPr>
+            <a:spLocks noGrp="1"/>
+          </p:cNvSpPr>
+          <p:nvPr>
+            <p:ph type="sldNum" sz="quarter" idx="4"/>
+          </p:nvPr>
+        </p:nvSpPr>
+        <p:spPr>
+          <a:xfrm>
+            <a:off x="6553200" y="6356350"/>
+            <a:ext cx="2133600" cy="365125"/>
+          </a:xfrm>
+          <a:prstGeom prst="rect">
+            <a:avLst/>
+          </a:prstGeom>
+        </p:spPr>
+        <p:txBody>
+          <a:bodyPr vert="horz" lIns="91440" tIns="45720" rIns="91440" bIns="45720" rtlCol="0" anchor="ctr"/>
+          <a:lstStyle>
+            <a:lvl1pPr algn="r">
+              <a:defRPr sz="1200">
+                <a:solidFill>
+                  <a:schemeClr val="tx1">
+                    <a:tint val="75000"/>
+                  </a:schemeClr>
+                </a:solidFill>
+              </a:defRPr>
+            </a:lvl1pPr>
+          </a:lstStyle>
+          <a:p>
+            <a:fld id="{CDB8DDEB-C0FB-4A06-AB03-5B35B2987E25}" type="slidenum">
+              <a:rPr lang="fr-FR" smtClean="0"/>
+              <a:t>‹N°›</a:t>
+            </a:fld>
+            <a:endParaRPr lang="fr-FR" dirty="0"/>
+          </a:p>
+        </p:txBody>
+      </p:sp>
+      <p:sp>
+        <p:nvSpPr>
+          <p:cNvPr id="10" name="ZoneTexte 9"/>
+          <p:cNvSpPr txBox="1"/>
+          <p:nvPr userDrawn="1"/>
+        </p:nvSpPr>
+        <p:spPr>
+          <a:xfrm>
+            <a:off x="381000" y="6324600"/>
+            <a:ext cx="2514600" cy="381000"/>
+          </a:xfrm>
+          <a:prstGeom prst="rect">
+            <a:avLst/>
+          </a:prstGeom>
+          <a:noFill/>
+        </p:spPr>
+        <p:txBody>
+          <a:bodyPr wrap="square" rtlCol="0">
+            <a:spAutoFit/>
+          </a:bodyPr>
+          <a:lstStyle/>
+          <a:p>
+            <a:r>
+              <a:rPr lang="fr-FR" b="1" dirty="0" smtClean="0">
+                <a:solidFill>
+                  <a:srgbClr val="145069"/>
+                </a:solidFill>
+              </a:rPr>
+              <a:t>Mars JUG 2013</a:t>
+            </a:r>
+            <a:endParaRPr lang="fr-FR" b="1" dirty="0">
+              <a:solidFill>
+                <a:srgbClr val="145069"/>
+              </a:solidFill>
+            </a:endParaRPr>
+          </a:p>
+        </p:txBody>
+      </p:sp>
       <p:pic>
         <p:nvPicPr>
-          <p:cNvPr id="7" name="Image 6" descr="mars_jug_2013.png"/>
+          <p:cNvPr id="4" name="Image 3"/>
           <p:cNvPicPr>
             <a:picLocks noChangeAspect="1"/>
           </p:cNvPicPr>
@@ -3034,225 +3350,14 @@
         </p:blipFill>
         <p:spPr>
           <a:xfrm>
-            <a:off x="-76200" y="0"/>
-            <a:ext cx="9220200" cy="6877899"/>
+            <a:off x="0" y="27418"/>
+            <a:ext cx="9143999" cy="6830582"/>
           </a:xfrm>
           <a:prstGeom prst="rect">
             <a:avLst/>
           </a:prstGeom>
         </p:spPr>
       </p:pic>
-      <p:sp>
-        <p:nvSpPr>
-          <p:cNvPr id="2" name="Espace réservé du titre 1"/>
-          <p:cNvSpPr>
-            <a:spLocks noGrp="1"/>
-          </p:cNvSpPr>
-          <p:nvPr>
-            <p:ph type="title"/>
-          </p:nvPr>
-        </p:nvSpPr>
-        <p:spPr>
-          <a:xfrm>
-            <a:off x="457200" y="274638"/>
-            <a:ext cx="8229600" cy="1143000"/>
-          </a:xfrm>
-          <a:prstGeom prst="rect">
-            <a:avLst/>
-          </a:prstGeom>
-        </p:spPr>
-        <p:txBody>
-          <a:bodyPr vert="horz" lIns="91440" tIns="45720" rIns="91440" bIns="45720" rtlCol="0" anchor="ctr">
-            <a:normAutofit/>
-          </a:bodyPr>
-          <a:lstStyle/>
-          <a:p>
-            <a:r>
-              <a:rPr lang="fr-FR" dirty="0" smtClean="0"/>
-              <a:t>Modifiez le style du titre</a:t>
-            </a:r>
-            <a:endParaRPr lang="fr-FR" dirty="0"/>
-          </a:p>
-        </p:txBody>
-      </p:sp>
-      <p:sp>
-        <p:nvSpPr>
-          <p:cNvPr id="3" name="Espace réservé du texte 2"/>
-          <p:cNvSpPr>
-            <a:spLocks noGrp="1"/>
-          </p:cNvSpPr>
-          <p:nvPr>
-            <p:ph type="body" idx="1"/>
-          </p:nvPr>
-        </p:nvSpPr>
-        <p:spPr>
-          <a:xfrm>
-            <a:off x="457200" y="1600200"/>
-            <a:ext cx="8229600" cy="4525963"/>
-          </a:xfrm>
-          <a:prstGeom prst="rect">
-            <a:avLst/>
-          </a:prstGeom>
-        </p:spPr>
-        <p:txBody>
-          <a:bodyPr vert="horz" lIns="91440" tIns="45720" rIns="91440" bIns="45720" rtlCol="0">
-            <a:normAutofit/>
-          </a:bodyPr>
-          <a:lstStyle/>
-          <a:p>
-            <a:pPr lvl="0"/>
-            <a:r>
-              <a:rPr lang="fr-FR" dirty="0" smtClean="0"/>
-              <a:t>Modifiez les styles du texte du masque</a:t>
-            </a:r>
-          </a:p>
-          <a:p>
-            <a:pPr lvl="1"/>
-            <a:r>
-              <a:rPr lang="fr-FR" dirty="0" smtClean="0"/>
-              <a:t>Deuxième niveau</a:t>
-            </a:r>
-          </a:p>
-          <a:p>
-            <a:pPr lvl="2"/>
-            <a:r>
-              <a:rPr lang="fr-FR" dirty="0" smtClean="0"/>
-              <a:t>Troisième niveau</a:t>
-            </a:r>
-          </a:p>
-          <a:p>
-            <a:pPr lvl="3"/>
-            <a:r>
-              <a:rPr lang="fr-FR" dirty="0" smtClean="0"/>
-              <a:t>Quatrième niveau</a:t>
-            </a:r>
-          </a:p>
-          <a:p>
-            <a:pPr lvl="4"/>
-            <a:r>
-              <a:rPr lang="fr-FR" dirty="0" smtClean="0"/>
-              <a:t>Cinquième niveau</a:t>
-            </a:r>
-            <a:endParaRPr lang="fr-FR" dirty="0"/>
-          </a:p>
-        </p:txBody>
-      </p:sp>
-      <p:sp>
-        <p:nvSpPr>
-          <p:cNvPr id="5" name="Espace réservé du pied de page 4"/>
-          <p:cNvSpPr>
-            <a:spLocks noGrp="1"/>
-          </p:cNvSpPr>
-          <p:nvPr>
-            <p:ph type="ftr" sz="quarter" idx="3"/>
-          </p:nvPr>
-        </p:nvSpPr>
-        <p:spPr>
-          <a:xfrm>
-            <a:off x="3124200" y="6356350"/>
-            <a:ext cx="2895600" cy="365125"/>
-          </a:xfrm>
-          <a:prstGeom prst="rect">
-            <a:avLst/>
-          </a:prstGeom>
-        </p:spPr>
-        <p:txBody>
-          <a:bodyPr vert="horz" lIns="91440" tIns="45720" rIns="91440" bIns="45720" rtlCol="0" anchor="ctr"/>
-          <a:lstStyle>
-            <a:lvl1pPr algn="ctr">
-              <a:defRPr sz="1200">
-                <a:solidFill>
-                  <a:schemeClr val="tx1">
-                    <a:tint val="75000"/>
-                  </a:schemeClr>
-                </a:solidFill>
-              </a:defRPr>
-            </a:lvl1pPr>
-          </a:lstStyle>
-          <a:p>
-            <a:endParaRPr lang="fr-FR"/>
-          </a:p>
-        </p:txBody>
-      </p:sp>
-      <p:sp>
-        <p:nvSpPr>
-          <p:cNvPr id="6" name="Espace réservé du numéro de diapositive 5"/>
-          <p:cNvSpPr>
-            <a:spLocks noGrp="1"/>
-          </p:cNvSpPr>
-          <p:nvPr>
-            <p:ph type="sldNum" sz="quarter" idx="4"/>
-          </p:nvPr>
-        </p:nvSpPr>
-        <p:spPr>
-          <a:xfrm>
-            <a:off x="6553200" y="6356350"/>
-            <a:ext cx="2133600" cy="365125"/>
-          </a:xfrm>
-          <a:prstGeom prst="rect">
-            <a:avLst/>
-          </a:prstGeom>
-        </p:spPr>
-        <p:txBody>
-          <a:bodyPr vert="horz" lIns="91440" tIns="45720" rIns="91440" bIns="45720" rtlCol="0" anchor="ctr"/>
-          <a:lstStyle>
-            <a:lvl1pPr algn="r">
-              <a:defRPr sz="1200">
-                <a:solidFill>
-                  <a:schemeClr val="tx1">
-                    <a:tint val="75000"/>
-                  </a:schemeClr>
-                </a:solidFill>
-              </a:defRPr>
-            </a:lvl1pPr>
-          </a:lstStyle>
-          <a:p>
-            <a:fld id="{CDB8DDEB-C0FB-4A06-AB03-5B35B2987E25}" type="slidenum">
-              <a:rPr lang="fr-FR" smtClean="0"/>
-              <a:t>‹N°›</a:t>
-            </a:fld>
-            <a:endParaRPr lang="fr-FR" dirty="0"/>
-          </a:p>
-        </p:txBody>
-      </p:sp>
-      <p:sp>
-        <p:nvSpPr>
-          <p:cNvPr id="10" name="ZoneTexte 9"/>
-          <p:cNvSpPr txBox="1"/>
-          <p:nvPr userDrawn="1"/>
-        </p:nvSpPr>
-        <p:spPr>
-          <a:xfrm>
-            <a:off x="381000" y="6324600"/>
-            <a:ext cx="2514600" cy="381000"/>
-          </a:xfrm>
-          <a:prstGeom prst="rect">
-            <a:avLst/>
-          </a:prstGeom>
-          <a:noFill/>
-        </p:spPr>
-        <p:txBody>
-          <a:bodyPr wrap="square" rtlCol="0">
-            <a:spAutoFit/>
-          </a:bodyPr>
-          <a:lstStyle/>
-          <a:p>
-            <a:r>
-              <a:rPr lang="fr-FR" b="1" dirty="0" smtClean="0">
-                <a:solidFill>
-                  <a:srgbClr val="145069"/>
-                </a:solidFill>
-              </a:rPr>
-              <a:t>Mars JUG 2013</a:t>
-            </a:r>
-            <a:endParaRPr lang="fr-FR" b="1" dirty="0">
-              <a:solidFill>
-                <a:srgbClr val="145069"/>
-              </a:solidFill>
-            </a:endParaRPr>
-          </a:p>
-        </p:txBody>
-      </p:sp>
     </p:spTree>
     <p:extLst>
       <p:ext uri="{BB962C8B-B14F-4D97-AF65-F5344CB8AC3E}">
@@ -3806,11 +3911,11 @@
             </a:avLst>
           </a:prstGeom>
           <a:solidFill>
-            <a:srgbClr val="2684AC"/>
+            <a:srgbClr val="364097"/>
           </a:solidFill>
           <a:ln>
             <a:solidFill>
-              <a:srgbClr val="4F81BD"/>
+              <a:srgbClr val="364097"/>
             </a:solidFill>
           </a:ln>
         </p:spPr>
@@ -3925,9 +4030,12 @@
           <a:prstGeom prst="rect">
             <a:avLst/>
           </a:prstGeom>
+          <a:solidFill>
+            <a:srgbClr val="364097"/>
+          </a:solidFill>
           <a:ln w="28575" cmpd="sng">
             <a:solidFill>
-              <a:srgbClr val="4F81BD"/>
+              <a:srgbClr val="364097"/>
             </a:solidFill>
           </a:ln>
         </p:spPr>
@@ -3960,9 +4068,12 @@
           <a:prstGeom prst="rect">
             <a:avLst/>
           </a:prstGeom>
+          <a:solidFill>
+            <a:srgbClr val="364097"/>
+          </a:solidFill>
           <a:ln w="28575" cmpd="sng">
             <a:solidFill>
-              <a:srgbClr val="4F81BD"/>
+              <a:srgbClr val="364097"/>
             </a:solidFill>
           </a:ln>
         </p:spPr>
@@ -6232,7 +6343,7 @@
           </a:prstGeom>
           <a:ln w="28575" cmpd="sng">
             <a:solidFill>
-              <a:srgbClr val="4F81BD"/>
+              <a:srgbClr val="364097"/>
             </a:solidFill>
           </a:ln>
         </p:spPr>
@@ -6267,7 +6378,7 @@
           </a:prstGeom>
           <a:ln w="28575" cmpd="sng">
             <a:solidFill>
-              <a:srgbClr val="4F81BD"/>
+              <a:srgbClr val="364097"/>
             </a:solidFill>
           </a:ln>
         </p:spPr>
@@ -6498,7 +6609,7 @@
           <a:noFill/>
           <a:ln w="38100">
             <a:solidFill>
-              <a:srgbClr val="4F81BD"/>
+              <a:srgbClr val="364097"/>
             </a:solidFill>
           </a:ln>
         </p:spPr>
@@ -6546,7 +6657,7 @@
           </a:prstGeom>
           <a:ln>
             <a:solidFill>
-              <a:srgbClr val="4F81BD"/>
+              <a:srgbClr val="364097"/>
             </a:solidFill>
             <a:tailEnd type="arrow"/>
           </a:ln>
@@ -6623,7 +6734,7 @@
           <a:noFill/>
           <a:ln w="38100">
             <a:solidFill>
-              <a:srgbClr val="4F81BD"/>
+              <a:srgbClr val="364097"/>
             </a:solidFill>
           </a:ln>
         </p:spPr>
@@ -6671,7 +6782,7 @@
           </a:prstGeom>
           <a:ln>
             <a:solidFill>
-              <a:srgbClr val="4F81BD"/>
+              <a:srgbClr val="364097"/>
             </a:solidFill>
             <a:tailEnd type="arrow"/>
           </a:ln>
@@ -6748,7 +6859,7 @@
           <a:noFill/>
           <a:ln w="38100">
             <a:solidFill>
-              <a:srgbClr val="4F81BD"/>
+              <a:srgbClr val="364097"/>
             </a:solidFill>
           </a:ln>
         </p:spPr>
@@ -6795,7 +6906,7 @@
           </a:prstGeom>
           <a:ln>
             <a:solidFill>
-              <a:srgbClr val="4F81BD"/>
+              <a:srgbClr val="364097"/>
             </a:solidFill>
             <a:tailEnd type="arrow"/>
           </a:ln>
@@ -8248,18 +8359,10 @@
           <a:p>
             <a:pPr algn="l"/>
             <a:r>
-              <a:rPr lang="en-US" dirty="0" smtClean="0">
-                <a:solidFill>
-                  <a:srgbClr val="2684AC"/>
-                </a:solidFill>
-              </a:rPr>
+              <a:rPr lang="en-US" dirty="0" smtClean="0"/>
               <a:t>Content Display Management</a:t>
             </a:r>
-            <a:endParaRPr lang="fr-FR" dirty="0">
-              <a:solidFill>
-                <a:srgbClr val="2684AC"/>
-              </a:solidFill>
-            </a:endParaRPr>
+            <a:endParaRPr lang="fr-FR" dirty="0"/>
           </a:p>
         </p:txBody>
       </p:sp>
@@ -8752,7 +8855,7 @@
               <a:noFill/>
               <a:ln>
                 <a:solidFill>
-                  <a:srgbClr val="4F81BD"/>
+                  <a:srgbClr val="364097"/>
                 </a:solidFill>
               </a:ln>
             </p:spPr>
@@ -8796,7 +8899,7 @@
               <a:noFill/>
               <a:ln>
                 <a:solidFill>
-                  <a:srgbClr val="4F81BD"/>
+                  <a:srgbClr val="364097"/>
                 </a:solidFill>
               </a:ln>
             </p:spPr>
@@ -8840,7 +8943,7 @@
               <a:noFill/>
               <a:ln>
                 <a:solidFill>
-                  <a:srgbClr val="4F81BD"/>
+                  <a:srgbClr val="364097"/>
                 </a:solidFill>
               </a:ln>
             </p:spPr>
@@ -8884,7 +8987,7 @@
               <a:noFill/>
               <a:ln>
                 <a:solidFill>
-                  <a:srgbClr val="4F81BD"/>
+                  <a:srgbClr val="364097"/>
                 </a:solidFill>
               </a:ln>
             </p:spPr>
@@ -8928,7 +9031,7 @@
               <a:noFill/>
               <a:ln>
                 <a:solidFill>
-                  <a:srgbClr val="4F81BD"/>
+                  <a:srgbClr val="364097"/>
                 </a:solidFill>
               </a:ln>
             </p:spPr>
@@ -8976,7 +9079,7 @@
               </a:prstGeom>
               <a:ln>
                 <a:solidFill>
-                  <a:srgbClr val="4F81BD"/>
+                  <a:srgbClr val="364097"/>
                 </a:solidFill>
                 <a:tailEnd type="arrow"/>
               </a:ln>
@@ -9017,7 +9120,7 @@
               </a:prstGeom>
               <a:ln>
                 <a:solidFill>
-                  <a:srgbClr val="4F81BD"/>
+                  <a:srgbClr val="364097"/>
                 </a:solidFill>
                 <a:tailEnd type="arrow"/>
               </a:ln>
@@ -9056,7 +9159,7 @@
               </a:prstGeom>
               <a:ln>
                 <a:solidFill>
-                  <a:srgbClr val="4F81BD"/>
+                  <a:srgbClr val="364097"/>
                 </a:solidFill>
                 <a:tailEnd type="arrow"/>
               </a:ln>
@@ -9095,7 +9198,7 @@
               </a:prstGeom>
               <a:ln>
                 <a:solidFill>
-                  <a:srgbClr val="4F81BD"/>
+                  <a:srgbClr val="364097"/>
                 </a:solidFill>
                 <a:tailEnd type="arrow"/>
               </a:ln>
@@ -9330,7 +9433,7 @@
               <a:noFill/>
               <a:ln>
                 <a:solidFill>
-                  <a:srgbClr val="4F81BD"/>
+                  <a:srgbClr val="364097"/>
                 </a:solidFill>
               </a:ln>
             </p:spPr>
@@ -9376,7 +9479,7 @@
               <a:noFill/>
               <a:ln>
                 <a:solidFill>
-                  <a:srgbClr val="4F81BD"/>
+                  <a:srgbClr val="364097"/>
                 </a:solidFill>
               </a:ln>
             </p:spPr>
@@ -9422,7 +9525,7 @@
               <a:noFill/>
               <a:ln>
                 <a:solidFill>
-                  <a:srgbClr val="4F81BD"/>
+                  <a:srgbClr val="364097"/>
                 </a:solidFill>
               </a:ln>
             </p:spPr>
@@ -9472,7 +9575,7 @@
               </a:prstGeom>
               <a:ln>
                 <a:solidFill>
-                  <a:srgbClr val="4F81BD"/>
+                  <a:srgbClr val="364097"/>
                 </a:solidFill>
                 <a:tailEnd type="arrow"/>
               </a:ln>
@@ -9511,7 +9614,7 @@
               </a:prstGeom>
               <a:ln>
                 <a:solidFill>
-                  <a:srgbClr val="4F81BD"/>
+                  <a:srgbClr val="364097"/>
                 </a:solidFill>
                 <a:tailEnd type="arrow"/>
               </a:ln>
@@ -10638,77 +10741,77 @@
           </a:p>
         </p:txBody>
       </p:sp>
+      <p:pic>
+        <p:nvPicPr>
+          <p:cNvPr id="2050" name="Picture 2"/>
+          <p:cNvPicPr>
+            <a:picLocks noChangeAspect="1" noChangeArrowheads="1"/>
+          </p:cNvPicPr>
+          <p:nvPr/>
+        </p:nvPicPr>
+        <p:blipFill>
+          <a:blip r:embed="rId2">
+            <a:extLst>
+              <a:ext uri="{28A0092B-C50C-407E-A947-70E740481C1C}">
+                <a14:useLocalDpi xmlns:a14="http://schemas.microsoft.com/office/drawing/2010/main" val="0"/>
+              </a:ext>
+            </a:extLst>
+          </a:blip>
+          <a:srcRect/>
+          <a:stretch>
+            <a:fillRect/>
+          </a:stretch>
+        </p:blipFill>
+        <p:spPr bwMode="auto">
+          <a:xfrm>
+            <a:off x="1088229" y="4267200"/>
+            <a:ext cx="7903371" cy="1742203"/>
+          </a:xfrm>
+          <a:prstGeom prst="rect">
+            <a:avLst/>
+          </a:prstGeom>
+          <a:noFill/>
+          <a:ln w="9525">
+            <a:noFill/>
+            <a:miter lim="800000"/>
+            <a:headEnd/>
+            <a:tailEnd/>
+          </a:ln>
+          <a:effectLst/>
+          <a:extLst>
+            <a:ext uri="{909E8E84-426E-40DD-AFC4-6F175D3DCCD1}">
+              <a14:hiddenFill xmlns:a14="http://schemas.microsoft.com/office/drawing/2010/main">
+                <a:solidFill>
+                  <a:schemeClr val="accent1"/>
+                </a:solidFill>
+              </a14:hiddenFill>
+            </a:ext>
+            <a:ext uri="{AF507438-7753-43E0-B8FC-AC1667EBCBE1}">
+              <a14:hiddenEffects xmlns:a14="http://schemas.microsoft.com/office/drawing/2010/main">
+                <a:effectLst>
+                  <a:outerShdw dist="35921" dir="2700000" algn="ctr" rotWithShape="0">
+                    <a:schemeClr val="bg2"/>
+                  </a:outerShdw>
+                </a:effectLst>
+              </a14:hiddenEffects>
+            </a:ext>
+          </a:extLst>
+        </p:spPr>
+      </p:pic>
       <p:grpSp>
         <p:nvGrpSpPr>
-          <p:cNvPr id="7" name="Groupe 6"/>
+          <p:cNvPr id="3" name="Groupe 2"/>
           <p:cNvGrpSpPr/>
           <p:nvPr/>
         </p:nvGrpSpPr>
         <p:grpSpPr>
           <a:xfrm>
-            <a:off x="1088229" y="2362200"/>
-            <a:ext cx="7903371" cy="3647203"/>
-            <a:chOff x="1088229" y="2362200"/>
-            <a:chExt cx="7903371" cy="3647203"/>
+            <a:off x="1092200" y="2362200"/>
+            <a:ext cx="6942666" cy="2067797"/>
+            <a:chOff x="1092200" y="2362200"/>
+            <a:chExt cx="6942666" cy="2067797"/>
           </a:xfrm>
         </p:grpSpPr>
-        <p:pic>
-          <p:nvPicPr>
-            <p:cNvPr id="2050" name="Picture 2"/>
-            <p:cNvPicPr>
-              <a:picLocks noChangeAspect="1" noChangeArrowheads="1"/>
-            </p:cNvPicPr>
-            <p:nvPr/>
-          </p:nvPicPr>
-          <p:blipFill>
-            <a:blip r:embed="rId2">
-              <a:extLst>
-                <a:ext uri="{28A0092B-C50C-407E-A947-70E740481C1C}">
-                  <a14:useLocalDpi xmlns:a14="http://schemas.microsoft.com/office/drawing/2010/main" val="0"/>
-                </a:ext>
-              </a:extLst>
-            </a:blip>
-            <a:srcRect/>
-            <a:stretch>
-              <a:fillRect/>
-            </a:stretch>
-          </p:blipFill>
-          <p:spPr bwMode="auto">
-            <a:xfrm>
-              <a:off x="1088229" y="4267200"/>
-              <a:ext cx="7903371" cy="1742203"/>
-            </a:xfrm>
-            <a:prstGeom prst="rect">
-              <a:avLst/>
-            </a:prstGeom>
-            <a:noFill/>
-            <a:ln w="9525">
-              <a:noFill/>
-              <a:miter lim="800000"/>
-              <a:headEnd/>
-              <a:tailEnd/>
-            </a:ln>
-            <a:effectLst/>
-            <a:extLst>
-              <a:ext uri="{909E8E84-426E-40DD-AFC4-6F175D3DCCD1}">
-                <a14:hiddenFill xmlns:a14="http://schemas.microsoft.com/office/drawing/2010/main">
-                  <a:solidFill>
-                    <a:schemeClr val="accent1"/>
-                  </a:solidFill>
-                </a14:hiddenFill>
-              </a:ext>
-              <a:ext uri="{AF507438-7753-43E0-B8FC-AC1667EBCBE1}">
-                <a14:hiddenEffects xmlns:a14="http://schemas.microsoft.com/office/drawing/2010/main">
-                  <a:effectLst>
-                    <a:outerShdw dist="35921" dir="2700000" algn="ctr" rotWithShape="0">
-                      <a:schemeClr val="bg2"/>
-                    </a:outerShdw>
-                  </a:effectLst>
-                </a14:hiddenEffects>
-              </a:ext>
-            </a:extLst>
-          </p:spPr>
-        </p:pic>
         <p:sp>
           <p:nvSpPr>
             <p:cNvPr id="5" name="Accolade ouvrante 4"/>
@@ -10725,7 +10828,7 @@
             </a:prstGeom>
             <a:ln>
               <a:solidFill>
-                <a:srgbClr val="4F81BD"/>
+                <a:srgbClr val="364097"/>
               </a:solidFill>
             </a:ln>
           </p:spPr>
@@ -10768,7 +10871,7 @@
             </a:prstGeom>
             <a:ln>
               <a:solidFill>
-                <a:srgbClr val="4F81BD"/>
+                <a:srgbClr val="364097"/>
               </a:solidFill>
             </a:ln>
           </p:spPr>
@@ -10827,7 +10930,7 @@
             <a:noFill/>
             <a:ln w="38100">
               <a:solidFill>
-                <a:srgbClr val="4F81BD"/>
+                <a:srgbClr val="364097"/>
               </a:solidFill>
               <a:miter lim="800000"/>
               <a:headEnd/>
@@ -10873,7 +10976,7 @@
             </a:prstGeom>
             <a:ln>
               <a:solidFill>
-                <a:srgbClr val="4F81BD"/>
+                <a:srgbClr val="364097"/>
               </a:solidFill>
               <a:tailEnd type="arrow"/>
             </a:ln>
@@ -10925,7 +11028,7 @@
             <a:noFill/>
             <a:ln w="38100">
               <a:solidFill>
-                <a:srgbClr val="4F81BD"/>
+                <a:srgbClr val="364097"/>
               </a:solidFill>
               <a:miter lim="800000"/>
               <a:headEnd/>
@@ -10984,7 +11087,7 @@
             <a:noFill/>
             <a:ln w="38100">
               <a:solidFill>
-                <a:srgbClr val="4F81BD"/>
+                <a:srgbClr val="364097"/>
               </a:solidFill>
               <a:miter lim="800000"/>
               <a:headEnd/>
@@ -11030,7 +11133,7 @@
             </a:prstGeom>
             <a:ln>
               <a:solidFill>
-                <a:srgbClr val="4F81BD"/>
+                <a:srgbClr val="364097"/>
               </a:solidFill>
               <a:tailEnd type="arrow"/>
             </a:ln>
@@ -11072,7 +11175,7 @@
             </a:prstGeom>
             <a:ln>
               <a:solidFill>
-                <a:srgbClr val="4F81BD"/>
+                <a:srgbClr val="364097"/>
               </a:solidFill>
               <a:tailEnd type="arrow"/>
             </a:ln>
@@ -11188,332 +11291,317 @@
           </a:p>
         </p:txBody>
       </p:sp>
-      <p:grpSp>
-        <p:nvGrpSpPr>
-          <p:cNvPr id="2" name="Groupe 1"/>
-          <p:cNvGrpSpPr/>
+      <p:pic>
+        <p:nvPicPr>
+          <p:cNvPr id="3075" name="Picture 3"/>
+          <p:cNvPicPr>
+            <a:picLocks noChangeAspect="1" noChangeArrowheads="1"/>
+          </p:cNvPicPr>
           <p:nvPr/>
-        </p:nvGrpSpPr>
-        <p:grpSpPr>
+        </p:nvPicPr>
+        <p:blipFill>
+          <a:blip r:embed="rId2">
+            <a:extLst>
+              <a:ext uri="{28A0092B-C50C-407E-A947-70E740481C1C}">
+                <a14:useLocalDpi xmlns:a14="http://schemas.microsoft.com/office/drawing/2010/main" val="0"/>
+              </a:ext>
+            </a:extLst>
+          </a:blip>
+          <a:srcRect/>
+          <a:stretch>
+            <a:fillRect/>
+          </a:stretch>
+        </p:blipFill>
+        <p:spPr bwMode="auto">
+          <a:xfrm>
+            <a:off x="520577" y="2209800"/>
+            <a:ext cx="8090023" cy="3581400"/>
+          </a:xfrm>
+          <a:prstGeom prst="rect">
+            <a:avLst/>
+          </a:prstGeom>
+          <a:noFill/>
+          <a:ln w="9525">
+            <a:noFill/>
+            <a:miter lim="800000"/>
+            <a:headEnd/>
+            <a:tailEnd/>
+          </a:ln>
+          <a:effectLst/>
+          <a:extLst>
+            <a:ext uri="{909E8E84-426E-40DD-AFC4-6F175D3DCCD1}">
+              <a14:hiddenFill xmlns:a14="http://schemas.microsoft.com/office/drawing/2010/main">
+                <a:solidFill>
+                  <a:schemeClr val="accent1"/>
+                </a:solidFill>
+              </a14:hiddenFill>
+            </a:ext>
+            <a:ext uri="{AF507438-7753-43E0-B8FC-AC1667EBCBE1}">
+              <a14:hiddenEffects xmlns:a14="http://schemas.microsoft.com/office/drawing/2010/main">
+                <a:effectLst>
+                  <a:outerShdw dist="35921" dir="2700000" algn="ctr" rotWithShape="0">
+                    <a:schemeClr val="bg2"/>
+                  </a:outerShdw>
+                </a:effectLst>
+              </a14:hiddenEffects>
+            </a:ext>
+          </a:extLst>
+        </p:spPr>
+      </p:pic>
+      <p:sp>
+        <p:nvSpPr>
+          <p:cNvPr id="7" name="Rectangle 6"/>
+          <p:cNvSpPr/>
+          <p:nvPr/>
+        </p:nvSpPr>
+        <p:spPr>
           <a:xfrm>
             <a:off x="457200" y="2133600"/>
-            <a:ext cx="8458200" cy="3657600"/>
-            <a:chOff x="457200" y="2133600"/>
-            <a:chExt cx="8458200" cy="3657600"/>
+            <a:ext cx="5943600" cy="304800"/>
           </a:xfrm>
-        </p:grpSpPr>
-        <p:pic>
-          <p:nvPicPr>
-            <p:cNvPr id="3075" name="Picture 3"/>
-            <p:cNvPicPr>
-              <a:picLocks noChangeAspect="1" noChangeArrowheads="1"/>
-            </p:cNvPicPr>
-            <p:nvPr/>
-          </p:nvPicPr>
-          <p:blipFill>
-            <a:blip r:embed="rId2">
-              <a:extLst>
-                <a:ext uri="{28A0092B-C50C-407E-A947-70E740481C1C}">
-                  <a14:useLocalDpi xmlns:a14="http://schemas.microsoft.com/office/drawing/2010/main" val="0"/>
-                </a:ext>
-              </a:extLst>
-            </a:blip>
-            <a:srcRect/>
-            <a:stretch>
-              <a:fillRect/>
-            </a:stretch>
-          </p:blipFill>
-          <p:spPr bwMode="auto">
-            <a:xfrm>
-              <a:off x="520577" y="2209800"/>
-              <a:ext cx="8090023" cy="3581400"/>
-            </a:xfrm>
-            <a:prstGeom prst="rect">
-              <a:avLst/>
-            </a:prstGeom>
-            <a:noFill/>
-            <a:ln w="9525">
-              <a:noFill/>
-              <a:miter lim="800000"/>
-              <a:headEnd/>
-              <a:tailEnd/>
-            </a:ln>
-            <a:effectLst/>
-            <a:extLst>
-              <a:ext uri="{909E8E84-426E-40DD-AFC4-6F175D3DCCD1}">
-                <a14:hiddenFill xmlns:a14="http://schemas.microsoft.com/office/drawing/2010/main">
-                  <a:solidFill>
-                    <a:schemeClr val="accent1"/>
-                  </a:solidFill>
-                </a14:hiddenFill>
-              </a:ext>
-              <a:ext uri="{AF507438-7753-43E0-B8FC-AC1667EBCBE1}">
-                <a14:hiddenEffects xmlns:a14="http://schemas.microsoft.com/office/drawing/2010/main">
-                  <a:effectLst>
-                    <a:outerShdw dist="35921" dir="2700000" algn="ctr" rotWithShape="0">
-                      <a:schemeClr val="bg2"/>
-                    </a:outerShdw>
-                  </a:effectLst>
-                </a14:hiddenEffects>
-              </a:ext>
-            </a:extLst>
-          </p:spPr>
-        </p:pic>
-        <p:sp>
-          <p:nvSpPr>
-            <p:cNvPr id="7" name="Rectangle 6"/>
-            <p:cNvSpPr/>
-            <p:nvPr/>
-          </p:nvSpPr>
-          <p:spPr>
-            <a:xfrm>
-              <a:off x="457200" y="2133600"/>
-              <a:ext cx="5943600" cy="304800"/>
-            </a:xfrm>
-            <a:prstGeom prst="rect">
-              <a:avLst/>
-            </a:prstGeom>
-            <a:noFill/>
-            <a:ln w="38100">
-              <a:solidFill>
-                <a:srgbClr val="4F81BD"/>
-              </a:solidFill>
-            </a:ln>
-          </p:spPr>
-          <p:style>
-            <a:lnRef idx="2">
-              <a:schemeClr val="accent1">
-                <a:shade val="50000"/>
-              </a:schemeClr>
-            </a:lnRef>
-            <a:fillRef idx="1">
-              <a:schemeClr val="accent1"/>
-            </a:fillRef>
-            <a:effectRef idx="0">
-              <a:schemeClr val="accent1"/>
-            </a:effectRef>
-            <a:fontRef idx="minor">
-              <a:schemeClr val="lt1"/>
-            </a:fontRef>
-          </p:style>
-          <p:txBody>
-            <a:bodyPr rtlCol="0" anchor="ctr"/>
-            <a:lstStyle/>
-            <a:p>
-              <a:pPr algn="ctr"/>
-              <a:endParaRPr lang="en-US"/>
-            </a:p>
-          </p:txBody>
-        </p:sp>
-        <p:sp>
-          <p:nvSpPr>
-            <p:cNvPr id="10" name="Rectangle 9"/>
-            <p:cNvSpPr/>
-            <p:nvPr/>
-          </p:nvSpPr>
-          <p:spPr>
-            <a:xfrm>
-              <a:off x="609600" y="2629468"/>
-              <a:ext cx="5410200" cy="1332931"/>
-            </a:xfrm>
-            <a:prstGeom prst="rect">
-              <a:avLst/>
-            </a:prstGeom>
-            <a:noFill/>
-            <a:ln w="38100">
-              <a:solidFill>
-                <a:srgbClr val="4F81BD"/>
-              </a:solidFill>
-            </a:ln>
-          </p:spPr>
-          <p:style>
-            <a:lnRef idx="2">
-              <a:schemeClr val="accent1">
-                <a:shade val="50000"/>
-              </a:schemeClr>
-            </a:lnRef>
-            <a:fillRef idx="1">
-              <a:schemeClr val="accent1"/>
-            </a:fillRef>
-            <a:effectRef idx="0">
-              <a:schemeClr val="accent1"/>
-            </a:effectRef>
-            <a:fontRef idx="minor">
-              <a:schemeClr val="lt1"/>
-            </a:fontRef>
-          </p:style>
-          <p:txBody>
-            <a:bodyPr rtlCol="0" anchor="ctr"/>
-            <a:lstStyle/>
-            <a:p>
-              <a:pPr algn="ctr"/>
-              <a:endParaRPr lang="en-US"/>
-            </a:p>
-          </p:txBody>
-        </p:sp>
-        <p:sp>
-          <p:nvSpPr>
-            <p:cNvPr id="8" name="ZoneTexte 7"/>
-            <p:cNvSpPr txBox="1"/>
-            <p:nvPr/>
-          </p:nvSpPr>
-          <p:spPr>
-            <a:xfrm>
-              <a:off x="6477000" y="2667000"/>
-              <a:ext cx="2438400" cy="1015663"/>
-            </a:xfrm>
-            <a:prstGeom prst="rect">
-              <a:avLst/>
-            </a:prstGeom>
-            <a:noFill/>
-            <a:ln w="38100">
-              <a:solidFill>
-                <a:srgbClr val="4F81BD"/>
-              </a:solidFill>
-            </a:ln>
-          </p:spPr>
-          <p:txBody>
-            <a:bodyPr wrap="square" rtlCol="0">
-              <a:spAutoFit/>
-            </a:bodyPr>
-            <a:lstStyle/>
-            <a:p>
-              <a:r>
-                <a:rPr lang="en-US" sz="2000" dirty="0" smtClean="0"/>
-                <a:t>The unit tests are generated using APT too </a:t>
-              </a:r>
-              <a:r>
-                <a:rPr lang="en-US" sz="2000" b="1" dirty="0" smtClean="0">
-                  <a:sym typeface="Wingdings" pitchFamily="2" charset="2"/>
-                </a:rPr>
-                <a:t></a:t>
-              </a:r>
-              <a:endParaRPr lang="en-US" sz="2000" b="1" dirty="0"/>
-            </a:p>
-          </p:txBody>
-        </p:sp>
-        <p:cxnSp>
-          <p:nvCxnSpPr>
-            <p:cNvPr id="11" name="Connecteur droit avec flèche 10"/>
-            <p:cNvCxnSpPr>
-              <a:stCxn id="8" idx="0"/>
-              <a:endCxn id="7" idx="3"/>
-            </p:cNvCxnSpPr>
-            <p:nvPr/>
-          </p:nvCxnSpPr>
-          <p:spPr>
-            <a:xfrm flipH="1" flipV="1">
-              <a:off x="6400800" y="2286000"/>
-              <a:ext cx="1295400" cy="381000"/>
-            </a:xfrm>
-            <a:prstGeom prst="straightConnector1">
-              <a:avLst/>
-            </a:prstGeom>
-            <a:ln>
-              <a:solidFill>
-                <a:srgbClr val="4F81BD"/>
-              </a:solidFill>
-              <a:tailEnd type="arrow"/>
-            </a:ln>
-          </p:spPr>
-          <p:style>
-            <a:lnRef idx="2">
-              <a:schemeClr val="accent6"/>
-            </a:lnRef>
-            <a:fillRef idx="0">
-              <a:schemeClr val="accent6"/>
-            </a:fillRef>
-            <a:effectRef idx="1">
-              <a:schemeClr val="accent6"/>
-            </a:effectRef>
-            <a:fontRef idx="minor">
-              <a:schemeClr val="tx1"/>
-            </a:fontRef>
-          </p:style>
-        </p:cxnSp>
-        <p:sp>
-          <p:nvSpPr>
-            <p:cNvPr id="17" name="ZoneTexte 16"/>
-            <p:cNvSpPr txBox="1"/>
-            <p:nvPr/>
-          </p:nvSpPr>
-          <p:spPr>
-            <a:xfrm>
-              <a:off x="4648200" y="4343400"/>
-              <a:ext cx="4266207" cy="1015663"/>
-            </a:xfrm>
-            <a:prstGeom prst="rect">
-              <a:avLst/>
-            </a:prstGeom>
-            <a:noFill/>
-            <a:ln w="38100">
-              <a:solidFill>
-                <a:srgbClr val="4F81BD"/>
-              </a:solidFill>
-            </a:ln>
-          </p:spPr>
-          <p:txBody>
-            <a:bodyPr wrap="square" rtlCol="0">
-              <a:spAutoFit/>
-            </a:bodyPr>
-            <a:lstStyle/>
-            <a:p>
-              <a:r>
-                <a:rPr lang="en-US" sz="2000" b="1" dirty="0" err="1" smtClean="0"/>
-                <a:t>BundleFactory.get</a:t>
-              </a:r>
-              <a:r>
-                <a:rPr lang="en-US" sz="2000" b="1" dirty="0" smtClean="0"/>
-                <a:t>(…)</a:t>
-              </a:r>
-              <a:r>
-                <a:rPr lang="en-US" sz="2000" dirty="0" smtClean="0"/>
-                <a:t> usage in the test @Before to retrieve the bundle implementation</a:t>
-              </a:r>
-              <a:endParaRPr lang="en-US" sz="2000" dirty="0"/>
-            </a:p>
-          </p:txBody>
-        </p:sp>
-        <p:cxnSp>
-          <p:nvCxnSpPr>
-            <p:cNvPr id="20" name="Connecteur droit avec flèche 19"/>
-            <p:cNvCxnSpPr>
-              <a:stCxn id="17" idx="0"/>
-              <a:endCxn id="10" idx="3"/>
-            </p:cNvCxnSpPr>
-            <p:nvPr/>
-          </p:nvCxnSpPr>
-          <p:spPr>
-            <a:xfrm flipH="1" flipV="1">
-              <a:off x="6019800" y="3295934"/>
-              <a:ext cx="761504" cy="1047466"/>
-            </a:xfrm>
-            <a:prstGeom prst="straightConnector1">
-              <a:avLst/>
-            </a:prstGeom>
-            <a:ln>
-              <a:solidFill>
-                <a:srgbClr val="4F81BD"/>
-              </a:solidFill>
-              <a:tailEnd type="arrow"/>
-            </a:ln>
-          </p:spPr>
-          <p:style>
-            <a:lnRef idx="2">
-              <a:schemeClr val="accent6"/>
-            </a:lnRef>
-            <a:fillRef idx="0">
-              <a:schemeClr val="accent6"/>
-            </a:fillRef>
-            <a:effectRef idx="1">
-              <a:schemeClr val="accent6"/>
-            </a:effectRef>
-            <a:fontRef idx="minor">
-              <a:schemeClr val="tx1"/>
-            </a:fontRef>
-          </p:style>
-        </p:cxnSp>
-      </p:grpSp>
+          <a:prstGeom prst="rect">
+            <a:avLst/>
+          </a:prstGeom>
+          <a:noFill/>
+          <a:ln w="38100">
+            <a:solidFill>
+              <a:srgbClr val="364097"/>
+            </a:solidFill>
+          </a:ln>
+        </p:spPr>
+        <p:style>
+          <a:lnRef idx="2">
+            <a:schemeClr val="accent1">
+              <a:shade val="50000"/>
+            </a:schemeClr>
+          </a:lnRef>
+          <a:fillRef idx="1">
+            <a:schemeClr val="accent1"/>
+          </a:fillRef>
+          <a:effectRef idx="0">
+            <a:schemeClr val="accent1"/>
+          </a:effectRef>
+          <a:fontRef idx="minor">
+            <a:schemeClr val="lt1"/>
+          </a:fontRef>
+        </p:style>
+        <p:txBody>
+          <a:bodyPr rtlCol="0" anchor="ctr"/>
+          <a:lstStyle/>
+          <a:p>
+            <a:pPr algn="ctr"/>
+            <a:endParaRPr lang="en-US"/>
+          </a:p>
+        </p:txBody>
+      </p:sp>
+      <p:sp>
+        <p:nvSpPr>
+          <p:cNvPr id="10" name="Rectangle 9"/>
+          <p:cNvSpPr/>
+          <p:nvPr/>
+        </p:nvSpPr>
+        <p:spPr>
+          <a:xfrm>
+            <a:off x="609600" y="2629468"/>
+            <a:ext cx="5410200" cy="1332931"/>
+          </a:xfrm>
+          <a:prstGeom prst="rect">
+            <a:avLst/>
+          </a:prstGeom>
+          <a:noFill/>
+          <a:ln w="38100">
+            <a:solidFill>
+              <a:srgbClr val="364097"/>
+            </a:solidFill>
+          </a:ln>
+        </p:spPr>
+        <p:style>
+          <a:lnRef idx="2">
+            <a:schemeClr val="accent1">
+              <a:shade val="50000"/>
+            </a:schemeClr>
+          </a:lnRef>
+          <a:fillRef idx="1">
+            <a:schemeClr val="accent1"/>
+          </a:fillRef>
+          <a:effectRef idx="0">
+            <a:schemeClr val="accent1"/>
+          </a:effectRef>
+          <a:fontRef idx="minor">
+            <a:schemeClr val="lt1"/>
+          </a:fontRef>
+        </p:style>
+        <p:txBody>
+          <a:bodyPr rtlCol="0" anchor="ctr"/>
+          <a:lstStyle/>
+          <a:p>
+            <a:pPr algn="ctr"/>
+            <a:endParaRPr lang="en-US"/>
+          </a:p>
+        </p:txBody>
+      </p:sp>
+      <p:sp>
+        <p:nvSpPr>
+          <p:cNvPr id="8" name="ZoneTexte 7"/>
+          <p:cNvSpPr txBox="1"/>
+          <p:nvPr/>
+        </p:nvSpPr>
+        <p:spPr>
+          <a:xfrm>
+            <a:off x="6477000" y="2667000"/>
+            <a:ext cx="2438400" cy="1015663"/>
+          </a:xfrm>
+          <a:prstGeom prst="rect">
+            <a:avLst/>
+          </a:prstGeom>
+          <a:noFill/>
+          <a:ln w="38100">
+            <a:solidFill>
+              <a:srgbClr val="364097"/>
+            </a:solidFill>
+          </a:ln>
+        </p:spPr>
+        <p:txBody>
+          <a:bodyPr wrap="square" rtlCol="0">
+            <a:spAutoFit/>
+          </a:bodyPr>
+          <a:lstStyle/>
+          <a:p>
+            <a:r>
+              <a:rPr lang="en-US" sz="2000" dirty="0" smtClean="0"/>
+              <a:t>The unit tests are generated using APT too </a:t>
+            </a:r>
+            <a:r>
+              <a:rPr lang="en-US" sz="2000" b="1" dirty="0" smtClean="0">
+                <a:sym typeface="Wingdings" pitchFamily="2" charset="2"/>
+              </a:rPr>
+              <a:t></a:t>
+            </a:r>
+            <a:endParaRPr lang="en-US" sz="2000" b="1" dirty="0"/>
+          </a:p>
+        </p:txBody>
+      </p:sp>
+      <p:cxnSp>
+        <p:nvCxnSpPr>
+          <p:cNvPr id="11" name="Connecteur droit avec flèche 10"/>
+          <p:cNvCxnSpPr>
+            <a:stCxn id="8" idx="0"/>
+            <a:endCxn id="7" idx="3"/>
+          </p:cNvCxnSpPr>
+          <p:nvPr/>
+        </p:nvCxnSpPr>
+        <p:spPr>
+          <a:xfrm flipH="1" flipV="1">
+            <a:off x="6400800" y="2286000"/>
+            <a:ext cx="1295400" cy="381000"/>
+          </a:xfrm>
+          <a:prstGeom prst="straightConnector1">
+            <a:avLst/>
+          </a:prstGeom>
+          <a:ln>
+            <a:solidFill>
+              <a:srgbClr val="364097"/>
+            </a:solidFill>
+            <a:tailEnd type="arrow"/>
+          </a:ln>
+        </p:spPr>
+        <p:style>
+          <a:lnRef idx="2">
+            <a:schemeClr val="accent6"/>
+          </a:lnRef>
+          <a:fillRef idx="0">
+            <a:schemeClr val="accent6"/>
+          </a:fillRef>
+          <a:effectRef idx="1">
+            <a:schemeClr val="accent6"/>
+          </a:effectRef>
+          <a:fontRef idx="minor">
+            <a:schemeClr val="tx1"/>
+          </a:fontRef>
+        </p:style>
+      </p:cxnSp>
+      <p:sp>
+        <p:nvSpPr>
+          <p:cNvPr id="17" name="ZoneTexte 16"/>
+          <p:cNvSpPr txBox="1"/>
+          <p:nvPr/>
+        </p:nvSpPr>
+        <p:spPr>
+          <a:xfrm>
+            <a:off x="4648200" y="4343400"/>
+            <a:ext cx="4266207" cy="1015663"/>
+          </a:xfrm>
+          <a:prstGeom prst="rect">
+            <a:avLst/>
+          </a:prstGeom>
+          <a:noFill/>
+          <a:ln w="38100">
+            <a:solidFill>
+              <a:srgbClr val="364097"/>
+            </a:solidFill>
+          </a:ln>
+        </p:spPr>
+        <p:txBody>
+          <a:bodyPr wrap="square" rtlCol="0">
+            <a:spAutoFit/>
+          </a:bodyPr>
+          <a:lstStyle/>
+          <a:p>
+            <a:r>
+              <a:rPr lang="en-US" sz="2000" b="1" dirty="0" err="1" smtClean="0"/>
+              <a:t>BundleFactory.get</a:t>
+            </a:r>
+            <a:r>
+              <a:rPr lang="en-US" sz="2000" b="1" dirty="0" smtClean="0"/>
+              <a:t>(…)</a:t>
+            </a:r>
+            <a:r>
+              <a:rPr lang="en-US" sz="2000" dirty="0" smtClean="0"/>
+              <a:t> usage in the test @Before to retrieve the bundle implementation</a:t>
+            </a:r>
+            <a:endParaRPr lang="en-US" sz="2000" dirty="0"/>
+          </a:p>
+        </p:txBody>
+      </p:sp>
+      <p:cxnSp>
+        <p:nvCxnSpPr>
+          <p:cNvPr id="20" name="Connecteur droit avec flèche 19"/>
+          <p:cNvCxnSpPr>
+            <a:stCxn id="17" idx="0"/>
+            <a:endCxn id="10" idx="3"/>
+          </p:cNvCxnSpPr>
+          <p:nvPr/>
+        </p:nvCxnSpPr>
+        <p:spPr>
+          <a:xfrm flipH="1" flipV="1">
+            <a:off x="6019800" y="3295934"/>
+            <a:ext cx="761504" cy="1047466"/>
+          </a:xfrm>
+          <a:prstGeom prst="straightConnector1">
+            <a:avLst/>
+          </a:prstGeom>
+          <a:ln>
+            <a:solidFill>
+              <a:srgbClr val="364097"/>
+            </a:solidFill>
+            <a:tailEnd type="arrow"/>
+          </a:ln>
+        </p:spPr>
+        <p:style>
+          <a:lnRef idx="2">
+            <a:schemeClr val="accent6"/>
+          </a:lnRef>
+          <a:fillRef idx="0">
+            <a:schemeClr val="accent6"/>
+          </a:fillRef>
+          <a:effectRef idx="1">
+            <a:schemeClr val="accent6"/>
+          </a:effectRef>
+          <a:fontRef idx="minor">
+            <a:schemeClr val="tx1"/>
+          </a:fontRef>
+        </p:style>
+      </p:cxnSp>
     </p:spTree>
     <p:extLst>
       <p:ext uri="{BB962C8B-B14F-4D97-AF65-F5344CB8AC3E}">
@@ -11606,7 +11694,7 @@
           <a:noFill/>
           <a:ln w="38100">
             <a:solidFill>
-              <a:srgbClr val="2684AC"/>
+              <a:srgbClr val="364097"/>
             </a:solidFill>
             <a:miter lim="800000"/>
             <a:headEnd/>
@@ -11665,7 +11753,7 @@
           <a:noFill/>
           <a:ln w="38100">
             <a:solidFill>
-              <a:srgbClr val="2684AC"/>
+              <a:srgbClr val="364097"/>
             </a:solidFill>
             <a:miter lim="800000"/>
             <a:headEnd/>
@@ -11711,7 +11799,7 @@
           </a:prstGeom>
           <a:ln>
             <a:solidFill>
-              <a:srgbClr val="2684AC"/>
+              <a:srgbClr val="364097"/>
             </a:solidFill>
             <a:tailEnd type="arrow"/>
           </a:ln>
@@ -11750,7 +11838,7 @@
           </a:prstGeom>
           <a:ln>
             <a:solidFill>
-              <a:srgbClr val="2684AC"/>
+              <a:srgbClr val="364097"/>
             </a:solidFill>
             <a:tailEnd type="arrow"/>
           </a:ln>
@@ -11802,7 +11890,7 @@
           <a:noFill/>
           <a:ln w="38100">
             <a:solidFill>
-              <a:srgbClr val="2684AC"/>
+              <a:srgbClr val="364097"/>
             </a:solidFill>
             <a:miter lim="800000"/>
             <a:headEnd/>
@@ -11843,21 +11931,10 @@
           <a:prstGeom prst="roundRect">
             <a:avLst/>
           </a:prstGeom>
-          <a:gradFill flip="none" rotWithShape="1">
-            <a:gsLst>
-              <a:gs pos="0">
-                <a:srgbClr val="2684AC"/>
-              </a:gs>
-              <a:gs pos="100000">
-                <a:srgbClr val="FFFFFF"/>
-              </a:gs>
-            </a:gsLst>
-            <a:lin ang="16200000" scaled="0"/>
-            <a:tileRect/>
-          </a:gradFill>
-          <a:ln>
+          <a:noFill/>
+          <a:ln w="28575">
             <a:solidFill>
-              <a:srgbClr val="2684AC"/>
+              <a:srgbClr val="364097"/>
             </a:solidFill>
           </a:ln>
         </p:spPr>
@@ -11903,7 +11980,7 @@
           </a:prstGeom>
           <a:ln>
             <a:solidFill>
-              <a:srgbClr val="2684AC"/>
+              <a:srgbClr val="364097"/>
             </a:solidFill>
             <a:tailEnd type="arrow"/>
           </a:ln>
@@ -11938,6 +12015,9 @@
             <a:avLst/>
           </a:prstGeom>
           <a:noFill/>
+          <a:ln>
+            <a:noFill/>
+          </a:ln>
         </p:spPr>
         <p:txBody>
           <a:bodyPr wrap="none" rtlCol="0">
@@ -11990,7 +12070,7 @@
           </a:prstGeom>
           <a:ln>
             <a:solidFill>
-              <a:srgbClr val="2684AC"/>
+              <a:srgbClr val="364097"/>
             </a:solidFill>
             <a:tailEnd type="arrow"/>
           </a:ln>
@@ -12042,7 +12122,7 @@
           <a:noFill/>
           <a:ln w="38100">
             <a:solidFill>
-              <a:srgbClr val="2684AC"/>
+              <a:srgbClr val="364097"/>
             </a:solidFill>
             <a:miter lim="800000"/>
             <a:headEnd/>
@@ -12381,6 +12461,13 @@
   <p:clrMapOvr>
     <a:masterClrMapping/>
   </p:clrMapOvr>
+  <p:timing>
+    <p:tnLst>
+      <p:par>
+        <p:cTn id="1" dur="indefinite" restart="never" nodeType="tmRoot"/>
+      </p:par>
+    </p:tnLst>
+  </p:timing>
 </p:sld>
 </file>
 
@@ -12459,7 +12546,7 @@
             <a:r>
               <a:rPr lang="en-US" b="1" u="sng" dirty="0" smtClean="0">
                 <a:solidFill>
-                  <a:srgbClr val="2684AC"/>
+                  <a:srgbClr val="364097"/>
                 </a:solidFill>
               </a:rPr>
               <a:t>Effective Content Display</a:t>
@@ -12547,7 +12634,7 @@
             <a:r>
               <a:rPr lang="en-US" b="1" u="sng" dirty="0" smtClean="0">
                 <a:solidFill>
-                  <a:srgbClr val="2684AC"/>
+                  <a:srgbClr val="364097"/>
                 </a:solidFill>
               </a:rPr>
               <a:t>using APT Tooling</a:t>
@@ -12669,7 +12756,7 @@
             <a:r>
               <a:rPr lang="en-US" sz="2400" b="1" u="sng" dirty="0" smtClean="0">
                 <a:solidFill>
-                  <a:srgbClr val="2684AC"/>
+                  <a:srgbClr val="364097"/>
                 </a:solidFill>
               </a:rPr>
               <a:t>based on i18n</a:t>
@@ -12949,6 +13036,13 @@
   <p:clrMapOvr>
     <a:masterClrMapping/>
   </p:clrMapOvr>
+  <p:timing>
+    <p:tnLst>
+      <p:par>
+        <p:cTn id="1" dur="indefinite" restart="never" nodeType="tmRoot"/>
+      </p:par>
+    </p:tnLst>
+  </p:timing>
 </p:sld>
 </file>
 
@@ -13248,6 +13342,13 @@
   <p:clrMapOvr>
     <a:masterClrMapping/>
   </p:clrMapOvr>
+  <p:timing>
+    <p:tnLst>
+      <p:par>
+        <p:cTn id="1" dur="indefinite" restart="never" nodeType="tmRoot"/>
+      </p:par>
+    </p:tnLst>
+  </p:timing>
 </p:sld>
 </file>
 
@@ -13423,14 +13524,14 @@
             <a:r>
               <a:rPr lang="en-US" b="1" dirty="0" smtClean="0">
                 <a:solidFill>
-                  <a:srgbClr val="2684AC"/>
+                  <a:srgbClr val="364097"/>
                 </a:solidFill>
               </a:rPr>
               <a:t>Thank you !</a:t>
             </a:r>
             <a:endParaRPr lang="en-US" b="1" dirty="0">
               <a:solidFill>
-                <a:srgbClr val="2684AC"/>
+                <a:srgbClr val="364097"/>
               </a:solidFill>
             </a:endParaRPr>
           </a:p>
@@ -13922,9 +14023,9 @@
         <p:grpSpPr>
           <a:xfrm>
             <a:off x="1676400" y="3429000"/>
-            <a:ext cx="3280182" cy="1371600"/>
+            <a:ext cx="3340793" cy="1371600"/>
             <a:chOff x="1676400" y="3429000"/>
-            <a:chExt cx="3280182" cy="1371600"/>
+            <a:chExt cx="3340793" cy="1371600"/>
           </a:xfrm>
         </p:grpSpPr>
         <p:sp>
@@ -13955,14 +14056,14 @@
               <a:r>
                 <a:rPr lang="fr-FR" sz="2800" dirty="0" err="1" smtClean="0">
                   <a:solidFill>
-                    <a:srgbClr val="2684AC"/>
+                    <a:srgbClr val="364097"/>
                   </a:solidFill>
                 </a:rPr>
                 <a:t>Language</a:t>
               </a:r>
               <a:endParaRPr lang="fr-FR" sz="2800" dirty="0">
                 <a:solidFill>
-                  <a:srgbClr val="2684AC"/>
+                  <a:srgbClr val="364097"/>
                 </a:solidFill>
               </a:endParaRPr>
             </a:p>
@@ -13976,7 +14077,7 @@
           </p:nvSpPr>
           <p:spPr>
             <a:xfrm>
-              <a:off x="3604930" y="4267200"/>
+              <a:off x="3665541" y="4267200"/>
               <a:ext cx="1351652" cy="523220"/>
             </a:xfrm>
             <a:prstGeom prst="rect">
@@ -13996,14 +14097,14 @@
               <a:r>
                 <a:rPr lang="fr-FR" sz="2800" dirty="0" smtClean="0">
                   <a:solidFill>
-                    <a:srgbClr val="2684AC"/>
+                    <a:srgbClr val="364097"/>
                   </a:solidFill>
                 </a:rPr>
                 <a:t>Country</a:t>
               </a:r>
               <a:endParaRPr lang="fr-FR" sz="2800" dirty="0">
                 <a:solidFill>
-                  <a:srgbClr val="2684AC"/>
+                  <a:srgbClr val="364097"/>
                 </a:solidFill>
               </a:endParaRPr>
             </a:p>
@@ -14026,7 +14127,7 @@
             <a:noFill/>
             <a:ln w="38100">
               <a:solidFill>
-                <a:srgbClr val="4F81BD"/>
+                <a:srgbClr val="364097"/>
               </a:solidFill>
             </a:ln>
           </p:spPr>
@@ -14052,6 +14153,11 @@
             <a:p>
               <a:pPr algn="ctr"/>
               <a:endParaRPr lang="fr-FR">
+                <a:ln>
+                  <a:solidFill>
+                    <a:srgbClr val="364097"/>
+                  </a:solidFill>
+                </a:ln>
                 <a:solidFill>
                   <a:srgbClr val="2684AC"/>
                 </a:solidFill>
@@ -14076,7 +14182,7 @@
             <a:noFill/>
             <a:ln w="38100">
               <a:solidFill>
-                <a:srgbClr val="4F81BD"/>
+                <a:srgbClr val="364097"/>
               </a:solidFill>
             </a:ln>
           </p:spPr>
@@ -14102,6 +14208,11 @@
             <a:p>
               <a:pPr algn="ctr"/>
               <a:endParaRPr lang="fr-FR">
+                <a:ln>
+                  <a:solidFill>
+                    <a:srgbClr val="364097"/>
+                  </a:solidFill>
+                </a:ln>
                 <a:solidFill>
                   <a:srgbClr val="2684AC"/>
                 </a:solidFill>
@@ -14128,7 +14239,7 @@
             </a:prstGeom>
             <a:ln>
               <a:solidFill>
-                <a:srgbClr val="4F81BD"/>
+                <a:srgbClr val="364097"/>
               </a:solidFill>
               <a:tailEnd type="arrow"/>
             </a:ln>
@@ -14160,14 +14271,14 @@
           <p:spPr>
             <a:xfrm flipH="1" flipV="1">
               <a:off x="3676439" y="3810000"/>
-              <a:ext cx="604317" cy="457200"/>
+              <a:ext cx="664928" cy="457200"/>
             </a:xfrm>
             <a:prstGeom prst="straightConnector1">
               <a:avLst/>
             </a:prstGeom>
             <a:ln>
               <a:solidFill>
-                <a:srgbClr val="4F81BD"/>
+                <a:srgbClr val="364097"/>
               </a:solidFill>
               <a:tailEnd type="arrow"/>
             </a:ln>
@@ -14393,7 +14504,7 @@
           </a:prstGeom>
           <a:ln>
             <a:solidFill>
-              <a:srgbClr val="4F81BD"/>
+              <a:srgbClr val="364097"/>
             </a:solidFill>
             <a:tailEnd type="arrow"/>
           </a:ln>
@@ -14445,7 +14556,7 @@
           <a:noFill/>
           <a:ln w="38100">
             <a:solidFill>
-              <a:srgbClr val="4F81BD"/>
+              <a:srgbClr val="364097"/>
             </a:solidFill>
             <a:miter lim="800000"/>
             <a:headEnd/>
@@ -14504,7 +14615,7 @@
           <a:noFill/>
           <a:ln w="38100">
             <a:solidFill>
-              <a:srgbClr val="4F81BD"/>
+              <a:srgbClr val="364097"/>
             </a:solidFill>
             <a:miter lim="800000"/>
             <a:headEnd/>

--- a/ez18n-slides/Jugs2013/SmartAnnotationProcessing_2013.pptx
+++ b/ez18n-slides/Jugs2013/SmartAnnotationProcessing_2013.pptx
@@ -5,10 +5,10 @@
     <p:sldMasterId id="2147483648" r:id="rId1"/>
   </p:sldMasterIdLst>
   <p:notesMasterIdLst>
-    <p:notesMasterId r:id="rId44"/>
+    <p:notesMasterId r:id="rId45"/>
   </p:notesMasterIdLst>
   <p:handoutMasterIdLst>
-    <p:handoutMasterId r:id="rId45"/>
+    <p:handoutMasterId r:id="rId46"/>
   </p:handoutMasterIdLst>
   <p:sldIdLst>
     <p:sldId id="256" r:id="rId2"/>
@@ -29,30 +29,31 @@
     <p:sldId id="257" r:id="rId17"/>
     <p:sldId id="334" r:id="rId18"/>
     <p:sldId id="333" r:id="rId19"/>
-    <p:sldId id="263" r:id="rId20"/>
-    <p:sldId id="261" r:id="rId21"/>
-    <p:sldId id="258" r:id="rId22"/>
-    <p:sldId id="338" r:id="rId23"/>
-    <p:sldId id="264" r:id="rId24"/>
-    <p:sldId id="269" r:id="rId25"/>
-    <p:sldId id="268" r:id="rId26"/>
-    <p:sldId id="339" r:id="rId27"/>
-    <p:sldId id="377" r:id="rId28"/>
-    <p:sldId id="378" r:id="rId29"/>
-    <p:sldId id="367" r:id="rId30"/>
-    <p:sldId id="368" r:id="rId31"/>
-    <p:sldId id="369" r:id="rId32"/>
-    <p:sldId id="371" r:id="rId33"/>
-    <p:sldId id="372" r:id="rId34"/>
-    <p:sldId id="373" r:id="rId35"/>
-    <p:sldId id="374" r:id="rId36"/>
-    <p:sldId id="375" r:id="rId37"/>
-    <p:sldId id="376" r:id="rId38"/>
-    <p:sldId id="365" r:id="rId39"/>
-    <p:sldId id="381" r:id="rId40"/>
-    <p:sldId id="382" r:id="rId41"/>
-    <p:sldId id="380" r:id="rId42"/>
-    <p:sldId id="322" r:id="rId43"/>
+    <p:sldId id="383" r:id="rId20"/>
+    <p:sldId id="263" r:id="rId21"/>
+    <p:sldId id="261" r:id="rId22"/>
+    <p:sldId id="258" r:id="rId23"/>
+    <p:sldId id="338" r:id="rId24"/>
+    <p:sldId id="264" r:id="rId25"/>
+    <p:sldId id="269" r:id="rId26"/>
+    <p:sldId id="268" r:id="rId27"/>
+    <p:sldId id="339" r:id="rId28"/>
+    <p:sldId id="377" r:id="rId29"/>
+    <p:sldId id="378" r:id="rId30"/>
+    <p:sldId id="367" r:id="rId31"/>
+    <p:sldId id="368" r:id="rId32"/>
+    <p:sldId id="369" r:id="rId33"/>
+    <p:sldId id="371" r:id="rId34"/>
+    <p:sldId id="372" r:id="rId35"/>
+    <p:sldId id="373" r:id="rId36"/>
+    <p:sldId id="374" r:id="rId37"/>
+    <p:sldId id="375" r:id="rId38"/>
+    <p:sldId id="376" r:id="rId39"/>
+    <p:sldId id="365" r:id="rId40"/>
+    <p:sldId id="381" r:id="rId41"/>
+    <p:sldId id="382" r:id="rId42"/>
+    <p:sldId id="380" r:id="rId43"/>
+    <p:sldId id="322" r:id="rId44"/>
   </p:sldIdLst>
   <p:sldSz cx="9144000" cy="6858000" type="screen4x3"/>
   <p:notesSz cx="7099300" cy="10234613"/>
@@ -236,7 +237,7 @@
           <a:p>
             <a:fld id="{08ED011F-C245-0E49-A952-42A1461A07A3}" type="datetimeFigureOut">
               <a:rPr lang="fr-FR" smtClean="0"/>
-              <a:t>12/02/2013</a:t>
+              <a:t>12/02/13</a:t>
             </a:fld>
             <a:endParaRPr lang="fr-FR"/>
           </a:p>
@@ -302,7 +303,7 @@
           <a:p>
             <a:fld id="{713BC9A0-7A0D-1347-A7DA-E989599F80D5}" type="slidenum">
               <a:rPr lang="fr-FR" smtClean="0"/>
-              <a:t>‹N°›</a:t>
+              <a:t>‹#›</a:t>
             </a:fld>
             <a:endParaRPr lang="fr-FR"/>
           </a:p>
@@ -401,7 +402,7 @@
           <a:p>
             <a:fld id="{91D8CEF6-FA3A-DE46-91EA-16BEFB9EEE40}" type="datetimeFigureOut">
               <a:rPr lang="fr-FR" smtClean="0"/>
-              <a:t>12/02/2013</a:t>
+              <a:t>12/02/13</a:t>
             </a:fld>
             <a:endParaRPr lang="fr-FR"/>
           </a:p>
@@ -560,7 +561,7 @@
           <a:p>
             <a:fld id="{13603A7C-4BFD-0942-ACE5-B49507E18EA0}" type="slidenum">
               <a:rPr lang="fr-FR" smtClean="0"/>
-              <a:t>‹N°›</a:t>
+              <a:t>‹#›</a:t>
             </a:fld>
             <a:endParaRPr lang="fr-FR"/>
           </a:p>
@@ -713,6 +714,312 @@
           <a:bodyPr/>
           <a:lstStyle/>
           <a:p>
+            <a:endParaRPr lang="fr-FR"/>
+          </a:p>
+          <a:p>
+            <a:r>
+              <a:rPr lang="fr-FR"/>
+              <a:t>----- Notes de la réunion (12/02/13 16:43) -----</a:t>
+            </a:r>
+          </a:p>
+          <a:p>
+            <a:r>
+              <a:rPr lang="fr-FR"/>
+              <a:t>- équipe IT de 16 ingénieurs</a:t>
+            </a:r>
+          </a:p>
+          <a:p>
+            <a:r>
+              <a:rPr lang="fr-FR"/>
+              <a:t>- 4 nouveaux postes ouverts de junior à expérimenté : dont 1 en QE</a:t>
+            </a:r>
+          </a:p>
+          <a:p>
+            <a:endParaRPr lang="fr-FR"/>
+          </a:p>
+          <a:p>
+            <a:r>
+              <a:rPr lang="fr-FR"/>
+              <a:t>- site avec activité en forte croissance depuis septembre (cf passages TV)</a:t>
+            </a:r>
+          </a:p>
+          <a:p>
+            <a:r>
+              <a:rPr lang="fr-FR"/>
+              <a:t>- une petite structure donc encore dynamique, avec un actionnaire très profitable derrière grâce à CTM, leader aux UK</a:t>
+            </a:r>
+          </a:p>
+          <a:p>
+            <a:r>
+              <a:rPr lang="fr-FR"/>
+              <a:t>- équipe IT de 16 ingénieurs</a:t>
+            </a:r>
+          </a:p>
+          <a:p>
+            <a:r>
+              <a:rPr lang="fr-FR"/>
+              <a:t>- 4 nouveaux postes ouverts depuis quelques jours (ils ont la primeur de l'information) dont 1 en QE : les profils tech cherchés vont de junior à expérimenté (le fit culturel et les compétences/le potentiel sont de critères plus importants que le nombre exact d'années d'expérience)</a:t>
+            </a:r>
+          </a:p>
+          <a:p>
+            <a:r>
+              <a:rPr lang="fr-FR"/>
+              <a:t>- un mix de web et de backoffice, avec un saupoudrage de  système et d'exploitation pour ceux que ça intéresse</a:t>
+            </a:r>
+          </a:p>
+          <a:p>
+            <a:r>
+              <a:rPr lang="fr-FR"/>
+              <a:t>- des vrais challenges techniques et de processus de développement (parlez avec votre coeur ;-)</a:t>
+            </a:r>
+          </a:p>
+          <a:p>
+            <a:r>
+              <a:rPr lang="fr-FR"/>
+              <a:t>- la possibilité de venir travailler avec vous (et un directeur IT génial (non je déconne))</a:t>
+            </a:r>
+          </a:p>
+          <a:p>
+            <a:r>
+              <a:rPr lang="fr-FR"/>
+              <a:t>- mais ça se mérite : pas de compromis sur la qualité des recrutements</a:t>
+            </a:r>
+          </a:p>
+        </p:txBody>
+      </p:sp>
+      <p:sp>
+        <p:nvSpPr>
+          <p:cNvPr id="4" name="Espace réservé du numéro de diapositive 3"/>
+          <p:cNvSpPr>
+            <a:spLocks noGrp="1"/>
+          </p:cNvSpPr>
+          <p:nvPr>
+            <p:ph type="sldNum" sz="quarter" idx="10"/>
+          </p:nvPr>
+        </p:nvSpPr>
+        <p:spPr/>
+        <p:txBody>
+          <a:bodyPr/>
+          <a:lstStyle/>
+          <a:p>
+            <a:fld id="{13603A7C-4BFD-0942-ACE5-B49507E18EA0}" type="slidenum">
+              <a:rPr lang="fr-FR" smtClean="0"/>
+              <a:t>1</a:t>
+            </a:fld>
+            <a:endParaRPr lang="fr-FR"/>
+          </a:p>
+        </p:txBody>
+      </p:sp>
+    </p:spTree>
+    <p:extLst>
+      <p:ext uri="{BB962C8B-B14F-4D97-AF65-F5344CB8AC3E}">
+        <p14:creationId xmlns:p14="http://schemas.microsoft.com/office/powerpoint/2010/main" val="214357547"/>
+      </p:ext>
+    </p:extLst>
+  </p:cSld>
+  <p:clrMapOvr>
+    <a:masterClrMapping/>
+  </p:clrMapOvr>
+</p:notes>
+</file>
+
+<file path=ppt/notesSlides/notesSlide2.xml><?xml version="1.0" encoding="utf-8"?>
+<p:notes xmlns:a="http://schemas.openxmlformats.org/drawingml/2006/main" xmlns:r="http://schemas.openxmlformats.org/officeDocument/2006/relationships" xmlns:p="http://schemas.openxmlformats.org/presentationml/2006/main">
+  <p:cSld>
+    <p:spTree>
+      <p:nvGrpSpPr>
+        <p:cNvPr id="1" name=""/>
+        <p:cNvGrpSpPr/>
+        <p:nvPr/>
+      </p:nvGrpSpPr>
+      <p:grpSpPr>
+        <a:xfrm>
+          <a:off x="0" y="0"/>
+          <a:ext cx="0" cy="0"/>
+          <a:chOff x="0" y="0"/>
+          <a:chExt cx="0" cy="0"/>
+        </a:xfrm>
+      </p:grpSpPr>
+      <p:sp>
+        <p:nvSpPr>
+          <p:cNvPr id="2" name="Espace réservé de l'image des diapositives 1"/>
+          <p:cNvSpPr>
+            <a:spLocks noGrp="1" noRot="1" noChangeAspect="1"/>
+          </p:cNvSpPr>
+          <p:nvPr>
+            <p:ph type="sldImg"/>
+          </p:nvPr>
+        </p:nvSpPr>
+        <p:spPr/>
+      </p:sp>
+      <p:sp>
+        <p:nvSpPr>
+          <p:cNvPr id="3" name="Espace réservé des commentaires 2"/>
+          <p:cNvSpPr>
+            <a:spLocks noGrp="1"/>
+          </p:cNvSpPr>
+          <p:nvPr>
+            <p:ph type="body" idx="1"/>
+          </p:nvPr>
+        </p:nvSpPr>
+        <p:spPr/>
+        <p:txBody>
+          <a:bodyPr/>
+          <a:lstStyle/>
+          <a:p>
+            <a:endParaRPr lang="fr-FR"/>
+          </a:p>
+          <a:p>
+            <a:r>
+              <a:rPr lang="fr-FR"/>
+              <a:t>----- Notes de la réunion (12/02/13 16:43) -----</a:t>
+            </a:r>
+          </a:p>
+          <a:p>
+            <a:r>
+              <a:rPr lang="fr-FR"/>
+              <a:t>- équipe IT de 16 ingénieurs</a:t>
+            </a:r>
+          </a:p>
+          <a:p>
+            <a:r>
+              <a:rPr lang="fr-FR"/>
+              <a:t>- 4 nouveaux postes ouverts de junior à expérimenté : dont 1 en QE</a:t>
+            </a:r>
+          </a:p>
+          <a:p>
+            <a:endParaRPr lang="fr-FR"/>
+          </a:p>
+          <a:p>
+            <a:r>
+              <a:rPr lang="fr-FR"/>
+              <a:t>- site avec activité en forte croissance depuis septembre (cf passages TV)</a:t>
+            </a:r>
+          </a:p>
+          <a:p>
+            <a:r>
+              <a:rPr lang="fr-FR"/>
+              <a:t>- une petite structure donc encore dynamique, avec un actionnaire très profitable derrière grâce à CTM, leader aux UK</a:t>
+            </a:r>
+          </a:p>
+          <a:p>
+            <a:r>
+              <a:rPr lang="fr-FR"/>
+              <a:t>- équipe IT de 16 ingénieurs</a:t>
+            </a:r>
+          </a:p>
+          <a:p>
+            <a:r>
+              <a:rPr lang="fr-FR"/>
+              <a:t>- 4 nouveaux postes ouverts depuis quelques jours (ils ont la primeur de l'information) dont 1 en QE : les profils tech cherchés vont de junior à expérimenté (le fit culturel et les compétences/le potentiel sont de critères plus importants que le nombre exact d'années d'expérience)</a:t>
+            </a:r>
+          </a:p>
+          <a:p>
+            <a:r>
+              <a:rPr lang="fr-FR"/>
+              <a:t>- un mix de web et de backoffice, avec un saupoudrage de  système et d'exploitation pour ceux que ça intéresse</a:t>
+            </a:r>
+          </a:p>
+          <a:p>
+            <a:r>
+              <a:rPr lang="fr-FR"/>
+              <a:t>- des vrais challenges techniques et de processus de développement (parlez avec votre coeur ;-)</a:t>
+            </a:r>
+          </a:p>
+          <a:p>
+            <a:r>
+              <a:rPr lang="fr-FR"/>
+              <a:t>- la possibilité de venir travailler avec vous (et un directeur IT génial (non je déconne))</a:t>
+            </a:r>
+          </a:p>
+          <a:p>
+            <a:r>
+              <a:rPr lang="fr-FR"/>
+              <a:t>- mais ça se mérite : pas de compromis sur la qualité des recrutements</a:t>
+            </a:r>
+          </a:p>
+        </p:txBody>
+      </p:sp>
+      <p:sp>
+        <p:nvSpPr>
+          <p:cNvPr id="4" name="Espace réservé du numéro de diapositive 3"/>
+          <p:cNvSpPr>
+            <a:spLocks noGrp="1"/>
+          </p:cNvSpPr>
+          <p:nvPr>
+            <p:ph type="sldNum" sz="quarter" idx="10"/>
+          </p:nvPr>
+        </p:nvSpPr>
+        <p:spPr/>
+        <p:txBody>
+          <a:bodyPr/>
+          <a:lstStyle/>
+          <a:p>
+            <a:fld id="{13603A7C-4BFD-0942-ACE5-B49507E18EA0}" type="slidenum">
+              <a:rPr lang="fr-FR" smtClean="0"/>
+              <a:t>2</a:t>
+            </a:fld>
+            <a:endParaRPr lang="fr-FR"/>
+          </a:p>
+        </p:txBody>
+      </p:sp>
+    </p:spTree>
+    <p:extLst>
+      <p:ext uri="{BB962C8B-B14F-4D97-AF65-F5344CB8AC3E}">
+        <p14:creationId xmlns:p14="http://schemas.microsoft.com/office/powerpoint/2010/main" val="2126907171"/>
+      </p:ext>
+    </p:extLst>
+  </p:cSld>
+  <p:clrMapOvr>
+    <a:masterClrMapping/>
+  </p:clrMapOvr>
+</p:notes>
+</file>
+
+<file path=ppt/notesSlides/notesSlide3.xml><?xml version="1.0" encoding="utf-8"?>
+<p:notes xmlns:a="http://schemas.openxmlformats.org/drawingml/2006/main" xmlns:r="http://schemas.openxmlformats.org/officeDocument/2006/relationships" xmlns:p="http://schemas.openxmlformats.org/presentationml/2006/main">
+  <p:cSld>
+    <p:spTree>
+      <p:nvGrpSpPr>
+        <p:cNvPr id="1" name=""/>
+        <p:cNvGrpSpPr/>
+        <p:nvPr/>
+      </p:nvGrpSpPr>
+      <p:grpSpPr>
+        <a:xfrm>
+          <a:off x="0" y="0"/>
+          <a:ext cx="0" cy="0"/>
+          <a:chOff x="0" y="0"/>
+          <a:chExt cx="0" cy="0"/>
+        </a:xfrm>
+      </p:grpSpPr>
+      <p:sp>
+        <p:nvSpPr>
+          <p:cNvPr id="2" name="Espace réservé de l'image des diapositives 1"/>
+          <p:cNvSpPr>
+            <a:spLocks noGrp="1" noRot="1" noChangeAspect="1"/>
+          </p:cNvSpPr>
+          <p:nvPr>
+            <p:ph type="sldImg"/>
+          </p:nvPr>
+        </p:nvSpPr>
+        <p:spPr/>
+      </p:sp>
+      <p:sp>
+        <p:nvSpPr>
+          <p:cNvPr id="3" name="Espace réservé des commentaires 2"/>
+          <p:cNvSpPr>
+            <a:spLocks noGrp="1"/>
+          </p:cNvSpPr>
+          <p:nvPr>
+            <p:ph type="body" idx="1"/>
+          </p:nvPr>
+        </p:nvSpPr>
+        <p:spPr/>
+        <p:txBody>
+          <a:bodyPr/>
+          <a:lstStyle/>
+          <a:p>
             <a:endParaRPr lang="fr-FR" dirty="0"/>
           </a:p>
         </p:txBody>
@@ -961,7 +1268,7 @@
           <a:p>
             <a:fld id="{CDB8DDEB-C0FB-4A06-AB03-5B35B2987E25}" type="slidenum">
               <a:rPr lang="fr-FR" smtClean="0"/>
-              <a:t>‹N°›</a:t>
+              <a:t>‹#›</a:t>
             </a:fld>
             <a:endParaRPr lang="fr-FR"/>
           </a:p>
@@ -980,7 +1287,7 @@
   <p:timing>
     <p:tnLst>
       <p:par>
-        <p:cTn id="1" dur="indefinite" restart="never" nodeType="tmRoot"/>
+        <p:cTn xmlns:p14="http://schemas.microsoft.com/office/powerpoint/2010/main" id="1" dur="indefinite" restart="never" nodeType="tmRoot"/>
       </p:par>
     </p:tnLst>
   </p:timing>
@@ -1123,7 +1430,7 @@
           <a:p>
             <a:fld id="{CDB8DDEB-C0FB-4A06-AB03-5B35B2987E25}" type="slidenum">
               <a:rPr lang="fr-FR" smtClean="0"/>
-              <a:t>‹N°›</a:t>
+              <a:t>‹#›</a:t>
             </a:fld>
             <a:endParaRPr lang="fr-FR"/>
           </a:p>
@@ -1142,7 +1449,7 @@
   <p:timing>
     <p:tnLst>
       <p:par>
-        <p:cTn id="1" dur="indefinite" restart="never" nodeType="tmRoot"/>
+        <p:cTn xmlns:p14="http://schemas.microsoft.com/office/powerpoint/2010/main" id="1" dur="indefinite" restart="never" nodeType="tmRoot"/>
       </p:par>
     </p:tnLst>
   </p:timing>
@@ -1295,7 +1602,7 @@
           <a:p>
             <a:fld id="{CDB8DDEB-C0FB-4A06-AB03-5B35B2987E25}" type="slidenum">
               <a:rPr lang="fr-FR" smtClean="0"/>
-              <a:t>‹N°›</a:t>
+              <a:t>‹#›</a:t>
             </a:fld>
             <a:endParaRPr lang="fr-FR"/>
           </a:p>
@@ -1314,7 +1621,7 @@
   <p:timing>
     <p:tnLst>
       <p:par>
-        <p:cTn id="1" dur="indefinite" restart="never" nodeType="tmRoot"/>
+        <p:cTn xmlns:p14="http://schemas.microsoft.com/office/powerpoint/2010/main" id="1" dur="indefinite" restart="never" nodeType="tmRoot"/>
       </p:par>
     </p:tnLst>
   </p:timing>
@@ -1457,7 +1764,7 @@
           <a:p>
             <a:fld id="{CDB8DDEB-C0FB-4A06-AB03-5B35B2987E25}" type="slidenum">
               <a:rPr lang="fr-FR" smtClean="0"/>
-              <a:t>‹N°›</a:t>
+              <a:t>‹#›</a:t>
             </a:fld>
             <a:endParaRPr lang="fr-FR"/>
           </a:p>
@@ -1476,7 +1783,7 @@
   <p:timing>
     <p:tnLst>
       <p:par>
-        <p:cTn id="1" dur="indefinite" restart="never" nodeType="tmRoot"/>
+        <p:cTn xmlns:p14="http://schemas.microsoft.com/office/powerpoint/2010/main" id="1" dur="indefinite" restart="never" nodeType="tmRoot"/>
       </p:par>
     </p:tnLst>
   </p:timing>
@@ -1691,7 +1998,7 @@
           <a:p>
             <a:fld id="{CDB8DDEB-C0FB-4A06-AB03-5B35B2987E25}" type="slidenum">
               <a:rPr lang="fr-FR" smtClean="0"/>
-              <a:t>‹N°›</a:t>
+              <a:t>‹#›</a:t>
             </a:fld>
             <a:endParaRPr lang="fr-FR"/>
           </a:p>
@@ -1710,7 +2017,7 @@
   <p:timing>
     <p:tnLst>
       <p:par>
-        <p:cTn id="1" dur="indefinite" restart="never" nodeType="tmRoot"/>
+        <p:cTn xmlns:p14="http://schemas.microsoft.com/office/powerpoint/2010/main" id="1" dur="indefinite" restart="never" nodeType="tmRoot"/>
       </p:par>
     </p:tnLst>
   </p:timing>
@@ -1971,7 +2278,7 @@
           <a:p>
             <a:fld id="{CDB8DDEB-C0FB-4A06-AB03-5B35B2987E25}" type="slidenum">
               <a:rPr lang="fr-FR" smtClean="0"/>
-              <a:t>‹N°›</a:t>
+              <a:t>‹#›</a:t>
             </a:fld>
             <a:endParaRPr lang="fr-FR"/>
           </a:p>
@@ -1990,7 +2297,7 @@
   <p:timing>
     <p:tnLst>
       <p:par>
-        <p:cTn id="1" dur="indefinite" restart="never" nodeType="tmRoot"/>
+        <p:cTn xmlns:p14="http://schemas.microsoft.com/office/powerpoint/2010/main" id="1" dur="indefinite" restart="never" nodeType="tmRoot"/>
       </p:par>
     </p:tnLst>
   </p:timing>
@@ -2381,7 +2688,7 @@
           <a:p>
             <a:fld id="{CDB8DDEB-C0FB-4A06-AB03-5B35B2987E25}" type="slidenum">
               <a:rPr lang="fr-FR" smtClean="0"/>
-              <a:t>‹N°›</a:t>
+              <a:t>‹#›</a:t>
             </a:fld>
             <a:endParaRPr lang="fr-FR"/>
           </a:p>
@@ -2400,7 +2707,7 @@
   <p:timing>
     <p:tnLst>
       <p:par>
-        <p:cTn id="1" dur="indefinite" restart="never" nodeType="tmRoot"/>
+        <p:cTn xmlns:p14="http://schemas.microsoft.com/office/powerpoint/2010/main" id="1" dur="indefinite" restart="never" nodeType="tmRoot"/>
       </p:par>
     </p:tnLst>
   </p:timing>
@@ -2491,7 +2798,7 @@
           <a:p>
             <a:fld id="{CDB8DDEB-C0FB-4A06-AB03-5B35B2987E25}" type="slidenum">
               <a:rPr lang="fr-FR" smtClean="0"/>
-              <a:t>‹N°›</a:t>
+              <a:t>‹#›</a:t>
             </a:fld>
             <a:endParaRPr lang="fr-FR"/>
           </a:p>
@@ -2510,7 +2817,7 @@
   <p:timing>
     <p:tnLst>
       <p:par>
-        <p:cTn id="1" dur="indefinite" restart="never" nodeType="tmRoot"/>
+        <p:cTn xmlns:p14="http://schemas.microsoft.com/office/powerpoint/2010/main" id="1" dur="indefinite" restart="never" nodeType="tmRoot"/>
       </p:par>
     </p:tnLst>
   </p:timing>
@@ -2570,7 +2877,7 @@
           <a:p>
             <a:fld id="{CDB8DDEB-C0FB-4A06-AB03-5B35B2987E25}" type="slidenum">
               <a:rPr lang="fr-FR" smtClean="0"/>
-              <a:t>‹N°›</a:t>
+              <a:t>‹#›</a:t>
             </a:fld>
             <a:endParaRPr lang="fr-FR"/>
           </a:p>
@@ -2828,7 +3135,7 @@
           <a:p>
             <a:fld id="{CDB8DDEB-C0FB-4A06-AB03-5B35B2987E25}" type="slidenum">
               <a:rPr lang="fr-FR" smtClean="0"/>
-              <a:t>‹N°›</a:t>
+              <a:t>‹#›</a:t>
             </a:fld>
             <a:endParaRPr lang="fr-FR"/>
           </a:p>
@@ -2847,7 +3154,7 @@
   <p:timing>
     <p:tnLst>
       <p:par>
-        <p:cTn id="1" dur="indefinite" restart="never" nodeType="tmRoot"/>
+        <p:cTn xmlns:p14="http://schemas.microsoft.com/office/powerpoint/2010/main" id="1" dur="indefinite" restart="never" nodeType="tmRoot"/>
       </p:par>
     </p:tnLst>
   </p:timing>
@@ -3069,7 +3376,7 @@
           <a:p>
             <a:fld id="{CDB8DDEB-C0FB-4A06-AB03-5B35B2987E25}" type="slidenum">
               <a:rPr lang="fr-FR" smtClean="0"/>
-              <a:t>‹N°›</a:t>
+              <a:t>‹#›</a:t>
             </a:fld>
             <a:endParaRPr lang="fr-FR"/>
           </a:p>
@@ -3088,7 +3395,7 @@
   <p:timing>
     <p:tnLst>
       <p:par>
-        <p:cTn id="1" dur="indefinite" restart="never" nodeType="tmRoot"/>
+        <p:cTn xmlns:p14="http://schemas.microsoft.com/office/powerpoint/2010/main" id="1" dur="indefinite" restart="never" nodeType="tmRoot"/>
       </p:par>
     </p:tnLst>
   </p:timing>
@@ -3284,7 +3591,7 @@
           <a:p>
             <a:fld id="{CDB8DDEB-C0FB-4A06-AB03-5B35B2987E25}" type="slidenum">
               <a:rPr lang="fr-FR" smtClean="0"/>
-              <a:t>‹N°›</a:t>
+              <a:t>‹#›</a:t>
             </a:fld>
             <a:endParaRPr lang="fr-FR" dirty="0"/>
           </a:p>
@@ -3382,7 +3689,7 @@
   <p:timing>
     <p:tnLst>
       <p:par>
-        <p:cTn id="1" dur="indefinite" restart="never" nodeType="tmRoot"/>
+        <p:cTn xmlns:p14="http://schemas.microsoft.com/office/powerpoint/2010/main" id="1" dur="indefinite" restart="never" nodeType="tmRoot"/>
       </p:par>
     </p:tnLst>
   </p:timing>
@@ -3733,7 +4040,7 @@
   <p:timing>
     <p:tnLst>
       <p:par>
-        <p:cTn id="1" dur="indefinite" restart="never" nodeType="tmRoot"/>
+        <p:cTn xmlns:p14="http://schemas.microsoft.com/office/powerpoint/2010/main" id="1" dur="indefinite" restart="never" nodeType="tmRoot"/>
       </p:par>
     </p:tnLst>
   </p:timing>
@@ -3800,7 +4107,7 @@
   <p:timing>
     <p:tnLst>
       <p:par>
-        <p:cTn id="1" dur="indefinite" restart="never" nodeType="tmRoot"/>
+        <p:cTn xmlns:p14="http://schemas.microsoft.com/office/powerpoint/2010/main" id="1" dur="indefinite" restart="never" nodeType="tmRoot"/>
       </p:par>
     </p:tnLst>
   </p:timing>
@@ -4091,7 +4398,7 @@
   <p:timing>
     <p:tnLst>
       <p:par>
-        <p:cTn id="1" dur="indefinite" restart="never" nodeType="tmRoot"/>
+        <p:cTn xmlns:p14="http://schemas.microsoft.com/office/powerpoint/2010/main" id="1" dur="indefinite" restart="never" nodeType="tmRoot"/>
       </p:par>
     </p:tnLst>
   </p:timing>
@@ -4263,7 +4570,7 @@
   <p:timing>
     <p:tnLst>
       <p:par>
-        <p:cTn id="1" dur="indefinite" restart="never" nodeType="tmRoot"/>
+        <p:cTn xmlns:p14="http://schemas.microsoft.com/office/powerpoint/2010/main" id="1" dur="indefinite" restart="never" nodeType="tmRoot"/>
       </p:par>
     </p:tnLst>
   </p:timing>
@@ -4425,7 +4732,7 @@
   <p:timing>
     <p:tnLst>
       <p:par>
-        <p:cTn id="1" dur="indefinite" restart="never" nodeType="tmRoot"/>
+        <p:cTn xmlns:p14="http://schemas.microsoft.com/office/powerpoint/2010/main" id="1" dur="indefinite" restart="never" nodeType="tmRoot"/>
       </p:par>
     </p:tnLst>
   </p:timing>
@@ -4499,7 +4806,7 @@
   <p:timing>
     <p:tnLst>
       <p:par>
-        <p:cTn id="1" dur="indefinite" restart="never" nodeType="tmRoot"/>
+        <p:cTn xmlns:p14="http://schemas.microsoft.com/office/powerpoint/2010/main" id="1" dur="indefinite" restart="never" nodeType="tmRoot"/>
       </p:par>
     </p:tnLst>
   </p:timing>
@@ -4573,7 +4880,7 @@
   <p:timing>
     <p:tnLst>
       <p:par>
-        <p:cTn id="1" dur="indefinite" restart="never" nodeType="tmRoot"/>
+        <p:cTn xmlns:p14="http://schemas.microsoft.com/office/powerpoint/2010/main" id="1" dur="indefinite" restart="never" nodeType="tmRoot"/>
       </p:par>
     </p:tnLst>
   </p:timing>
@@ -4695,7 +5002,7 @@
   <p:timing>
     <p:tnLst>
       <p:par>
-        <p:cTn id="1" dur="indefinite" restart="never" nodeType="tmRoot"/>
+        <p:cTn xmlns:p14="http://schemas.microsoft.com/office/powerpoint/2010/main" id="1" dur="indefinite" restart="never" nodeType="tmRoot"/>
       </p:par>
     </p:tnLst>
   </p:timing>
@@ -4978,14 +5285,14 @@
           </a:ln>
           <a:effectLst/>
           <a:extLst>
-            <a:ext uri="{909E8E84-426E-40DD-AFC4-6F175D3DCCD1}">
+            <a:ext uri="{909E8E84-426E-40dd-AFC4-6F175D3DCCD1}">
               <a14:hiddenFill xmlns:a14="http://schemas.microsoft.com/office/drawing/2010/main">
                 <a:solidFill>
                   <a:schemeClr val="accent1"/>
                 </a:solidFill>
               </a14:hiddenFill>
             </a:ext>
-            <a:ext uri="{91240B29-F687-4F45-9708-019B960494DF}">
+            <a:ext uri="{91240B29-F687-4f45-9708-019B960494DF}">
               <a14:hiddenLine xmlns:a14="http://schemas.microsoft.com/office/drawing/2010/main" w="9525">
                 <a:solidFill>
                   <a:schemeClr val="tx1"/>
@@ -4995,7 +5302,7 @@
                 <a:tailEnd/>
               </a14:hiddenLine>
             </a:ext>
-            <a:ext uri="{AF507438-7753-43E0-B8FC-AC1667EBCBE1}">
+            <a:ext uri="{AF507438-7753-43e0-B8FC-AC1667EBCBE1}">
               <a14:hiddenEffects xmlns:a14="http://schemas.microsoft.com/office/drawing/2010/main">
                 <a:effectLst>
                   <a:outerShdw dist="35921" dir="2700000" algn="ctr" rotWithShape="0">
@@ -5042,14 +5349,14 @@
           </a:ln>
           <a:effectLst/>
           <a:extLst>
-            <a:ext uri="{909E8E84-426E-40DD-AFC4-6F175D3DCCD1}">
+            <a:ext uri="{909E8E84-426E-40dd-AFC4-6F175D3DCCD1}">
               <a14:hiddenFill xmlns:a14="http://schemas.microsoft.com/office/drawing/2010/main">
                 <a:solidFill>
                   <a:schemeClr val="accent1"/>
                 </a:solidFill>
               </a14:hiddenFill>
             </a:ext>
-            <a:ext uri="{91240B29-F687-4F45-9708-019B960494DF}">
+            <a:ext uri="{91240B29-F687-4f45-9708-019B960494DF}">
               <a14:hiddenLine xmlns:a14="http://schemas.microsoft.com/office/drawing/2010/main" w="9525">
                 <a:solidFill>
                   <a:schemeClr val="tx1"/>
@@ -5059,7 +5366,7 @@
                 <a:tailEnd/>
               </a14:hiddenLine>
             </a:ext>
-            <a:ext uri="{AF507438-7753-43E0-B8FC-AC1667EBCBE1}">
+            <a:ext uri="{AF507438-7753-43e0-B8FC-AC1667EBCBE1}">
               <a14:hiddenEffects xmlns:a14="http://schemas.microsoft.com/office/drawing/2010/main">
                 <a:effectLst>
                   <a:outerShdw dist="35921" dir="2700000" algn="ctr" rotWithShape="0">
@@ -5084,7 +5391,7 @@
   <p:timing>
     <p:tnLst>
       <p:par>
-        <p:cTn id="1" dur="indefinite" restart="never" nodeType="tmRoot"/>
+        <p:cTn xmlns:p14="http://schemas.microsoft.com/office/powerpoint/2010/main" id="1" dur="indefinite" restart="never" nodeType="tmRoot"/>
       </p:par>
     </p:tnLst>
   </p:timing>
@@ -5235,7 +5542,7 @@
   <p:timing>
     <p:tnLst>
       <p:par>
-        <p:cTn id="1" dur="indefinite" restart="never" nodeType="tmRoot"/>
+        <p:cTn xmlns:p14="http://schemas.microsoft.com/office/powerpoint/2010/main" id="1" dur="indefinite" restart="never" nodeType="tmRoot"/>
       </p:par>
     </p:tnLst>
   </p:timing>
@@ -5243,6 +5550,641 @@
 </file>
 
 <file path=ppt/slides/slide19.xml><?xml version="1.0" encoding="utf-8"?>
+<p:sld xmlns:a="http://schemas.openxmlformats.org/drawingml/2006/main" xmlns:r="http://schemas.openxmlformats.org/officeDocument/2006/relationships" xmlns:p="http://schemas.openxmlformats.org/presentationml/2006/main">
+  <p:cSld>
+    <p:spTree>
+      <p:nvGrpSpPr>
+        <p:cNvPr id="1" name=""/>
+        <p:cNvGrpSpPr/>
+        <p:nvPr/>
+      </p:nvGrpSpPr>
+      <p:grpSpPr>
+        <a:xfrm>
+          <a:off x="0" y="0"/>
+          <a:ext cx="0" cy="0"/>
+          <a:chOff x="0" y="0"/>
+          <a:chExt cx="0" cy="0"/>
+        </a:xfrm>
+      </p:grpSpPr>
+      <p:sp>
+        <p:nvSpPr>
+          <p:cNvPr id="2" name="Titre 1"/>
+          <p:cNvSpPr>
+            <a:spLocks noGrp="1"/>
+          </p:cNvSpPr>
+          <p:nvPr>
+            <p:ph type="title"/>
+          </p:nvPr>
+        </p:nvSpPr>
+        <p:spPr/>
+        <p:txBody>
+          <a:bodyPr/>
+          <a:lstStyle/>
+          <a:p>
+            <a:r>
+              <a:rPr lang="fr-FR" dirty="0" smtClean="0"/>
+              <a:t>SPI </a:t>
+            </a:r>
+            <a:r>
+              <a:rPr lang="fr-FR" dirty="0" err="1" smtClean="0">
+                <a:solidFill>
+                  <a:srgbClr val="1F497D"/>
+                </a:solidFill>
+              </a:rPr>
+              <a:t>Discovery</a:t>
+            </a:r>
+            <a:endParaRPr lang="fr-FR" dirty="0">
+              <a:solidFill>
+                <a:srgbClr val="1F497D"/>
+              </a:solidFill>
+            </a:endParaRPr>
+          </a:p>
+        </p:txBody>
+      </p:sp>
+      <p:sp>
+        <p:nvSpPr>
+          <p:cNvPr id="3" name="Espace réservé du contenu 2"/>
+          <p:cNvSpPr>
+            <a:spLocks noGrp="1"/>
+          </p:cNvSpPr>
+          <p:nvPr>
+            <p:ph idx="1"/>
+          </p:nvPr>
+        </p:nvSpPr>
+        <p:spPr/>
+        <p:txBody>
+          <a:bodyPr/>
+          <a:lstStyle/>
+          <a:p>
+            <a:r>
+              <a:rPr lang="fr-FR" dirty="0" smtClean="0"/>
+              <a:t>SPI (Service Provider Interface)</a:t>
+            </a:r>
+          </a:p>
+          <a:p>
+            <a:r>
+              <a:rPr lang="fr-FR" dirty="0" smtClean="0"/>
+              <a:t>Is a </a:t>
+            </a:r>
+            <a:r>
+              <a:rPr lang="fr-FR" dirty="0" err="1" smtClean="0"/>
+              <a:t>built</a:t>
+            </a:r>
+            <a:r>
+              <a:rPr lang="fr-FR" dirty="0" smtClean="0"/>
+              <a:t> in </a:t>
+            </a:r>
+            <a:r>
+              <a:rPr lang="fr-FR" dirty="0" err="1" smtClean="0"/>
+              <a:t>way</a:t>
+            </a:r>
+            <a:r>
+              <a:rPr lang="fr-FR" dirty="0" smtClean="0"/>
+              <a:t> to </a:t>
+            </a:r>
+            <a:r>
+              <a:rPr lang="fr-FR" dirty="0" err="1" smtClean="0"/>
+              <a:t>discover</a:t>
+            </a:r>
+            <a:r>
+              <a:rPr lang="fr-FR" dirty="0" smtClean="0"/>
+              <a:t> Classes </a:t>
+            </a:r>
+            <a:r>
+              <a:rPr lang="fr-FR" dirty="0" err="1" smtClean="0"/>
+              <a:t>at</a:t>
+            </a:r>
+            <a:r>
+              <a:rPr lang="fr-FR" dirty="0" smtClean="0"/>
+              <a:t> </a:t>
+            </a:r>
+            <a:r>
+              <a:rPr lang="fr-FR" dirty="0" err="1" smtClean="0"/>
+              <a:t>runtime</a:t>
+            </a:r>
+            <a:endParaRPr lang="fr-FR" dirty="0" smtClean="0"/>
+          </a:p>
+          <a:p>
+            <a:r>
+              <a:rPr lang="fr-FR" dirty="0" err="1" smtClean="0"/>
+              <a:t>Based</a:t>
+            </a:r>
+            <a:r>
+              <a:rPr lang="fr-FR" dirty="0" smtClean="0"/>
+              <a:t> on Interface </a:t>
+            </a:r>
+            <a:r>
+              <a:rPr lang="fr-FR" dirty="0" err="1" smtClean="0"/>
+              <a:t>implementation</a:t>
+            </a:r>
+            <a:endParaRPr lang="fr-FR" dirty="0" smtClean="0"/>
+          </a:p>
+          <a:p>
+            <a:r>
+              <a:rPr lang="fr-FR" dirty="0" smtClean="0"/>
+              <a:t>@</a:t>
+            </a:r>
+            <a:r>
+              <a:rPr lang="fr-FR" dirty="0" err="1" smtClean="0"/>
+              <a:t>see</a:t>
+            </a:r>
+            <a:r>
+              <a:rPr lang="fr-FR" dirty="0" smtClean="0"/>
+              <a:t> </a:t>
+            </a:r>
+            <a:r>
+              <a:rPr lang="fr-FR" dirty="0" err="1" smtClean="0"/>
+              <a:t>java.util.ServiceLoader</a:t>
+            </a:r>
+            <a:endParaRPr lang="fr-FR" dirty="0" smtClean="0"/>
+          </a:p>
+          <a:p>
+            <a:pPr lvl="1"/>
+            <a:r>
+              <a:rPr lang="en-US" dirty="0" smtClean="0">
+                <a:solidFill>
+                  <a:srgbClr val="000090"/>
+                </a:solidFill>
+              </a:rPr>
+              <a:t>/</a:t>
+            </a:r>
+            <a:r>
+              <a:rPr lang="en-US" dirty="0">
+                <a:solidFill>
+                  <a:srgbClr val="000090"/>
+                </a:solidFill>
+              </a:rPr>
+              <a:t>META-INF/services/</a:t>
+            </a:r>
+            <a:r>
+              <a:rPr lang="en-US" dirty="0" err="1">
+                <a:solidFill>
+                  <a:srgbClr val="000090"/>
+                </a:solidFill>
+              </a:rPr>
+              <a:t>javax.annotation.processing.Processor</a:t>
+            </a:r>
+            <a:endParaRPr lang="fr-FR" dirty="0" smtClean="0">
+              <a:solidFill>
+                <a:srgbClr val="000090"/>
+              </a:solidFill>
+            </a:endParaRPr>
+          </a:p>
+          <a:p>
+            <a:pPr lvl="1"/>
+            <a:endParaRPr lang="fr-FR" dirty="0"/>
+          </a:p>
+        </p:txBody>
+      </p:sp>
+    </p:spTree>
+    <p:extLst>
+      <p:ext uri="{BB962C8B-B14F-4D97-AF65-F5344CB8AC3E}">
+        <p14:creationId xmlns:p14="http://schemas.microsoft.com/office/powerpoint/2010/main" val="2708073500"/>
+      </p:ext>
+    </p:extLst>
+  </p:cSld>
+  <p:clrMapOvr>
+    <a:masterClrMapping/>
+  </p:clrMapOvr>
+</p:sld>
+</file>
+
+<file path=ppt/slides/slide2.xml><?xml version="1.0" encoding="utf-8"?>
+<p:sld xmlns:a="http://schemas.openxmlformats.org/drawingml/2006/main" xmlns:r="http://schemas.openxmlformats.org/officeDocument/2006/relationships" xmlns:p="http://schemas.openxmlformats.org/presentationml/2006/main">
+  <p:cSld>
+    <p:spTree>
+      <p:nvGrpSpPr>
+        <p:cNvPr id="1" name=""/>
+        <p:cNvGrpSpPr/>
+        <p:nvPr/>
+      </p:nvGrpSpPr>
+      <p:grpSpPr>
+        <a:xfrm>
+          <a:off x="0" y="0"/>
+          <a:ext cx="0" cy="0"/>
+          <a:chOff x="0" y="0"/>
+          <a:chExt cx="0" cy="0"/>
+        </a:xfrm>
+      </p:grpSpPr>
+      <p:sp>
+        <p:nvSpPr>
+          <p:cNvPr id="17409" name="Rectangle 1"/>
+          <p:cNvSpPr>
+            <a:spLocks noGrp="1" noChangeArrowheads="1"/>
+          </p:cNvSpPr>
+          <p:nvPr>
+            <p:ph type="title"/>
+          </p:nvPr>
+        </p:nvSpPr>
+        <p:spPr>
+          <a:xfrm>
+            <a:off x="457200" y="381000"/>
+            <a:ext cx="8229600" cy="1013371"/>
+          </a:xfrm>
+          <a:ln/>
+        </p:spPr>
+        <p:txBody>
+          <a:bodyPr anchor="ctr"/>
+          <a:lstStyle/>
+          <a:p>
+            <a:r>
+              <a:rPr lang="en-US" sz="3700" b="1" dirty="0" smtClean="0"/>
+              <a:t>Speakers</a:t>
+            </a:r>
+            <a:endParaRPr lang="en-US" sz="3700" b="1" dirty="0"/>
+          </a:p>
+        </p:txBody>
+      </p:sp>
+      <p:sp>
+        <p:nvSpPr>
+          <p:cNvPr id="3" name="Espace réservé du texte 2"/>
+          <p:cNvSpPr>
+            <a:spLocks noGrp="1"/>
+          </p:cNvSpPr>
+          <p:nvPr>
+            <p:ph type="body" idx="1"/>
+          </p:nvPr>
+        </p:nvSpPr>
+        <p:spPr>
+          <a:xfrm>
+            <a:off x="457200" y="1295400"/>
+            <a:ext cx="4040188" cy="639762"/>
+          </a:xfrm>
+        </p:spPr>
+        <p:txBody>
+          <a:bodyPr anchor="ctr"/>
+          <a:lstStyle/>
+          <a:p>
+            <a:r>
+              <a:rPr lang="fr-FR" sz="2300" dirty="0"/>
+              <a:t>@</a:t>
+            </a:r>
+            <a:r>
+              <a:rPr lang="fr-FR" sz="2300" dirty="0" smtClean="0"/>
+              <a:t>dbaeli - Dimitri BAELI</a:t>
+            </a:r>
+            <a:endParaRPr lang="fr-FR" sz="2300" dirty="0"/>
+          </a:p>
+        </p:txBody>
+      </p:sp>
+      <p:sp>
+        <p:nvSpPr>
+          <p:cNvPr id="5" name="Espace réservé du contenu 4"/>
+          <p:cNvSpPr>
+            <a:spLocks noGrp="1"/>
+          </p:cNvSpPr>
+          <p:nvPr>
+            <p:ph sz="half" idx="2"/>
+          </p:nvPr>
+        </p:nvSpPr>
+        <p:spPr>
+          <a:xfrm>
+            <a:off x="457200" y="1916112"/>
+            <a:ext cx="4040188" cy="3951288"/>
+          </a:xfrm>
+        </p:spPr>
+        <p:txBody>
+          <a:bodyPr/>
+          <a:lstStyle/>
+          <a:p>
+            <a:pPr marL="216027" indent="-216027"/>
+            <a:r>
+              <a:rPr lang="en-US" sz="2000" b="1" dirty="0"/>
+              <a:t>Java developer since </a:t>
+            </a:r>
+            <a:r>
+              <a:rPr lang="en-US" sz="2000" b="1" dirty="0" smtClean="0"/>
+              <a:t>1999</a:t>
+            </a:r>
+          </a:p>
+          <a:p>
+            <a:pPr marL="216027" indent="-216027"/>
+            <a:r>
+              <a:rPr lang="en-US" sz="2000" b="1" dirty="0" smtClean="0"/>
+              <a:t>R&amp;D Team Mentor at</a:t>
+            </a:r>
+          </a:p>
+          <a:p>
+            <a:pPr marL="216027" indent="-216027"/>
+            <a:endParaRPr lang="en-US" sz="2000" b="1" dirty="0" smtClean="0"/>
+          </a:p>
+          <a:p>
+            <a:pPr marL="0" indent="0">
+              <a:buNone/>
+            </a:pPr>
+            <a:endParaRPr lang="en-US" sz="2000" b="1" dirty="0" smtClean="0"/>
+          </a:p>
+          <a:p>
+            <a:pPr marL="216027" indent="-216027"/>
+            <a:r>
+              <a:rPr lang="en-US" sz="2000" b="1" dirty="0" smtClean="0"/>
+              <a:t>Coder, DevOps, Agile Coach</a:t>
+            </a:r>
+          </a:p>
+          <a:p>
+            <a:pPr marL="616077" lvl="1" indent="-216027"/>
+            <a:r>
+              <a:rPr lang="en-US" sz="1600" b="1" dirty="0" smtClean="0"/>
+              <a:t>From idea to production </a:t>
+            </a:r>
+          </a:p>
+          <a:p>
+            <a:pPr marL="216027" indent="-216027"/>
+            <a:r>
+              <a:rPr lang="en-US" sz="2000" b="1" dirty="0" err="1" smtClean="0"/>
+              <a:t>eXo</a:t>
+            </a:r>
+            <a:r>
+              <a:rPr lang="en-US" sz="2000" b="1" dirty="0" smtClean="0"/>
+              <a:t> Platform</a:t>
+            </a:r>
+          </a:p>
+          <a:p>
+            <a:pPr marL="616077" lvl="2" indent="-216027"/>
+            <a:r>
+              <a:rPr lang="en-US" sz="1600" b="1" dirty="0" smtClean="0"/>
+              <a:t>VP Quality</a:t>
+            </a:r>
+            <a:endParaRPr lang="en-US" sz="1600" b="1" dirty="0"/>
+          </a:p>
+          <a:p>
+            <a:pPr marL="216027" indent="-216027"/>
+            <a:endParaRPr lang="en-US" sz="2000" b="1" dirty="0" smtClean="0"/>
+          </a:p>
+          <a:p>
+            <a:pPr marL="616077" lvl="1" indent="-216027"/>
+            <a:endParaRPr lang="en-US" sz="1600" b="1" dirty="0" smtClean="0"/>
+          </a:p>
+        </p:txBody>
+      </p:sp>
+      <p:sp>
+        <p:nvSpPr>
+          <p:cNvPr id="6" name="Espace réservé du texte 5"/>
+          <p:cNvSpPr>
+            <a:spLocks noGrp="1"/>
+          </p:cNvSpPr>
+          <p:nvPr>
+            <p:ph type="body" sz="quarter" idx="3"/>
+          </p:nvPr>
+        </p:nvSpPr>
+        <p:spPr>
+          <a:xfrm>
+            <a:off x="4645025" y="1295400"/>
+            <a:ext cx="4041775" cy="639762"/>
+          </a:xfrm>
+        </p:spPr>
+        <p:txBody>
+          <a:bodyPr anchor="ctr"/>
+          <a:lstStyle/>
+          <a:p>
+            <a:r>
+              <a:rPr lang="fr-FR" sz="2300" dirty="0"/>
+              <a:t>@</a:t>
+            </a:r>
+            <a:r>
+              <a:rPr lang="fr-FR" sz="2300" dirty="0" err="1" smtClean="0"/>
+              <a:t>gdigugli</a:t>
+            </a:r>
+            <a:r>
+              <a:rPr lang="fr-FR" sz="2300" dirty="0" smtClean="0"/>
+              <a:t> - Gilles Di </a:t>
+            </a:r>
+            <a:r>
+              <a:rPr lang="fr-FR" sz="2300" dirty="0" err="1" smtClean="0"/>
+              <a:t>Guglielmo</a:t>
+            </a:r>
+            <a:endParaRPr lang="fr-FR" sz="2300" dirty="0"/>
+          </a:p>
+        </p:txBody>
+      </p:sp>
+      <p:sp>
+        <p:nvSpPr>
+          <p:cNvPr id="7" name="Espace réservé du contenu 6"/>
+          <p:cNvSpPr>
+            <a:spLocks noGrp="1"/>
+          </p:cNvSpPr>
+          <p:nvPr>
+            <p:ph sz="quarter" idx="4"/>
+          </p:nvPr>
+        </p:nvSpPr>
+        <p:spPr>
+          <a:xfrm>
+            <a:off x="4645025" y="1916112"/>
+            <a:ext cx="4041775" cy="3951288"/>
+          </a:xfrm>
+        </p:spPr>
+        <p:txBody>
+          <a:bodyPr/>
+          <a:lstStyle/>
+          <a:p>
+            <a:pPr marL="216027" indent="-216027"/>
+            <a:r>
+              <a:rPr lang="en-US" sz="2000" b="1" dirty="0" smtClean="0"/>
+              <a:t>Java developer since 1999</a:t>
+            </a:r>
+          </a:p>
+          <a:p>
+            <a:pPr marL="216027" indent="-216027"/>
+            <a:r>
+              <a:rPr lang="en-US" sz="2000" b="1" dirty="0" smtClean="0"/>
+              <a:t>Software architect at</a:t>
+            </a:r>
+          </a:p>
+          <a:p>
+            <a:pPr marL="216027" indent="-216027"/>
+            <a:endParaRPr lang="en-US" sz="2000" b="1" dirty="0" smtClean="0"/>
+          </a:p>
+          <a:p>
+            <a:pPr marL="216027" indent="-216027"/>
+            <a:endParaRPr lang="en-US" sz="2000" b="1" dirty="0" smtClean="0"/>
+          </a:p>
+          <a:p>
+            <a:pPr marL="216027" indent="-216027"/>
+            <a:r>
+              <a:rPr lang="en-US" sz="2000" b="1" dirty="0" smtClean="0"/>
+              <a:t>ILOG - IBM</a:t>
+            </a:r>
+          </a:p>
+          <a:p>
+            <a:pPr marL="688086" lvl="2" indent="-288036">
+              <a:buFont typeface="Wingdings" pitchFamily="2" charset="2"/>
+              <a:buChar char="ü"/>
+            </a:pPr>
+            <a:r>
+              <a:rPr lang="en-US" sz="1600" b="1" dirty="0"/>
+              <a:t>2D </a:t>
+            </a:r>
+            <a:r>
+              <a:rPr lang="en-US" sz="1600" b="1" dirty="0" smtClean="0"/>
+              <a:t>graphic </a:t>
+            </a:r>
+            <a:r>
+              <a:rPr lang="en-US" sz="1600" b="1" dirty="0"/>
+              <a:t>toolkit</a:t>
+            </a:r>
+            <a:endParaRPr lang="en-US" sz="1600" b="1" dirty="0" smtClean="0"/>
+          </a:p>
+          <a:p>
+            <a:pPr marL="688086" lvl="2" indent="-288036">
+              <a:buFont typeface="Wingdings" pitchFamily="2" charset="2"/>
+              <a:buChar char="ü"/>
+            </a:pPr>
+            <a:r>
+              <a:rPr lang="en-US" sz="1600" b="1" dirty="0" smtClean="0"/>
+              <a:t>Rule engine</a:t>
+            </a:r>
+          </a:p>
+          <a:p>
+            <a:pPr marL="216027" indent="-216027"/>
+            <a:r>
+              <a:rPr lang="en-US" sz="2000" b="1" dirty="0" smtClean="0"/>
+              <a:t>Prima-Solutions</a:t>
+            </a:r>
+          </a:p>
+          <a:p>
+            <a:pPr marL="688086" lvl="2" indent="-288036">
+              <a:buFont typeface="Wingdings" pitchFamily="2" charset="2"/>
+              <a:buChar char="ü"/>
+            </a:pPr>
+            <a:r>
+              <a:rPr lang="en-US" sz="1600" b="1" dirty="0" smtClean="0"/>
+              <a:t>Services platform for J2EE</a:t>
+            </a:r>
+          </a:p>
+          <a:p>
+            <a:pPr marL="688086" lvl="2" indent="-288036">
+              <a:buFont typeface="Wingdings" pitchFamily="2" charset="2"/>
+              <a:buChar char="ü"/>
+            </a:pPr>
+            <a:r>
+              <a:rPr lang="en-US" sz="1600" b="1" dirty="0" smtClean="0"/>
+              <a:t>Domain models code generators</a:t>
+            </a:r>
+            <a:endParaRPr lang="en-US" sz="1600" dirty="0"/>
+          </a:p>
+        </p:txBody>
+      </p:sp>
+      <p:sp>
+        <p:nvSpPr>
+          <p:cNvPr id="4" name="Espace réservé du numéro de diapositive 3"/>
+          <p:cNvSpPr>
+            <a:spLocks noGrp="1"/>
+          </p:cNvSpPr>
+          <p:nvPr>
+            <p:ph type="sldNum" sz="quarter" idx="12"/>
+          </p:nvPr>
+        </p:nvSpPr>
+        <p:spPr/>
+        <p:txBody>
+          <a:bodyPr/>
+          <a:lstStyle/>
+          <a:p>
+            <a:fld id="{2167D5E7-F765-1149-9760-4E1B78348062}" type="slidenum">
+              <a:rPr lang="en-US"/>
+              <a:pPr/>
+              <a:t>2</a:t>
+            </a:fld>
+            <a:endParaRPr lang="en-US" dirty="0"/>
+          </a:p>
+        </p:txBody>
+      </p:sp>
+      <p:pic>
+        <p:nvPicPr>
+          <p:cNvPr id="2" name="Image 1" descr="LesFurets.wmf"/>
+          <p:cNvPicPr>
+            <a:picLocks noChangeAspect="1"/>
+          </p:cNvPicPr>
+          <p:nvPr/>
+        </p:nvPicPr>
+        <p:blipFill>
+          <a:blip r:embed="rId3" cstate="print">
+            <a:extLst>
+              <a:ext uri="{28A0092B-C50C-407E-A947-70E740481C1C}">
+                <a14:useLocalDpi xmlns:a14="http://schemas.microsoft.com/office/drawing/2010/main"/>
+              </a:ext>
+            </a:extLst>
+          </a:blip>
+          <a:stretch>
+            <a:fillRect/>
+          </a:stretch>
+        </p:blipFill>
+        <p:spPr>
+          <a:xfrm>
+            <a:off x="990600" y="2895600"/>
+            <a:ext cx="2336800" cy="436021"/>
+          </a:xfrm>
+          <a:prstGeom prst="rect">
+            <a:avLst/>
+          </a:prstGeom>
+          <a:noFill/>
+          <a:ln>
+            <a:noFill/>
+          </a:ln>
+        </p:spPr>
+      </p:pic>
+      <p:pic>
+        <p:nvPicPr>
+          <p:cNvPr id="13" name="Image 12" descr="LesFurets.wmf"/>
+          <p:cNvPicPr>
+            <a:picLocks noChangeAspect="1"/>
+          </p:cNvPicPr>
+          <p:nvPr/>
+        </p:nvPicPr>
+        <p:blipFill>
+          <a:blip r:embed="rId3" cstate="print">
+            <a:extLst>
+              <a:ext uri="{28A0092B-C50C-407E-A947-70E740481C1C}">
+                <a14:useLocalDpi xmlns:a14="http://schemas.microsoft.com/office/drawing/2010/main"/>
+              </a:ext>
+            </a:extLst>
+          </a:blip>
+          <a:stretch>
+            <a:fillRect/>
+          </a:stretch>
+        </p:blipFill>
+        <p:spPr>
+          <a:xfrm>
+            <a:off x="5562600" y="2895600"/>
+            <a:ext cx="2336800" cy="436021"/>
+          </a:xfrm>
+          <a:prstGeom prst="rect">
+            <a:avLst/>
+          </a:prstGeom>
+          <a:noFill/>
+          <a:ln>
+            <a:noFill/>
+          </a:ln>
+        </p:spPr>
+      </p:pic>
+    </p:spTree>
+    <p:extLst>
+      <p:ext uri="{BB962C8B-B14F-4D97-AF65-F5344CB8AC3E}">
+        <p14:creationId xmlns:p14="http://schemas.microsoft.com/office/powerpoint/2010/main" val="207457213"/>
+      </p:ext>
+    </p:extLst>
+  </p:cSld>
+  <p:clrMapOvr>
+    <a:masterClrMapping/>
+  </p:clrMapOvr>
+  <mc:AlternateContent xmlns:mc="http://schemas.openxmlformats.org/markup-compatibility/2006" xmlns:p14="http://schemas.microsoft.com/office/powerpoint/2010/main">
+    <mc:Choice Requires="p14">
+      <p:transition spd="slow" p14:dur="2000"/>
+    </mc:Choice>
+    <mc:Fallback xmlns="">
+      <p:transition xmlns:p14="http://schemas.microsoft.com/office/powerpoint/2010/main" spd="slow"/>
+    </mc:Fallback>
+  </mc:AlternateContent>
+  <p:timing>
+    <p:tnLst>
+      <p:par>
+        <p:cTn xmlns:p14="http://schemas.microsoft.com/office/powerpoint/2010/main" id="1" dur="indefinite" restart="never" nodeType="tmRoot"/>
+      </p:par>
+    </p:tnLst>
+  </p:timing>
+</p:sld>
+</file>
+
+<file path=ppt/slides/slide20.xml><?xml version="1.0" encoding="utf-8"?>
 <p:sld xmlns:a="http://schemas.openxmlformats.org/drawingml/2006/main" xmlns:r="http://schemas.openxmlformats.org/officeDocument/2006/relationships" xmlns:p="http://schemas.openxmlformats.org/presentationml/2006/main">
   <p:cSld>
     <p:spTree>
@@ -5618,449 +6560,14 @@
   <p:timing>
     <p:tnLst>
       <p:par>
-        <p:cTn id="1" dur="indefinite" restart="never" nodeType="tmRoot"/>
+        <p:cTn xmlns:p14="http://schemas.microsoft.com/office/powerpoint/2010/main" id="1" dur="indefinite" restart="never" nodeType="tmRoot"/>
       </p:par>
     </p:tnLst>
   </p:timing>
 </p:sld>
 </file>
 
-<file path=ppt/slides/slide2.xml><?xml version="1.0" encoding="utf-8"?>
-<p:sld xmlns:a="http://schemas.openxmlformats.org/drawingml/2006/main" xmlns:r="http://schemas.openxmlformats.org/officeDocument/2006/relationships" xmlns:p="http://schemas.openxmlformats.org/presentationml/2006/main">
-  <p:cSld>
-    <p:spTree>
-      <p:nvGrpSpPr>
-        <p:cNvPr id="1" name=""/>
-        <p:cNvGrpSpPr/>
-        <p:nvPr/>
-      </p:nvGrpSpPr>
-      <p:grpSpPr>
-        <a:xfrm>
-          <a:off x="0" y="0"/>
-          <a:ext cx="0" cy="0"/>
-          <a:chOff x="0" y="0"/>
-          <a:chExt cx="0" cy="0"/>
-        </a:xfrm>
-      </p:grpSpPr>
-      <p:sp>
-        <p:nvSpPr>
-          <p:cNvPr id="17409" name="Rectangle 1"/>
-          <p:cNvSpPr>
-            <a:spLocks noGrp="1" noChangeArrowheads="1"/>
-          </p:cNvSpPr>
-          <p:nvPr>
-            <p:ph type="title"/>
-          </p:nvPr>
-        </p:nvSpPr>
-        <p:spPr>
-          <a:xfrm>
-            <a:off x="457200" y="381000"/>
-            <a:ext cx="8229600" cy="1013371"/>
-          </a:xfrm>
-          <a:ln/>
-        </p:spPr>
-        <p:txBody>
-          <a:bodyPr anchor="ctr"/>
-          <a:lstStyle/>
-          <a:p>
-            <a:r>
-              <a:rPr lang="en-US" sz="3700" b="1" dirty="0" smtClean="0"/>
-              <a:t>Speakers</a:t>
-            </a:r>
-            <a:endParaRPr lang="en-US" sz="3700" b="1" dirty="0"/>
-          </a:p>
-        </p:txBody>
-      </p:sp>
-      <p:sp>
-        <p:nvSpPr>
-          <p:cNvPr id="3" name="Espace réservé du texte 2"/>
-          <p:cNvSpPr>
-            <a:spLocks noGrp="1"/>
-          </p:cNvSpPr>
-          <p:nvPr>
-            <p:ph type="body" idx="1"/>
-          </p:nvPr>
-        </p:nvSpPr>
-        <p:spPr>
-          <a:xfrm>
-            <a:off x="457200" y="1295400"/>
-            <a:ext cx="4040188" cy="639762"/>
-          </a:xfrm>
-        </p:spPr>
-        <p:txBody>
-          <a:bodyPr anchor="ctr"/>
-          <a:lstStyle/>
-          <a:p>
-            <a:r>
-              <a:rPr lang="fr-FR" sz="2300" dirty="0"/>
-              <a:t>@</a:t>
-            </a:r>
-            <a:r>
-              <a:rPr lang="fr-FR" sz="2300" dirty="0" smtClean="0"/>
-              <a:t>dbaeli - Dimitri BAELI</a:t>
-            </a:r>
-            <a:endParaRPr lang="fr-FR" sz="2300" dirty="0"/>
-          </a:p>
-        </p:txBody>
-      </p:sp>
-      <p:sp>
-        <p:nvSpPr>
-          <p:cNvPr id="5" name="Espace réservé du contenu 4"/>
-          <p:cNvSpPr>
-            <a:spLocks noGrp="1"/>
-          </p:cNvSpPr>
-          <p:nvPr>
-            <p:ph sz="half" idx="2"/>
-          </p:nvPr>
-        </p:nvSpPr>
-        <p:spPr>
-          <a:xfrm>
-            <a:off x="457200" y="1916112"/>
-            <a:ext cx="4040188" cy="3951288"/>
-          </a:xfrm>
-        </p:spPr>
-        <p:txBody>
-          <a:bodyPr/>
-          <a:lstStyle/>
-          <a:p>
-            <a:pPr marL="216027" indent="-216027"/>
-            <a:r>
-              <a:rPr lang="en-US" sz="2000" b="1" dirty="0"/>
-              <a:t>Java developer since </a:t>
-            </a:r>
-            <a:r>
-              <a:rPr lang="en-US" sz="2000" b="1" dirty="0" smtClean="0"/>
-              <a:t>1999</a:t>
-            </a:r>
-          </a:p>
-          <a:p>
-            <a:pPr marL="216027" indent="-216027"/>
-            <a:r>
-              <a:rPr lang="en-US" sz="2000" b="1" dirty="0" smtClean="0"/>
-              <a:t>R&amp;D Team Mentor at</a:t>
-            </a:r>
-          </a:p>
-          <a:p>
-            <a:pPr marL="216027" indent="-216027"/>
-            <a:endParaRPr lang="en-US" sz="2000" b="1" dirty="0" smtClean="0"/>
-          </a:p>
-          <a:p>
-            <a:pPr marL="0" indent="0">
-              <a:buNone/>
-            </a:pPr>
-            <a:endParaRPr lang="en-US" sz="2000" b="1" dirty="0" smtClean="0"/>
-          </a:p>
-          <a:p>
-            <a:pPr marL="216027" indent="-216027"/>
-            <a:r>
-              <a:rPr lang="en-US" sz="2000" b="1" dirty="0" smtClean="0"/>
-              <a:t>Coder, DevOps, Agile Coach</a:t>
-            </a:r>
-          </a:p>
-          <a:p>
-            <a:pPr marL="616077" lvl="1" indent="-216027"/>
-            <a:r>
-              <a:rPr lang="en-US" sz="1600" b="1" dirty="0" smtClean="0"/>
-              <a:t>From idea to production </a:t>
-            </a:r>
-          </a:p>
-          <a:p>
-            <a:pPr marL="216027" indent="-216027"/>
-            <a:r>
-              <a:rPr lang="en-US" sz="2000" b="1" dirty="0" err="1" smtClean="0"/>
-              <a:t>eXo</a:t>
-            </a:r>
-            <a:r>
-              <a:rPr lang="en-US" sz="2000" b="1" dirty="0" smtClean="0"/>
-              <a:t> Platform</a:t>
-            </a:r>
-          </a:p>
-          <a:p>
-            <a:pPr marL="616077" lvl="2" indent="-216027"/>
-            <a:r>
-              <a:rPr lang="en-US" sz="1600" b="1" dirty="0" smtClean="0"/>
-              <a:t>VP Quality</a:t>
-            </a:r>
-            <a:endParaRPr lang="en-US" sz="1600" b="1" dirty="0"/>
-          </a:p>
-          <a:p>
-            <a:pPr marL="216027" indent="-216027"/>
-            <a:endParaRPr lang="en-US" sz="2000" b="1" dirty="0" smtClean="0"/>
-          </a:p>
-          <a:p>
-            <a:pPr marL="616077" lvl="1" indent="-216027"/>
-            <a:endParaRPr lang="en-US" sz="1600" b="1" dirty="0" smtClean="0"/>
-          </a:p>
-        </p:txBody>
-      </p:sp>
-      <p:sp>
-        <p:nvSpPr>
-          <p:cNvPr id="6" name="Espace réservé du texte 5"/>
-          <p:cNvSpPr>
-            <a:spLocks noGrp="1"/>
-          </p:cNvSpPr>
-          <p:nvPr>
-            <p:ph type="body" sz="quarter" idx="3"/>
-          </p:nvPr>
-        </p:nvSpPr>
-        <p:spPr>
-          <a:xfrm>
-            <a:off x="4645025" y="1295400"/>
-            <a:ext cx="4041775" cy="639762"/>
-          </a:xfrm>
-        </p:spPr>
-        <p:txBody>
-          <a:bodyPr anchor="ctr"/>
-          <a:lstStyle/>
-          <a:p>
-            <a:r>
-              <a:rPr lang="fr-FR" sz="2300" dirty="0"/>
-              <a:t>@</a:t>
-            </a:r>
-            <a:r>
-              <a:rPr lang="fr-FR" sz="2300" dirty="0" err="1" smtClean="0"/>
-              <a:t>gdigugli</a:t>
-            </a:r>
-            <a:r>
-              <a:rPr lang="fr-FR" sz="2300" dirty="0" smtClean="0"/>
-              <a:t> - Gilles Di </a:t>
-            </a:r>
-            <a:r>
-              <a:rPr lang="fr-FR" sz="2300" dirty="0" err="1" smtClean="0"/>
-              <a:t>Guglielmo</a:t>
-            </a:r>
-            <a:endParaRPr lang="fr-FR" sz="2300" dirty="0"/>
-          </a:p>
-        </p:txBody>
-      </p:sp>
-      <p:sp>
-        <p:nvSpPr>
-          <p:cNvPr id="7" name="Espace réservé du contenu 6"/>
-          <p:cNvSpPr>
-            <a:spLocks noGrp="1"/>
-          </p:cNvSpPr>
-          <p:nvPr>
-            <p:ph sz="quarter" idx="4"/>
-          </p:nvPr>
-        </p:nvSpPr>
-        <p:spPr>
-          <a:xfrm>
-            <a:off x="4645025" y="1916112"/>
-            <a:ext cx="4041775" cy="3951288"/>
-          </a:xfrm>
-        </p:spPr>
-        <p:txBody>
-          <a:bodyPr/>
-          <a:lstStyle/>
-          <a:p>
-            <a:pPr marL="216027" indent="-216027"/>
-            <a:r>
-              <a:rPr lang="en-US" sz="2000" b="1" dirty="0" smtClean="0"/>
-              <a:t>Java developer since 1999</a:t>
-            </a:r>
-          </a:p>
-          <a:p>
-            <a:pPr marL="216027" indent="-216027"/>
-            <a:r>
-              <a:rPr lang="en-US" sz="2000" b="1" dirty="0" smtClean="0"/>
-              <a:t>Software architect at</a:t>
-            </a:r>
-          </a:p>
-          <a:p>
-            <a:pPr marL="216027" indent="-216027"/>
-            <a:endParaRPr lang="en-US" sz="2000" b="1" dirty="0" smtClean="0"/>
-          </a:p>
-          <a:p>
-            <a:pPr marL="216027" indent="-216027"/>
-            <a:endParaRPr lang="en-US" sz="2000" b="1" dirty="0" smtClean="0"/>
-          </a:p>
-          <a:p>
-            <a:pPr marL="216027" indent="-216027"/>
-            <a:r>
-              <a:rPr lang="en-US" sz="2000" b="1" dirty="0" smtClean="0"/>
-              <a:t>ILOG - IBM</a:t>
-            </a:r>
-          </a:p>
-          <a:p>
-            <a:pPr marL="688086" lvl="2" indent="-288036">
-              <a:buFont typeface="Wingdings" pitchFamily="2" charset="2"/>
-              <a:buChar char="ü"/>
-            </a:pPr>
-            <a:r>
-              <a:rPr lang="en-US" sz="1600" b="1" dirty="0"/>
-              <a:t>2D </a:t>
-            </a:r>
-            <a:r>
-              <a:rPr lang="en-US" sz="1600" b="1" dirty="0" smtClean="0"/>
-              <a:t>graphic </a:t>
-            </a:r>
-            <a:r>
-              <a:rPr lang="en-US" sz="1600" b="1" dirty="0"/>
-              <a:t>toolkit</a:t>
-            </a:r>
-            <a:endParaRPr lang="en-US" sz="1600" b="1" dirty="0" smtClean="0"/>
-          </a:p>
-          <a:p>
-            <a:pPr marL="688086" lvl="2" indent="-288036">
-              <a:buFont typeface="Wingdings" pitchFamily="2" charset="2"/>
-              <a:buChar char="ü"/>
-            </a:pPr>
-            <a:r>
-              <a:rPr lang="en-US" sz="1600" b="1" dirty="0" smtClean="0"/>
-              <a:t>Rule engine</a:t>
-            </a:r>
-          </a:p>
-          <a:p>
-            <a:pPr marL="216027" indent="-216027"/>
-            <a:r>
-              <a:rPr lang="en-US" sz="2000" b="1" dirty="0" smtClean="0"/>
-              <a:t>Prima-Solutions</a:t>
-            </a:r>
-          </a:p>
-          <a:p>
-            <a:pPr marL="688086" lvl="2" indent="-288036">
-              <a:buFont typeface="Wingdings" pitchFamily="2" charset="2"/>
-              <a:buChar char="ü"/>
-            </a:pPr>
-            <a:r>
-              <a:rPr lang="en-US" sz="1600" b="1" dirty="0" smtClean="0"/>
-              <a:t>Services platform for J2EE</a:t>
-            </a:r>
-          </a:p>
-          <a:p>
-            <a:pPr marL="688086" lvl="2" indent="-288036">
-              <a:buFont typeface="Wingdings" pitchFamily="2" charset="2"/>
-              <a:buChar char="ü"/>
-            </a:pPr>
-            <a:r>
-              <a:rPr lang="en-US" sz="1600" b="1" dirty="0" smtClean="0"/>
-              <a:t>Domain models code generators</a:t>
-            </a:r>
-            <a:endParaRPr lang="en-US" sz="1600" dirty="0"/>
-          </a:p>
-        </p:txBody>
-      </p:sp>
-      <p:sp>
-        <p:nvSpPr>
-          <p:cNvPr id="4" name="Espace réservé du numéro de diapositive 3"/>
-          <p:cNvSpPr>
-            <a:spLocks noGrp="1"/>
-          </p:cNvSpPr>
-          <p:nvPr>
-            <p:ph type="sldNum" sz="quarter" idx="12"/>
-          </p:nvPr>
-        </p:nvSpPr>
-        <p:spPr/>
-        <p:txBody>
-          <a:bodyPr/>
-          <a:lstStyle/>
-          <a:p>
-            <a:fld id="{2167D5E7-F765-1149-9760-4E1B78348062}" type="slidenum">
-              <a:rPr lang="en-US"/>
-              <a:pPr/>
-              <a:t>2</a:t>
-            </a:fld>
-            <a:endParaRPr lang="en-US" dirty="0"/>
-          </a:p>
-        </p:txBody>
-      </p:sp>
-      <p:pic>
-        <p:nvPicPr>
-          <p:cNvPr id="2" name="Image 1" descr="LesFurets.wmf"/>
-          <p:cNvPicPr>
-            <a:picLocks noChangeAspect="1"/>
-          </p:cNvPicPr>
-          <p:nvPr/>
-        </p:nvPicPr>
-        <p:blipFill>
-          <a:blip r:embed="rId2" cstate="print">
-            <a:extLst>
-              <a:ext uri="{28A0092B-C50C-407E-A947-70E740481C1C}">
-                <a14:useLocalDpi xmlns:a14="http://schemas.microsoft.com/office/drawing/2010/main"/>
-              </a:ext>
-            </a:extLst>
-          </a:blip>
-          <a:stretch>
-            <a:fillRect/>
-          </a:stretch>
-        </p:blipFill>
-        <p:spPr>
-          <a:xfrm>
-            <a:off x="990600" y="2895600"/>
-            <a:ext cx="2336800" cy="436021"/>
-          </a:xfrm>
-          <a:prstGeom prst="rect">
-            <a:avLst/>
-          </a:prstGeom>
-          <a:noFill/>
-          <a:ln>
-            <a:noFill/>
-          </a:ln>
-        </p:spPr>
-      </p:pic>
-      <p:pic>
-        <p:nvPicPr>
-          <p:cNvPr id="13" name="Image 12" descr="LesFurets.wmf"/>
-          <p:cNvPicPr>
-            <a:picLocks noChangeAspect="1"/>
-          </p:cNvPicPr>
-          <p:nvPr/>
-        </p:nvPicPr>
-        <p:blipFill>
-          <a:blip r:embed="rId2" cstate="print">
-            <a:extLst>
-              <a:ext uri="{28A0092B-C50C-407E-A947-70E740481C1C}">
-                <a14:useLocalDpi xmlns:a14="http://schemas.microsoft.com/office/drawing/2010/main"/>
-              </a:ext>
-            </a:extLst>
-          </a:blip>
-          <a:stretch>
-            <a:fillRect/>
-          </a:stretch>
-        </p:blipFill>
-        <p:spPr>
-          <a:xfrm>
-            <a:off x="5562600" y="2895600"/>
-            <a:ext cx="2336800" cy="436021"/>
-          </a:xfrm>
-          <a:prstGeom prst="rect">
-            <a:avLst/>
-          </a:prstGeom>
-          <a:noFill/>
-          <a:ln>
-            <a:noFill/>
-          </a:ln>
-        </p:spPr>
-      </p:pic>
-    </p:spTree>
-    <p:extLst>
-      <p:ext uri="{BB962C8B-B14F-4D97-AF65-F5344CB8AC3E}">
-        <p14:creationId xmlns:p14="http://schemas.microsoft.com/office/powerpoint/2010/main" val="207457213"/>
-      </p:ext>
-    </p:extLst>
-  </p:cSld>
-  <p:clrMapOvr>
-    <a:masterClrMapping/>
-  </p:clrMapOvr>
-  <mc:AlternateContent xmlns:mc="http://schemas.openxmlformats.org/markup-compatibility/2006" xmlns:p14="http://schemas.microsoft.com/office/powerpoint/2010/main">
-    <mc:Choice Requires="p14">
-      <p:transition spd="slow" p14:dur="2000"/>
-    </mc:Choice>
-    <mc:Fallback xmlns="">
-      <p:transition xmlns:p14="http://schemas.microsoft.com/office/powerpoint/2010/main" spd="slow"/>
-    </mc:Fallback>
-  </mc:AlternateContent>
-  <p:timing>
-    <p:tnLst>
-      <p:par>
-        <p:cTn id="1" dur="indefinite" restart="never" nodeType="tmRoot"/>
-      </p:par>
-    </p:tnLst>
-  </p:timing>
-</p:sld>
-</file>
-
-<file path=ppt/slides/slide20.xml><?xml version="1.0" encoding="utf-8"?>
+<file path=ppt/slides/slide21.xml><?xml version="1.0" encoding="utf-8"?>
 <p:sld xmlns:a="http://schemas.openxmlformats.org/drawingml/2006/main" xmlns:r="http://schemas.openxmlformats.org/officeDocument/2006/relationships" xmlns:p="http://schemas.openxmlformats.org/presentationml/2006/main">
   <p:cSld>
     <p:spTree>
@@ -6396,14 +6903,14 @@
   <p:timing>
     <p:tnLst>
       <p:par>
-        <p:cTn id="1" dur="indefinite" restart="never" nodeType="tmRoot"/>
+        <p:cTn xmlns:p14="http://schemas.microsoft.com/office/powerpoint/2010/main" id="1" dur="indefinite" restart="never" nodeType="tmRoot"/>
       </p:par>
     </p:tnLst>
   </p:timing>
 </p:sld>
 </file>
 
-<file path=ppt/slides/slide21.xml><?xml version="1.0" encoding="utf-8"?>
+<file path=ppt/slides/slide22.xml><?xml version="1.0" encoding="utf-8"?>
 <p:sld xmlns:a="http://schemas.openxmlformats.org/drawingml/2006/main" xmlns:r="http://schemas.openxmlformats.org/officeDocument/2006/relationships" xmlns:p="http://schemas.openxmlformats.org/presentationml/2006/main">
   <p:cSld>
     <p:spTree>
@@ -7148,131 +7655,7 @@
   <p:timing>
     <p:tnLst>
       <p:par>
-        <p:cTn id="1" dur="indefinite" restart="never" nodeType="tmRoot"/>
-      </p:par>
-    </p:tnLst>
-  </p:timing>
-</p:sld>
-</file>
-
-<file path=ppt/slides/slide22.xml><?xml version="1.0" encoding="utf-8"?>
-<p:sld xmlns:a="http://schemas.openxmlformats.org/drawingml/2006/main" xmlns:r="http://schemas.openxmlformats.org/officeDocument/2006/relationships" xmlns:p="http://schemas.openxmlformats.org/presentationml/2006/main">
-  <p:cSld>
-    <p:spTree>
-      <p:nvGrpSpPr>
-        <p:cNvPr id="1" name=""/>
-        <p:cNvGrpSpPr/>
-        <p:nvPr/>
-      </p:nvGrpSpPr>
-      <p:grpSpPr>
-        <a:xfrm>
-          <a:off x="0" y="0"/>
-          <a:ext cx="0" cy="0"/>
-          <a:chOff x="0" y="0"/>
-          <a:chExt cx="0" cy="0"/>
-        </a:xfrm>
-      </p:grpSpPr>
-      <p:sp>
-        <p:nvSpPr>
-          <p:cNvPr id="2" name="Titre 1"/>
-          <p:cNvSpPr>
-            <a:spLocks noGrp="1"/>
-          </p:cNvSpPr>
-          <p:nvPr>
-            <p:ph type="title"/>
-          </p:nvPr>
-        </p:nvSpPr>
-        <p:spPr/>
-        <p:txBody>
-          <a:bodyPr/>
-          <a:lstStyle/>
-          <a:p>
-            <a:r>
-              <a:rPr lang="en-US" b="1" dirty="0" smtClean="0"/>
-              <a:t>APT tooling</a:t>
-            </a:r>
-            <a:endParaRPr lang="en-US" b="1" dirty="0"/>
-          </a:p>
-        </p:txBody>
-      </p:sp>
-      <p:sp>
-        <p:nvSpPr>
-          <p:cNvPr id="3" name="Espace réservé du contenu 2"/>
-          <p:cNvSpPr>
-            <a:spLocks noGrp="1"/>
-          </p:cNvSpPr>
-          <p:nvPr>
-            <p:ph idx="1"/>
-          </p:nvPr>
-        </p:nvSpPr>
-        <p:spPr/>
-        <p:txBody>
-          <a:bodyPr/>
-          <a:lstStyle/>
-          <a:p>
-            <a:r>
-              <a:rPr lang="en-US" dirty="0" smtClean="0"/>
-              <a:t>Maven integration</a:t>
-            </a:r>
-          </a:p>
-          <a:p>
-            <a:pPr lvl="1">
-              <a:buFont typeface="Wingdings" pitchFamily="2" charset="2"/>
-              <a:buChar char="§"/>
-            </a:pPr>
-            <a:r>
-              <a:rPr lang="en-US" dirty="0" smtClean="0"/>
-              <a:t>maven-processor-plugin (google-code)</a:t>
-            </a:r>
-          </a:p>
-          <a:p>
-            <a:r>
-              <a:rPr lang="en-US" dirty="0" smtClean="0"/>
-              <a:t>Ant integration</a:t>
-            </a:r>
-          </a:p>
-          <a:p>
-            <a:pPr lvl="1">
-              <a:buFont typeface="Wingdings" pitchFamily="2" charset="2"/>
-              <a:buChar char="§"/>
-            </a:pPr>
-            <a:r>
-              <a:rPr lang="en-US" dirty="0" smtClean="0"/>
-              <a:t>javac </a:t>
-            </a:r>
-          </a:p>
-          <a:p>
-            <a:r>
-              <a:rPr lang="en-US" dirty="0" smtClean="0"/>
-              <a:t>IDE integration</a:t>
-            </a:r>
-          </a:p>
-          <a:p>
-            <a:pPr lvl="1">
-              <a:buFont typeface="Wingdings" pitchFamily="2" charset="2"/>
-              <a:buChar char="§"/>
-            </a:pPr>
-            <a:r>
-              <a:rPr lang="en-US" dirty="0" smtClean="0"/>
-              <a:t>Extend the JDK compilation options</a:t>
-            </a:r>
-          </a:p>
-        </p:txBody>
-      </p:sp>
-    </p:spTree>
-    <p:extLst>
-      <p:ext uri="{BB962C8B-B14F-4D97-AF65-F5344CB8AC3E}">
-        <p14:creationId xmlns:p14="http://schemas.microsoft.com/office/powerpoint/2010/main" val="4018907091"/>
-      </p:ext>
-    </p:extLst>
-  </p:cSld>
-  <p:clrMapOvr>
-    <a:masterClrMapping/>
-  </p:clrMapOvr>
-  <p:timing>
-    <p:tnLst>
-      <p:par>
-        <p:cTn id="1" dur="indefinite" restart="never" nodeType="tmRoot"/>
+        <p:cTn xmlns:p14="http://schemas.microsoft.com/office/powerpoint/2010/main" id="1" dur="indefinite" restart="never" nodeType="tmRoot"/>
       </p:par>
     </p:tnLst>
   </p:timing>
@@ -7313,7 +7696,7 @@
           <a:p>
             <a:r>
               <a:rPr lang="en-US" b="1" dirty="0" smtClean="0"/>
-              <a:t>APT usages</a:t>
+              <a:t>APT tooling</a:t>
             </a:r>
             <a:endParaRPr lang="en-US" b="1" dirty="0"/>
           </a:p>
@@ -7329,21 +7712,14 @@
             <p:ph idx="1"/>
           </p:nvPr>
         </p:nvSpPr>
-        <p:spPr>
-          <a:xfrm>
-            <a:off x="457200" y="1295400"/>
-            <a:ext cx="8229600" cy="4525963"/>
-          </a:xfrm>
-        </p:spPr>
-        <p:txBody>
-          <a:bodyPr>
-            <a:normAutofit/>
-          </a:bodyPr>
+        <p:spPr/>
+        <p:txBody>
+          <a:bodyPr/>
           <a:lstStyle/>
           <a:p>
             <a:r>
               <a:rPr lang="en-US" dirty="0" smtClean="0"/>
-              <a:t>Generate required repetitive code :</a:t>
+              <a:t>Maven integration</a:t>
             </a:r>
           </a:p>
           <a:p>
@@ -7353,7 +7729,11 @@
             </a:pPr>
             <a:r>
               <a:rPr lang="en-US" dirty="0" smtClean="0"/>
-              <a:t>Not always possible at runtime</a:t>
+              <a:t>maven-processor-plugin (google-code</a:t>
+            </a:r>
+            <a:r>
+              <a:rPr lang="en-US" dirty="0" smtClean="0"/>
+              <a:t>)</a:t>
             </a:r>
           </a:p>
           <a:p>
@@ -7362,12 +7742,23 @@
               <a:buChar char="§"/>
             </a:pPr>
             <a:r>
-              <a:rPr lang="en-US" dirty="0"/>
-              <a:t>Unit tests, </a:t>
+              <a:rPr lang="fr-FR" dirty="0" smtClean="0"/>
+              <a:t>M</a:t>
+            </a:r>
+            <a:r>
+              <a:rPr lang="en-US" dirty="0" err="1" smtClean="0"/>
+              <a:t>aven</a:t>
             </a:r>
             <a:r>
               <a:rPr lang="en-US" dirty="0" smtClean="0"/>
-              <a:t>JMX declarations</a:t>
+              <a:t> java compiler simply</a:t>
+            </a:r>
+            <a:endParaRPr lang="en-US" dirty="0" smtClean="0"/>
+          </a:p>
+          <a:p>
+            <a:r>
+              <a:rPr lang="en-US" dirty="0" smtClean="0"/>
+              <a:t>Ant integration</a:t>
             </a:r>
           </a:p>
           <a:p>
@@ -7377,13 +7768,13 @@
             </a:pPr>
             <a:r>
               <a:rPr lang="en-US" dirty="0" smtClean="0"/>
-              <a:t>Utility code with coverage and debug</a:t>
+              <a:t>javac </a:t>
             </a:r>
           </a:p>
           <a:p>
             <a:r>
               <a:rPr lang="en-US" dirty="0" smtClean="0"/>
-              <a:t>Build your reports on your code</a:t>
+              <a:t>IDE integration</a:t>
             </a:r>
           </a:p>
           <a:p>
@@ -7393,17 +7784,7 @@
             </a:pPr>
             <a:r>
               <a:rPr lang="en-US" dirty="0" smtClean="0"/>
-              <a:t>Your metrics without runtime overload</a:t>
-            </a:r>
-          </a:p>
-          <a:p>
-            <a:pPr lvl="1">
-              <a:buFont typeface="Wingdings" pitchFamily="2" charset="2"/>
-              <a:buChar char="§"/>
-            </a:pPr>
-            <a:r>
-              <a:rPr lang="en-US" dirty="0" smtClean="0"/>
-              <a:t>Even fail the build if you want !</a:t>
+              <a:t>Extend the JDK compilation options</a:t>
             </a:r>
           </a:p>
         </p:txBody>
@@ -7411,7 +7792,7 @@
     </p:spTree>
     <p:extLst>
       <p:ext uri="{BB962C8B-B14F-4D97-AF65-F5344CB8AC3E}">
-        <p14:creationId xmlns:p14="http://schemas.microsoft.com/office/powerpoint/2010/main" val="1144298520"/>
+        <p14:creationId xmlns:p14="http://schemas.microsoft.com/office/powerpoint/2010/main" val="4018907091"/>
       </p:ext>
     </p:extLst>
   </p:cSld>
@@ -7421,7 +7802,7 @@
   <p:timing>
     <p:tnLst>
       <p:par>
-        <p:cTn id="1" dur="indefinite" restart="never" nodeType="tmRoot"/>
+        <p:cTn xmlns:p14="http://schemas.microsoft.com/office/powerpoint/2010/main" id="1" dur="indefinite" restart="never" nodeType="tmRoot"/>
       </p:par>
     </p:tnLst>
   </p:timing>
@@ -7462,7 +7843,7 @@
           <a:p>
             <a:r>
               <a:rPr lang="en-US" b="1" dirty="0" smtClean="0"/>
-              <a:t>One or Two phase compilation</a:t>
+              <a:t>APT usages</a:t>
             </a:r>
             <a:endParaRPr lang="en-US" b="1" dirty="0"/>
           </a:p>
@@ -7480,8 +7861,8 @@
         </p:nvSpPr>
         <p:spPr>
           <a:xfrm>
-            <a:off x="381000" y="1295400"/>
-            <a:ext cx="8610600" cy="4525963"/>
+            <a:off x="457200" y="1295400"/>
+            <a:ext cx="8229600" cy="4525963"/>
           </a:xfrm>
         </p:spPr>
         <p:txBody>
@@ -7492,7 +7873,7 @@
           <a:p>
             <a:r>
               <a:rPr lang="en-US" dirty="0" smtClean="0"/>
-              <a:t>One phase :</a:t>
+              <a:t>Generate required repetitive code :</a:t>
             </a:r>
           </a:p>
           <a:p>
@@ -7502,7 +7883,7 @@
             </a:pPr>
             <a:r>
               <a:rPr lang="en-US" dirty="0" smtClean="0"/>
-              <a:t>APT runs during the compilation</a:t>
+              <a:t>Not always possible at runtime</a:t>
             </a:r>
           </a:p>
           <a:p>
@@ -7511,8 +7892,12 @@
               <a:buChar char="§"/>
             </a:pPr>
             <a:r>
+              <a:rPr lang="en-US" dirty="0"/>
+              <a:t>Unit tests, </a:t>
+            </a:r>
+            <a:r>
               <a:rPr lang="en-US" dirty="0" smtClean="0"/>
-              <a:t>Generated code is directly produced as bytecode (.class) </a:t>
+              <a:t>JMX declarations</a:t>
             </a:r>
           </a:p>
           <a:p>
@@ -7522,25 +7907,13 @@
             </a:pPr>
             <a:r>
               <a:rPr lang="en-US" dirty="0" smtClean="0"/>
-              <a:t>Harder to debug (no .java created)</a:t>
-            </a:r>
-          </a:p>
-          <a:p>
-            <a:pPr>
-              <a:buFont typeface="Wingdings" pitchFamily="2" charset="2"/>
-              <a:buChar char="§"/>
-            </a:pPr>
+              <a:t>Utility code with coverage and debug</a:t>
+            </a:r>
+          </a:p>
+          <a:p>
             <a:r>
               <a:rPr lang="en-US" dirty="0" smtClean="0"/>
-              <a:t>Two phases : “</a:t>
-            </a:r>
-            <a:r>
-              <a:rPr lang="en-US" dirty="0" err="1" smtClean="0"/>
-              <a:t>proc:only</a:t>
-            </a:r>
-            <a:r>
-              <a:rPr lang="en-US" dirty="0" smtClean="0"/>
-              <a:t>”</a:t>
+              <a:t>Build your reports on your code</a:t>
             </a:r>
           </a:p>
           <a:p>
@@ -7550,25 +7923,8 @@
             </a:pPr>
             <a:r>
               <a:rPr lang="en-US" dirty="0" smtClean="0"/>
-              <a:t>javac with </a:t>
-            </a:r>
-            <a:r>
-              <a:rPr lang="en-US" dirty="0" err="1" smtClean="0"/>
-              <a:t>proc:only</a:t>
-            </a:r>
-            <a:r>
-              <a:rPr lang="en-US" dirty="0"/>
-              <a:t> </a:t>
-            </a:r>
-            <a:r>
-              <a:rPr lang="en-US" dirty="0" smtClean="0"/>
-              <a:t>then with </a:t>
-            </a:r>
-            <a:r>
-              <a:rPr lang="en-US" dirty="0" err="1" smtClean="0"/>
-              <a:t>proc:none</a:t>
-            </a:r>
-            <a:endParaRPr lang="en-US" dirty="0"/>
+              <a:t>Your metrics without runtime overload</a:t>
+            </a:r>
           </a:p>
           <a:p>
             <a:pPr lvl="1">
@@ -7577,20 +7933,15 @@
             </a:pPr>
             <a:r>
               <a:rPr lang="en-US" dirty="0" smtClean="0"/>
-              <a:t>Creates .java files in the </a:t>
-            </a:r>
-            <a:r>
-              <a:rPr lang="en-US" dirty="0" err="1" smtClean="0"/>
-              <a:t>sourcepath</a:t>
-            </a:r>
-            <a:endParaRPr lang="en-US" dirty="0" smtClean="0"/>
+              <a:t>Even fail the build if you want !</a:t>
+            </a:r>
           </a:p>
         </p:txBody>
       </p:sp>
     </p:spTree>
     <p:extLst>
       <p:ext uri="{BB962C8B-B14F-4D97-AF65-F5344CB8AC3E}">
-        <p14:creationId xmlns:p14="http://schemas.microsoft.com/office/powerpoint/2010/main" val="3127927311"/>
+        <p14:creationId xmlns:p14="http://schemas.microsoft.com/office/powerpoint/2010/main" val="1144298520"/>
       </p:ext>
     </p:extLst>
   </p:cSld>
@@ -7600,7 +7951,7 @@
   <p:timing>
     <p:tnLst>
       <p:par>
-        <p:cTn id="1" dur="indefinite" restart="never" nodeType="tmRoot"/>
+        <p:cTn xmlns:p14="http://schemas.microsoft.com/office/powerpoint/2010/main" id="1" dur="indefinite" restart="never" nodeType="tmRoot"/>
       </p:par>
     </p:tnLst>
   </p:timing>
@@ -7636,22 +7987,12 @@
         </p:nvSpPr>
         <p:spPr/>
         <p:txBody>
-          <a:bodyPr>
-            <a:normAutofit/>
-          </a:bodyPr>
+          <a:bodyPr/>
           <a:lstStyle/>
           <a:p>
             <a:r>
               <a:rPr lang="en-US" b="1" dirty="0" smtClean="0"/>
-              <a:t>Problems </a:t>
-            </a:r>
-            <a:r>
-              <a:rPr lang="en-US" dirty="0" smtClean="0"/>
-              <a:t>with</a:t>
-            </a:r>
-            <a:r>
-              <a:rPr lang="en-US" b="1" dirty="0" smtClean="0"/>
-              <a:t> APT </a:t>
+              <a:t>One or Two phase compilation</a:t>
             </a:r>
             <a:endParaRPr lang="en-US" b="1" dirty="0"/>
           </a:p>
@@ -7669,19 +8010,19 @@
         </p:nvSpPr>
         <p:spPr>
           <a:xfrm>
-            <a:off x="457200" y="1341437"/>
-            <a:ext cx="8229600" cy="4830763"/>
+            <a:off x="381000" y="1295400"/>
+            <a:ext cx="8610600" cy="4525963"/>
           </a:xfrm>
         </p:spPr>
         <p:txBody>
           <a:bodyPr>
-            <a:normAutofit fontScale="92500" lnSpcReduction="10000"/>
+            <a:normAutofit/>
           </a:bodyPr>
           <a:lstStyle/>
           <a:p>
             <a:r>
               <a:rPr lang="en-US" dirty="0" smtClean="0"/>
-              <a:t>Beware of the “Generate” golden hammer</a:t>
+              <a:t>One phase :</a:t>
             </a:r>
           </a:p>
           <a:p>
@@ -7691,13 +8032,7 @@
             </a:pPr>
             <a:r>
               <a:rPr lang="en-US" dirty="0" smtClean="0"/>
-              <a:t>generate needed code</a:t>
-            </a:r>
-          </a:p>
-          <a:p>
-            <a:r>
-              <a:rPr lang="en-US" dirty="0" smtClean="0"/>
-              <a:t>APT Processors can be tricky:</a:t>
+              <a:t>APT runs during the compilation</a:t>
             </a:r>
           </a:p>
           <a:p>
@@ -7707,7 +8042,7 @@
             </a:pPr>
             <a:r>
               <a:rPr lang="en-US" dirty="0" smtClean="0"/>
-              <a:t>hard to test / maintain</a:t>
+              <a:t>Generated code is directly produced as bytecode (.class) </a:t>
             </a:r>
           </a:p>
           <a:p>
@@ -7717,7 +8052,25 @@
             </a:pPr>
             <a:r>
               <a:rPr lang="en-US" dirty="0" smtClean="0"/>
-              <a:t>bad error management (hidden errors !)</a:t>
+              <a:t>Harder to debug (no .java created)</a:t>
+            </a:r>
+          </a:p>
+          <a:p>
+            <a:pPr>
+              <a:buFont typeface="Wingdings" pitchFamily="2" charset="2"/>
+              <a:buChar char="§"/>
+            </a:pPr>
+            <a:r>
+              <a:rPr lang="en-US" dirty="0" smtClean="0"/>
+              <a:t>Two phases : “</a:t>
+            </a:r>
+            <a:r>
+              <a:rPr lang="en-US" dirty="0" err="1" smtClean="0"/>
+              <a:t>proc:only</a:t>
+            </a:r>
+            <a:r>
+              <a:rPr lang="en-US" dirty="0" smtClean="0"/>
+              <a:t>”</a:t>
             </a:r>
           </a:p>
           <a:p>
@@ -7727,59 +8080,47 @@
             </a:pPr>
             <a:r>
               <a:rPr lang="en-US" dirty="0" smtClean="0"/>
-              <a:t>Not really (well) documented</a:t>
-            </a:r>
-          </a:p>
-          <a:p>
+              <a:t>javac with </a:t>
+            </a:r>
+            <a:r>
+              <a:rPr lang="en-US" dirty="0" err="1" smtClean="0"/>
+              <a:t>proc:only</a:t>
+            </a:r>
+            <a:r>
+              <a:rPr lang="en-US" dirty="0"/>
+              <a:t> </a:t>
+            </a:r>
             <a:r>
               <a:rPr lang="en-US" dirty="0" smtClean="0"/>
-              <a:t>No built-in templating mechanism</a:t>
-            </a:r>
-          </a:p>
-          <a:p>
-            <a:r>
-              <a:rPr lang="en-US" dirty="0" smtClean="0"/>
-              <a:t>Enforced file path creation</a:t>
-            </a:r>
-          </a:p>
-          <a:p>
-            <a:pPr marL="342900" lvl="1" indent="-342900">
-              <a:buFont typeface="Arial" pitchFamily="34" charset="0"/>
-              <a:buChar char="•"/>
-            </a:pPr>
-            <a:r>
-              <a:rPr lang="en-US" sz="3200" dirty="0" smtClean="0"/>
-              <a:t>Beware of maven parallel builds</a:t>
-            </a:r>
-          </a:p>
-          <a:p>
-            <a:pPr marL="857250" lvl="2" indent="-457200">
+              <a:t>then with </a:t>
+            </a:r>
+            <a:r>
+              <a:rPr lang="en-US" dirty="0" err="1" smtClean="0"/>
+              <a:t>proc:none</a:t>
+            </a:r>
+            <a:endParaRPr lang="en-US" dirty="0"/>
+          </a:p>
+          <a:p>
+            <a:pPr lvl="1">
               <a:buFont typeface="Wingdings" pitchFamily="2" charset="2"/>
               <a:buChar char="§"/>
             </a:pPr>
             <a:r>
-              <a:rPr lang="en-US" sz="2800" dirty="0" smtClean="0"/>
-              <a:t>Because </a:t>
-            </a:r>
-            <a:r>
-              <a:rPr lang="en-US" sz="2800" dirty="0" err="1" smtClean="0"/>
-              <a:t>javac</a:t>
-            </a:r>
-            <a:r>
-              <a:rPr lang="en-US" sz="2800" dirty="0" smtClean="0"/>
-              <a:t> </a:t>
-            </a:r>
-            <a:r>
-              <a:rPr lang="en-US" sz="2800" dirty="0"/>
-              <a:t>is not thread safe</a:t>
-            </a:r>
+              <a:rPr lang="en-US" dirty="0" smtClean="0"/>
+              <a:t>Creates .java files in the </a:t>
+            </a:r>
+            <a:r>
+              <a:rPr lang="en-US" dirty="0" err="1" smtClean="0"/>
+              <a:t>sourcepath</a:t>
+            </a:r>
+            <a:endParaRPr lang="en-US" dirty="0" smtClean="0"/>
           </a:p>
         </p:txBody>
       </p:sp>
     </p:spTree>
     <p:extLst>
       <p:ext uri="{BB962C8B-B14F-4D97-AF65-F5344CB8AC3E}">
-        <p14:creationId xmlns:p14="http://schemas.microsoft.com/office/powerpoint/2010/main" val="30870146"/>
+        <p14:creationId xmlns:p14="http://schemas.microsoft.com/office/powerpoint/2010/main" val="3127927311"/>
       </p:ext>
     </p:extLst>
   </p:cSld>
@@ -7789,7 +8130,7 @@
   <p:timing>
     <p:tnLst>
       <p:par>
-        <p:cTn id="1" dur="indefinite" restart="never" nodeType="tmRoot"/>
+        <p:cTn xmlns:p14="http://schemas.microsoft.com/office/powerpoint/2010/main" id="1" dur="indefinite" restart="never" nodeType="tmRoot"/>
       </p:par>
     </p:tnLst>
   </p:timing>
@@ -7825,12 +8166,22 @@
         </p:nvSpPr>
         <p:spPr/>
         <p:txBody>
-          <a:bodyPr/>
+          <a:bodyPr>
+            <a:normAutofit/>
+          </a:bodyPr>
           <a:lstStyle/>
           <a:p>
             <a:r>
               <a:rPr lang="en-US" b="1" dirty="0" smtClean="0"/>
-              <a:t>It’s time to convince your team</a:t>
+              <a:t>Problems </a:t>
+            </a:r>
+            <a:r>
+              <a:rPr lang="en-US" dirty="0" smtClean="0"/>
+              <a:t>with</a:t>
+            </a:r>
+            <a:r>
+              <a:rPr lang="en-US" b="1" dirty="0" smtClean="0"/>
+              <a:t> APT </a:t>
             </a:r>
             <a:endParaRPr lang="en-US" b="1" dirty="0"/>
           </a:p>
@@ -7848,31 +8199,19 @@
         </p:nvSpPr>
         <p:spPr>
           <a:xfrm>
-            <a:off x="457200" y="1600201"/>
-            <a:ext cx="8229600" cy="4343399"/>
+            <a:off x="457200" y="1341437"/>
+            <a:ext cx="8229600" cy="4830763"/>
           </a:xfrm>
         </p:spPr>
         <p:txBody>
           <a:bodyPr>
-            <a:normAutofit/>
+            <a:normAutofit fontScale="92500" lnSpcReduction="10000"/>
           </a:bodyPr>
           <a:lstStyle/>
           <a:p>
             <a:r>
               <a:rPr lang="en-US" dirty="0" smtClean="0"/>
-              <a:t>APT</a:t>
-            </a:r>
-            <a:r>
-              <a:rPr lang="en-US" dirty="0" smtClean="0">
-                <a:solidFill>
-                  <a:srgbClr val="FF0000"/>
-                </a:solidFill>
-              </a:rPr>
-              <a:t> </a:t>
-            </a:r>
-            <a:r>
-              <a:rPr lang="en-US" dirty="0" smtClean="0"/>
-              <a:t>parses the source code to generate</a:t>
+              <a:t>Beware of the “Generate” golden hammer</a:t>
             </a:r>
           </a:p>
           <a:p>
@@ -7882,15 +8221,13 @@
             </a:pPr>
             <a:r>
               <a:rPr lang="en-US" dirty="0" smtClean="0"/>
-              <a:t>Java Files &amp; .class, Reports (.</a:t>
-            </a:r>
-            <a:r>
-              <a:rPr lang="en-US" dirty="0" err="1" smtClean="0"/>
-              <a:t>csv</a:t>
-            </a:r>
+              <a:t>generate needed code</a:t>
+            </a:r>
+          </a:p>
+          <a:p>
             <a:r>
               <a:rPr lang="en-US" dirty="0" smtClean="0"/>
-              <a:t>, …)</a:t>
+              <a:t>APT Processors can be tricky:</a:t>
             </a:r>
           </a:p>
           <a:p>
@@ -7900,13 +8237,7 @@
             </a:pPr>
             <a:r>
               <a:rPr lang="en-US" dirty="0" smtClean="0"/>
-              <a:t>Build log information or even build failures</a:t>
-            </a:r>
-          </a:p>
-          <a:p>
-            <a:r>
-              <a:rPr lang="en-US" dirty="0" smtClean="0"/>
-              <a:t>It allows you to have a source level DSL</a:t>
+              <a:t>hard to test / maintain</a:t>
             </a:r>
           </a:p>
           <a:p>
@@ -7916,7 +8247,7 @@
             </a:pPr>
             <a:r>
               <a:rPr lang="en-US" dirty="0" smtClean="0"/>
-              <a:t>Annotate your code &amp; Generate the plumbing</a:t>
+              <a:t>bad error management (hidden errors !)</a:t>
             </a:r>
           </a:p>
           <a:p>
@@ -7926,21 +8257,51 @@
             </a:pPr>
             <a:r>
               <a:rPr lang="en-US" dirty="0" smtClean="0"/>
-              <a:t>Compile / Debug the generated code </a:t>
+              <a:t>Not really (well) documented</a:t>
             </a:r>
           </a:p>
           <a:p>
             <a:r>
               <a:rPr lang="en-US" dirty="0" smtClean="0"/>
-              <a:t>APT </a:t>
-            </a:r>
-            <a:r>
-              <a:rPr lang="en-US" dirty="0"/>
-              <a:t>f</a:t>
-            </a:r>
+              <a:t>No built-in templating mechanism</a:t>
+            </a:r>
+          </a:p>
+          <a:p>
             <a:r>
               <a:rPr lang="en-US" dirty="0" smtClean="0"/>
-              <a:t>ramework is compact</a:t>
+              <a:t>Enforced file path creation</a:t>
+            </a:r>
+          </a:p>
+          <a:p>
+            <a:pPr marL="342900" lvl="1" indent="-342900">
+              <a:buFont typeface="Arial" pitchFamily="34" charset="0"/>
+              <a:buChar char="•"/>
+            </a:pPr>
+            <a:r>
+              <a:rPr lang="en-US" sz="3200" dirty="0" smtClean="0"/>
+              <a:t>Beware of maven parallel builds</a:t>
+            </a:r>
+          </a:p>
+          <a:p>
+            <a:pPr marL="857250" lvl="2" indent="-457200">
+              <a:buFont typeface="Wingdings" pitchFamily="2" charset="2"/>
+              <a:buChar char="§"/>
+            </a:pPr>
+            <a:r>
+              <a:rPr lang="en-US" sz="2800" dirty="0" smtClean="0"/>
+              <a:t>Because </a:t>
+            </a:r>
+            <a:r>
+              <a:rPr lang="en-US" sz="2800" dirty="0" err="1" smtClean="0"/>
+              <a:t>javac</a:t>
+            </a:r>
+            <a:r>
+              <a:rPr lang="en-US" sz="2800" dirty="0" smtClean="0"/>
+              <a:t> </a:t>
+            </a:r>
+            <a:r>
+              <a:rPr lang="en-US" sz="2800" dirty="0"/>
+              <a:t>is not thread safe</a:t>
             </a:r>
           </a:p>
         </p:txBody>
@@ -7948,7 +8309,7 @@
     </p:spTree>
     <p:extLst>
       <p:ext uri="{BB962C8B-B14F-4D97-AF65-F5344CB8AC3E}">
-        <p14:creationId xmlns:p14="http://schemas.microsoft.com/office/powerpoint/2010/main" val="2283403750"/>
+        <p14:creationId xmlns:p14="http://schemas.microsoft.com/office/powerpoint/2010/main" val="30870146"/>
       </p:ext>
     </p:extLst>
   </p:cSld>
@@ -7958,7 +8319,7 @@
   <p:timing>
     <p:tnLst>
       <p:par>
-        <p:cTn id="1" dur="indefinite" restart="never" nodeType="tmRoot"/>
+        <p:cTn xmlns:p14="http://schemas.microsoft.com/office/powerpoint/2010/main" id="1" dur="indefinite" restart="never" nodeType="tmRoot"/>
       </p:par>
     </p:tnLst>
   </p:timing>
@@ -7989,13 +8350,36 @@
             <a:spLocks noGrp="1"/>
           </p:cNvSpPr>
           <p:nvPr>
-            <p:ph type="ctrTitle"/>
+            <p:ph type="title"/>
+          </p:nvPr>
+        </p:nvSpPr>
+        <p:spPr/>
+        <p:txBody>
+          <a:bodyPr/>
+          <a:lstStyle/>
+          <a:p>
+            <a:r>
+              <a:rPr lang="en-US" b="1" dirty="0" smtClean="0"/>
+              <a:t>It’s time to convince your team</a:t>
+            </a:r>
+            <a:endParaRPr lang="en-US" b="1" dirty="0"/>
+          </a:p>
+        </p:txBody>
+      </p:sp>
+      <p:sp>
+        <p:nvSpPr>
+          <p:cNvPr id="3" name="Espace réservé du contenu 2"/>
+          <p:cNvSpPr>
+            <a:spLocks noGrp="1"/>
+          </p:cNvSpPr>
+          <p:nvPr>
+            <p:ph idx="1"/>
           </p:nvPr>
         </p:nvSpPr>
         <p:spPr>
           <a:xfrm>
-            <a:off x="533400" y="304800"/>
-            <a:ext cx="8077200" cy="5486400"/>
+            <a:off x="457200" y="1600201"/>
+            <a:ext cx="8229600" cy="4343399"/>
           </a:xfrm>
         </p:spPr>
         <p:txBody>
@@ -8006,23 +8390,95 @@
           <a:p>
             <a:r>
               <a:rPr lang="en-US" dirty="0" smtClean="0"/>
-              <a:t>Go deep in APT usage</a:t>
-            </a:r>
-            <a:br>
+              <a:t>APT</a:t>
+            </a:r>
+            <a:r>
+              <a:rPr lang="en-US" dirty="0" smtClean="0">
+                <a:solidFill>
+                  <a:srgbClr val="FF0000"/>
+                </a:solidFill>
+              </a:rPr>
+              <a:t> </a:t>
+            </a:r>
+            <a:r>
               <a:rPr lang="en-US" dirty="0" smtClean="0"/>
-            </a:br>
-            <a:r>
-              <a:rPr lang="en-US" b="1" dirty="0" smtClean="0"/>
-              <a:t> with Ez18n</a:t>
-            </a:r>
-            <a:endParaRPr lang="en-US" b="1" dirty="0"/>
+              <a:t>parses the source code to generate</a:t>
+            </a:r>
+          </a:p>
+          <a:p>
+            <a:pPr lvl="1">
+              <a:buFont typeface="Wingdings" pitchFamily="2" charset="2"/>
+              <a:buChar char="§"/>
+            </a:pPr>
+            <a:r>
+              <a:rPr lang="en-US" dirty="0" smtClean="0"/>
+              <a:t>Java Files &amp; .class, Reports (.</a:t>
+            </a:r>
+            <a:r>
+              <a:rPr lang="en-US" dirty="0" err="1" smtClean="0"/>
+              <a:t>csv</a:t>
+            </a:r>
+            <a:r>
+              <a:rPr lang="en-US" dirty="0" smtClean="0"/>
+              <a:t>, …)</a:t>
+            </a:r>
+          </a:p>
+          <a:p>
+            <a:pPr lvl="1">
+              <a:buFont typeface="Wingdings" pitchFamily="2" charset="2"/>
+              <a:buChar char="§"/>
+            </a:pPr>
+            <a:r>
+              <a:rPr lang="en-US" dirty="0" smtClean="0"/>
+              <a:t>Build log information or even build failures</a:t>
+            </a:r>
+          </a:p>
+          <a:p>
+            <a:r>
+              <a:rPr lang="en-US" dirty="0" smtClean="0"/>
+              <a:t>It allows you to have a source level DSL</a:t>
+            </a:r>
+          </a:p>
+          <a:p>
+            <a:pPr lvl="1">
+              <a:buFont typeface="Wingdings" pitchFamily="2" charset="2"/>
+              <a:buChar char="§"/>
+            </a:pPr>
+            <a:r>
+              <a:rPr lang="en-US" dirty="0" smtClean="0"/>
+              <a:t>Annotate your code &amp; Generate the plumbing</a:t>
+            </a:r>
+          </a:p>
+          <a:p>
+            <a:pPr lvl="1">
+              <a:buFont typeface="Wingdings" pitchFamily="2" charset="2"/>
+              <a:buChar char="§"/>
+            </a:pPr>
+            <a:r>
+              <a:rPr lang="en-US" dirty="0" smtClean="0"/>
+              <a:t>Compile / Debug the generated code </a:t>
+            </a:r>
+          </a:p>
+          <a:p>
+            <a:r>
+              <a:rPr lang="en-US" dirty="0" smtClean="0"/>
+              <a:t>APT </a:t>
+            </a:r>
+            <a:r>
+              <a:rPr lang="en-US" dirty="0"/>
+              <a:t>f</a:t>
+            </a:r>
+            <a:r>
+              <a:rPr lang="en-US" dirty="0" smtClean="0"/>
+              <a:t>ramework is compact</a:t>
+            </a:r>
           </a:p>
         </p:txBody>
       </p:sp>
     </p:spTree>
     <p:extLst>
       <p:ext uri="{BB962C8B-B14F-4D97-AF65-F5344CB8AC3E}">
-        <p14:creationId xmlns:p14="http://schemas.microsoft.com/office/powerpoint/2010/main" val="2550808627"/>
+        <p14:creationId xmlns:p14="http://schemas.microsoft.com/office/powerpoint/2010/main" val="2283403750"/>
       </p:ext>
     </p:extLst>
   </p:cSld>
@@ -8032,7 +8488,7 @@
   <p:timing>
     <p:tnLst>
       <p:par>
-        <p:cTn id="1" dur="indefinite" restart="never" nodeType="tmRoot"/>
+        <p:cTn xmlns:p14="http://schemas.microsoft.com/office/powerpoint/2010/main" id="1" dur="indefinite" restart="never" nodeType="tmRoot"/>
       </p:par>
     </p:tnLst>
   </p:timing>
@@ -8063,149 +8519,40 @@
             <a:spLocks noGrp="1"/>
           </p:cNvSpPr>
           <p:nvPr>
-            <p:ph type="title"/>
-          </p:nvPr>
-        </p:nvSpPr>
-        <p:spPr/>
-        <p:txBody>
-          <a:bodyPr/>
-          <a:lstStyle/>
-          <a:p>
-            <a:r>
-              <a:rPr lang="fr-FR" dirty="0" err="1" smtClean="0"/>
-              <a:t>Demo</a:t>
-            </a:r>
-            <a:endParaRPr lang="fr-FR" dirty="0"/>
-          </a:p>
-        </p:txBody>
-      </p:sp>
-      <p:sp>
-        <p:nvSpPr>
-          <p:cNvPr id="3" name="Espace réservé du contenu 2"/>
-          <p:cNvSpPr>
-            <a:spLocks noGrp="1"/>
-          </p:cNvSpPr>
-          <p:nvPr>
-            <p:ph idx="1"/>
+            <p:ph type="ctrTitle"/>
           </p:nvPr>
         </p:nvSpPr>
         <p:spPr>
           <a:xfrm>
-            <a:off x="457200" y="990600"/>
-            <a:ext cx="8229600" cy="4525963"/>
+            <a:off x="533400" y="304800"/>
+            <a:ext cx="8077200" cy="5486400"/>
           </a:xfrm>
         </p:spPr>
         <p:txBody>
-          <a:bodyPr/>
+          <a:bodyPr>
+            <a:normAutofit/>
+          </a:bodyPr>
           <a:lstStyle/>
           <a:p>
-            <a:pPr marL="0" indent="0">
-              <a:buNone/>
-            </a:pPr>
-            <a:endParaRPr lang="fr-FR" dirty="0" smtClean="0"/>
-          </a:p>
-          <a:p>
-            <a:r>
-              <a:rPr lang="fr-FR" dirty="0" smtClean="0"/>
-              <a:t>The Stock-</a:t>
-            </a:r>
-            <a:r>
-              <a:rPr lang="fr-FR" dirty="0" err="1" smtClean="0"/>
-              <a:t>watcher</a:t>
-            </a:r>
-            <a:r>
-              <a:rPr lang="fr-FR" dirty="0" smtClean="0"/>
-              <a:t> </a:t>
-            </a:r>
-            <a:r>
-              <a:rPr lang="fr-FR" dirty="0" err="1" smtClean="0"/>
-              <a:t>available</a:t>
-            </a:r>
-            <a:r>
-              <a:rPr lang="fr-FR" dirty="0" smtClean="0"/>
-              <a:t> on</a:t>
-            </a:r>
-          </a:p>
-          <a:p>
-            <a:pPr lvl="1"/>
-            <a:r>
-              <a:rPr lang="fr-FR" dirty="0" smtClean="0"/>
-              <a:t>http://github.com/lesfurets/ez18n </a:t>
-            </a:r>
-          </a:p>
-          <a:p>
-            <a:pPr lvl="1"/>
-            <a:r>
-              <a:rPr lang="fr-FR" dirty="0" smtClean="0"/>
-              <a:t>In the ez18n</a:t>
-            </a:r>
-            <a:r>
-              <a:rPr lang="fr-FR" dirty="0"/>
-              <a:t>-</a:t>
-            </a:r>
-            <a:r>
-              <a:rPr lang="fr-FR" dirty="0" smtClean="0"/>
-              <a:t>webapp module</a:t>
-            </a:r>
-          </a:p>
-          <a:p>
-            <a:pPr lvl="1"/>
-            <a:r>
-              <a:rPr lang="fr-FR" dirty="0" err="1" smtClean="0"/>
-              <a:t>Derived</a:t>
-            </a:r>
-            <a:r>
-              <a:rPr lang="fr-FR" dirty="0" smtClean="0"/>
-              <a:t> </a:t>
-            </a:r>
-            <a:r>
-              <a:rPr lang="fr-FR" dirty="0" err="1" smtClean="0"/>
-              <a:t>from</a:t>
-            </a:r>
-            <a:r>
-              <a:rPr lang="fr-FR" dirty="0" smtClean="0"/>
-              <a:t> a GWT </a:t>
-            </a:r>
-            <a:r>
-              <a:rPr lang="fr-FR" dirty="0" err="1" smtClean="0"/>
-              <a:t>Sample</a:t>
-            </a:r>
-            <a:endParaRPr lang="fr-FR" dirty="0" smtClean="0"/>
-          </a:p>
-          <a:p>
-            <a:r>
-              <a:rPr lang="fr-FR" dirty="0" err="1" smtClean="0"/>
-              <a:t>With</a:t>
-            </a:r>
-            <a:r>
-              <a:rPr lang="fr-FR" dirty="0"/>
-              <a:t> </a:t>
-            </a:r>
-            <a:r>
-              <a:rPr lang="fr-FR" dirty="0" smtClean="0"/>
-              <a:t>a desktop browser</a:t>
-            </a:r>
-          </a:p>
-          <a:p>
-            <a:r>
-              <a:rPr lang="fr-FR" dirty="0" err="1" smtClean="0"/>
-              <a:t>With</a:t>
-            </a:r>
-            <a:r>
-              <a:rPr lang="fr-FR" dirty="0" smtClean="0"/>
-              <a:t> a mobile browser</a:t>
-            </a:r>
-          </a:p>
-          <a:p>
-            <a:pPr lvl="1"/>
-            <a:endParaRPr lang="fr-FR" dirty="0"/>
+            <a:r>
+              <a:rPr lang="en-US" dirty="0" smtClean="0"/>
+              <a:t>Go deep in APT usage</a:t>
+            </a:r>
+            <a:br>
+              <a:rPr lang="en-US" dirty="0" smtClean="0"/>
+            </a:br>
+            <a:r>
+              <a:rPr lang="en-US" b="1" dirty="0" smtClean="0"/>
+              <a:t> with Ez18n</a:t>
+            </a:r>
+            <a:endParaRPr lang="en-US" b="1" dirty="0"/>
           </a:p>
         </p:txBody>
       </p:sp>
     </p:spTree>
     <p:extLst>
       <p:ext uri="{BB962C8B-B14F-4D97-AF65-F5344CB8AC3E}">
-        <p14:creationId xmlns:p14="http://schemas.microsoft.com/office/powerpoint/2010/main" val="144331589"/>
+        <p14:creationId xmlns:p14="http://schemas.microsoft.com/office/powerpoint/2010/main" val="2550808627"/>
       </p:ext>
     </p:extLst>
   </p:cSld>
@@ -8215,7 +8562,7 @@
   <p:timing>
     <p:tnLst>
       <p:par>
-        <p:cTn id="1" dur="indefinite" restart="never" nodeType="tmRoot"/>
+        <p:cTn xmlns:p14="http://schemas.microsoft.com/office/powerpoint/2010/main" id="1" dur="indefinite" restart="never" nodeType="tmRoot"/>
       </p:par>
     </p:tnLst>
   </p:timing>
@@ -8249,59 +8596,146 @@
             <p:ph type="title"/>
           </p:nvPr>
         </p:nvSpPr>
-        <p:spPr>
-          <a:xfrm>
-            <a:off x="457200" y="274638"/>
-            <a:ext cx="8229600" cy="792162"/>
-          </a:xfrm>
-        </p:spPr>
-        <p:txBody>
-          <a:bodyPr>
-            <a:normAutofit/>
-          </a:bodyPr>
+        <p:spPr/>
+        <p:txBody>
+          <a:bodyPr/>
           <a:lstStyle/>
           <a:p>
             <a:r>
-              <a:rPr lang="en-US" dirty="0" smtClean="0"/>
-              <a:t>Ez18n - Big picture</a:t>
-            </a:r>
-            <a:endParaRPr lang="en-US" dirty="0"/>
-          </a:p>
-        </p:txBody>
-      </p:sp>
-      <p:pic>
-        <p:nvPicPr>
-          <p:cNvPr id="4" name="Espace réservé du contenu 3"/>
-          <p:cNvPicPr>
-            <a:picLocks noGrp="1" noChangeAspect="1"/>
-          </p:cNvPicPr>
+              <a:rPr lang="fr-FR" dirty="0" err="1" smtClean="0"/>
+              <a:t>Demo</a:t>
+            </a:r>
+            <a:endParaRPr lang="fr-FR" dirty="0"/>
+          </a:p>
+        </p:txBody>
+      </p:sp>
+      <p:sp>
+        <p:nvSpPr>
+          <p:cNvPr id="3" name="Espace réservé du contenu 2"/>
+          <p:cNvSpPr>
+            <a:spLocks noGrp="1"/>
+          </p:cNvSpPr>
           <p:nvPr>
             <p:ph idx="1"/>
           </p:nvPr>
-        </p:nvPicPr>
-        <p:blipFill>
-          <a:blip r:embed="rId2">
-            <a:extLst>
-              <a:ext uri="{28A0092B-C50C-407E-A947-70E740481C1C}">
-                <a14:useLocalDpi xmlns:a14="http://schemas.microsoft.com/office/drawing/2010/main" val="0"/>
-              </a:ext>
-            </a:extLst>
-          </a:blip>
-          <a:stretch>
-            <a:fillRect/>
-          </a:stretch>
-        </p:blipFill>
+        </p:nvSpPr>
         <p:spPr>
           <a:xfrm>
-            <a:off x="228600" y="1066800"/>
-            <a:ext cx="8656821" cy="4800600"/>
+            <a:off x="457200" y="990600"/>
+            <a:ext cx="8229600" cy="4525963"/>
           </a:xfrm>
         </p:spPr>
-      </p:pic>
+        <p:txBody>
+          <a:bodyPr/>
+          <a:lstStyle/>
+          <a:p>
+            <a:pPr marL="0" indent="0">
+              <a:buNone/>
+            </a:pPr>
+            <a:endParaRPr lang="fr-FR" dirty="0" smtClean="0"/>
+          </a:p>
+          <a:p>
+            <a:r>
+              <a:rPr lang="fr-FR" dirty="0" smtClean="0"/>
+              <a:t>The Stock-</a:t>
+            </a:r>
+            <a:r>
+              <a:rPr lang="fr-FR" dirty="0" err="1" smtClean="0"/>
+              <a:t>watcher</a:t>
+            </a:r>
+            <a:r>
+              <a:rPr lang="fr-FR" dirty="0" smtClean="0"/>
+              <a:t> </a:t>
+            </a:r>
+            <a:r>
+              <a:rPr lang="fr-FR" dirty="0" err="1" smtClean="0"/>
+              <a:t>available</a:t>
+            </a:r>
+            <a:r>
+              <a:rPr lang="fr-FR" dirty="0" smtClean="0"/>
+              <a:t> on</a:t>
+            </a:r>
+          </a:p>
+          <a:p>
+            <a:pPr lvl="1"/>
+            <a:r>
+              <a:rPr lang="fr-FR" dirty="0" smtClean="0"/>
+              <a:t>http://github.com/lesfurets/ez18n </a:t>
+            </a:r>
+          </a:p>
+          <a:p>
+            <a:pPr lvl="1"/>
+            <a:r>
+              <a:rPr lang="fr-FR" dirty="0" smtClean="0"/>
+              <a:t>In the ez18n</a:t>
+            </a:r>
+            <a:r>
+              <a:rPr lang="fr-FR" dirty="0"/>
+              <a:t>-</a:t>
+            </a:r>
+            <a:r>
+              <a:rPr lang="fr-FR" dirty="0" smtClean="0"/>
+              <a:t>webapp module</a:t>
+            </a:r>
+          </a:p>
+          <a:p>
+            <a:pPr lvl="1"/>
+            <a:r>
+              <a:rPr lang="fr-FR" dirty="0" err="1" smtClean="0"/>
+              <a:t>Derived</a:t>
+            </a:r>
+            <a:r>
+              <a:rPr lang="fr-FR" dirty="0" smtClean="0"/>
+              <a:t> </a:t>
+            </a:r>
+            <a:r>
+              <a:rPr lang="fr-FR" dirty="0" err="1" smtClean="0"/>
+              <a:t>from</a:t>
+            </a:r>
+            <a:r>
+              <a:rPr lang="fr-FR" dirty="0" smtClean="0"/>
+              <a:t> a GWT </a:t>
+            </a:r>
+            <a:r>
+              <a:rPr lang="fr-FR" dirty="0" err="1" smtClean="0"/>
+              <a:t>Sample</a:t>
+            </a:r>
+            <a:endParaRPr lang="fr-FR" dirty="0" smtClean="0"/>
+          </a:p>
+          <a:p>
+            <a:r>
+              <a:rPr lang="fr-FR" dirty="0" err="1" smtClean="0"/>
+              <a:t>With</a:t>
+            </a:r>
+            <a:r>
+              <a:rPr lang="fr-FR" dirty="0"/>
+              <a:t> </a:t>
+            </a:r>
+            <a:r>
+              <a:rPr lang="fr-FR" dirty="0" smtClean="0"/>
+              <a:t>a desktop browser</a:t>
+            </a:r>
+          </a:p>
+          <a:p>
+            <a:r>
+              <a:rPr lang="fr-FR" dirty="0" err="1" smtClean="0"/>
+              <a:t>With</a:t>
+            </a:r>
+            <a:r>
+              <a:rPr lang="fr-FR" dirty="0" smtClean="0"/>
+              <a:t> a mobile browser</a:t>
+            </a:r>
+          </a:p>
+          <a:p>
+            <a:pPr lvl="1"/>
+            <a:endParaRPr lang="fr-FR" dirty="0"/>
+          </a:p>
+        </p:txBody>
+      </p:sp>
     </p:spTree>
     <p:extLst>
       <p:ext uri="{BB962C8B-B14F-4D97-AF65-F5344CB8AC3E}">
-        <p14:creationId xmlns:p14="http://schemas.microsoft.com/office/powerpoint/2010/main" val="1486809574"/>
+        <p14:creationId xmlns:p14="http://schemas.microsoft.com/office/powerpoint/2010/main" val="144331589"/>
       </p:ext>
     </p:extLst>
   </p:cSld>
@@ -8311,7 +8745,7 @@
   <p:timing>
     <p:tnLst>
       <p:par>
-        <p:cTn id="1" dur="indefinite" restart="never" nodeType="tmRoot"/>
+        <p:cTn xmlns:p14="http://schemas.microsoft.com/office/powerpoint/2010/main" id="1" dur="indefinite" restart="never" nodeType="tmRoot"/>
       </p:par>
     </p:tnLst>
   </p:timing>
@@ -8401,14 +8835,14 @@
           </a:ln>
           <a:effectLst/>
           <a:extLst>
-            <a:ext uri="{909E8E84-426E-40DD-AFC4-6F175D3DCCD1}">
+            <a:ext uri="{909E8E84-426E-40dd-AFC4-6F175D3DCCD1}">
               <a14:hiddenFill xmlns:a14="http://schemas.microsoft.com/office/drawing/2010/main">
                 <a:solidFill>
                   <a:schemeClr val="accent1"/>
                 </a:solidFill>
               </a14:hiddenFill>
             </a:ext>
-            <a:ext uri="{91240B29-F687-4F45-9708-019B960494DF}">
+            <a:ext uri="{91240B29-F687-4f45-9708-019B960494DF}">
               <a14:hiddenLine xmlns:a14="http://schemas.microsoft.com/office/drawing/2010/main" w="9525">
                 <a:solidFill>
                   <a:schemeClr val="tx1"/>
@@ -8418,7 +8852,7 @@
                 <a:tailEnd/>
               </a14:hiddenLine>
             </a:ext>
-            <a:ext uri="{AF507438-7753-43E0-B8FC-AC1667EBCBE1}">
+            <a:ext uri="{AF507438-7753-43e0-B8FC-AC1667EBCBE1}">
               <a14:hiddenEffects xmlns:a14="http://schemas.microsoft.com/office/drawing/2010/main">
                 <a:effectLst>
                   <a:outerShdw dist="35921" dir="2700000" algn="ctr" rotWithShape="0">
@@ -8473,7 +8907,7 @@
   <p:timing>
     <p:tnLst>
       <p:par>
-        <p:cTn id="1" dur="indefinite" restart="never" nodeType="tmRoot"/>
+        <p:cTn xmlns:p14="http://schemas.microsoft.com/office/powerpoint/2010/main" id="1" dur="indefinite" restart="never" nodeType="tmRoot"/>
       </p:par>
     </p:tnLst>
   </p:timing>
@@ -8481,6 +8915,102 @@
 </file>
 
 <file path=ppt/slides/slide30.xml><?xml version="1.0" encoding="utf-8"?>
+<p:sld xmlns:a="http://schemas.openxmlformats.org/drawingml/2006/main" xmlns:r="http://schemas.openxmlformats.org/officeDocument/2006/relationships" xmlns:p="http://schemas.openxmlformats.org/presentationml/2006/main">
+  <p:cSld>
+    <p:spTree>
+      <p:nvGrpSpPr>
+        <p:cNvPr id="1" name=""/>
+        <p:cNvGrpSpPr/>
+        <p:nvPr/>
+      </p:nvGrpSpPr>
+      <p:grpSpPr>
+        <a:xfrm>
+          <a:off x="0" y="0"/>
+          <a:ext cx="0" cy="0"/>
+          <a:chOff x="0" y="0"/>
+          <a:chExt cx="0" cy="0"/>
+        </a:xfrm>
+      </p:grpSpPr>
+      <p:sp>
+        <p:nvSpPr>
+          <p:cNvPr id="2" name="Titre 1"/>
+          <p:cNvSpPr>
+            <a:spLocks noGrp="1"/>
+          </p:cNvSpPr>
+          <p:nvPr>
+            <p:ph type="title"/>
+          </p:nvPr>
+        </p:nvSpPr>
+        <p:spPr>
+          <a:xfrm>
+            <a:off x="457200" y="274638"/>
+            <a:ext cx="8229600" cy="792162"/>
+          </a:xfrm>
+        </p:spPr>
+        <p:txBody>
+          <a:bodyPr>
+            <a:normAutofit/>
+          </a:bodyPr>
+          <a:lstStyle/>
+          <a:p>
+            <a:r>
+              <a:rPr lang="en-US" dirty="0" smtClean="0"/>
+              <a:t>Ez18n - Big picture</a:t>
+            </a:r>
+            <a:endParaRPr lang="en-US" dirty="0"/>
+          </a:p>
+        </p:txBody>
+      </p:sp>
+      <p:pic>
+        <p:nvPicPr>
+          <p:cNvPr id="4" name="Espace réservé du contenu 3"/>
+          <p:cNvPicPr>
+            <a:picLocks noGrp="1" noChangeAspect="1"/>
+          </p:cNvPicPr>
+          <p:nvPr>
+            <p:ph idx="1"/>
+          </p:nvPr>
+        </p:nvPicPr>
+        <p:blipFill>
+          <a:blip r:embed="rId2">
+            <a:extLst>
+              <a:ext uri="{28A0092B-C50C-407E-A947-70E740481C1C}">
+                <a14:useLocalDpi xmlns:a14="http://schemas.microsoft.com/office/drawing/2010/main" val="0"/>
+              </a:ext>
+            </a:extLst>
+          </a:blip>
+          <a:stretch>
+            <a:fillRect/>
+          </a:stretch>
+        </p:blipFill>
+        <p:spPr>
+          <a:xfrm>
+            <a:off x="228600" y="1066800"/>
+            <a:ext cx="8656821" cy="4800600"/>
+          </a:xfrm>
+        </p:spPr>
+      </p:pic>
+    </p:spTree>
+    <p:extLst>
+      <p:ext uri="{BB962C8B-B14F-4D97-AF65-F5344CB8AC3E}">
+        <p14:creationId xmlns:p14="http://schemas.microsoft.com/office/powerpoint/2010/main" val="1486809574"/>
+      </p:ext>
+    </p:extLst>
+  </p:cSld>
+  <p:clrMapOvr>
+    <a:masterClrMapping/>
+  </p:clrMapOvr>
+  <p:timing>
+    <p:tnLst>
+      <p:par>
+        <p:cTn xmlns:p14="http://schemas.microsoft.com/office/powerpoint/2010/main" id="1" dur="indefinite" restart="never" nodeType="tmRoot"/>
+      </p:par>
+    </p:tnLst>
+  </p:timing>
+</p:sld>
+</file>
+
+<file path=ppt/slides/slide31.xml><?xml version="1.0" encoding="utf-8"?>
 <p:sld xmlns:a="http://schemas.openxmlformats.org/drawingml/2006/main" xmlns:r="http://schemas.openxmlformats.org/officeDocument/2006/relationships" xmlns:p="http://schemas.openxmlformats.org/presentationml/2006/main">
   <p:cSld>
     <p:spTree>
@@ -8599,14 +9129,14 @@
           </a:ln>
           <a:effectLst/>
           <a:extLst>
-            <a:ext uri="{909E8E84-426E-40DD-AFC4-6F175D3DCCD1}">
+            <a:ext uri="{909E8E84-426E-40dd-AFC4-6F175D3DCCD1}">
               <a14:hiddenFill xmlns:a14="http://schemas.microsoft.com/office/drawing/2010/main">
                 <a:solidFill>
                   <a:schemeClr val="accent1"/>
                 </a:solidFill>
               </a14:hiddenFill>
             </a:ext>
-            <a:ext uri="{91240B29-F687-4F45-9708-019B960494DF}">
+            <a:ext uri="{91240B29-F687-4f45-9708-019B960494DF}">
               <a14:hiddenLine xmlns:a14="http://schemas.microsoft.com/office/drawing/2010/main" w="9525">
                 <a:solidFill>
                   <a:schemeClr val="tx1"/>
@@ -8616,7 +9146,7 @@
                 <a:tailEnd/>
               </a14:hiddenLine>
             </a:ext>
-            <a:ext uri="{AF507438-7753-43E0-B8FC-AC1667EBCBE1}">
+            <a:ext uri="{AF507438-7753-43e0-B8FC-AC1667EBCBE1}">
               <a14:hiddenEffects xmlns:a14="http://schemas.microsoft.com/office/drawing/2010/main">
                 <a:effectLst>
                   <a:outerShdw dist="35921" dir="2700000" algn="ctr" rotWithShape="0">
@@ -8641,14 +9171,14 @@
   <p:timing>
     <p:tnLst>
       <p:par>
-        <p:cTn id="1" dur="indefinite" restart="never" nodeType="tmRoot"/>
+        <p:cTn xmlns:p14="http://schemas.microsoft.com/office/powerpoint/2010/main" id="1" dur="indefinite" restart="never" nodeType="tmRoot"/>
       </p:par>
     </p:tnLst>
   </p:timing>
 </p:sld>
 </file>
 
-<file path=ppt/slides/slide31.xml><?xml version="1.0" encoding="utf-8"?>
+<file path=ppt/slides/slide32.xml><?xml version="1.0" encoding="utf-8"?>
 <p:sld xmlns:a="http://schemas.openxmlformats.org/drawingml/2006/main" xmlns:r="http://schemas.openxmlformats.org/officeDocument/2006/relationships" xmlns:p="http://schemas.openxmlformats.org/presentationml/2006/main">
   <p:cSld>
     <p:spTree>
@@ -8805,14 +9335,14 @@
             </a:ln>
             <a:effectLst/>
             <a:extLst>
-              <a:ext uri="{909E8E84-426E-40DD-AFC4-6F175D3DCCD1}">
+              <a:ext uri="{909E8E84-426E-40dd-AFC4-6F175D3DCCD1}">
                 <a14:hiddenFill xmlns:a14="http://schemas.microsoft.com/office/drawing/2010/main">
                   <a:solidFill>
                     <a:schemeClr val="accent1"/>
                   </a:solidFill>
                 </a14:hiddenFill>
               </a:ext>
-              <a:ext uri="{AF507438-7753-43E0-B8FC-AC1667EBCBE1}">
+              <a:ext uri="{AF507438-7753-43e0-B8FC-AC1667EBCBE1}">
                 <a14:hiddenEffects xmlns:a14="http://schemas.microsoft.com/office/drawing/2010/main">
                   <a:effectLst>
                     <a:outerShdw dist="35921" dir="2700000" algn="ctr" rotWithShape="0">
@@ -9233,14 +9763,14 @@
   <p:timing>
     <p:tnLst>
       <p:par>
-        <p:cTn id="1" dur="indefinite" restart="never" nodeType="tmRoot"/>
+        <p:cTn xmlns:p14="http://schemas.microsoft.com/office/powerpoint/2010/main" id="1" dur="indefinite" restart="never" nodeType="tmRoot"/>
       </p:par>
     </p:tnLst>
   </p:timing>
 </p:sld>
 </file>
 
-<file path=ppt/slides/slide32.xml><?xml version="1.0" encoding="utf-8"?>
+<file path=ppt/slides/slide33.xml><?xml version="1.0" encoding="utf-8"?>
 <p:sld xmlns:a="http://schemas.openxmlformats.org/drawingml/2006/main" xmlns:r="http://schemas.openxmlformats.org/officeDocument/2006/relationships" xmlns:p="http://schemas.openxmlformats.org/presentationml/2006/main">
   <p:cSld>
     <p:spTree>
@@ -9383,14 +9913,14 @@
             </a:ln>
             <a:effectLst/>
             <a:extLst>
-              <a:ext uri="{909E8E84-426E-40DD-AFC4-6F175D3DCCD1}">
+              <a:ext uri="{909E8E84-426E-40dd-AFC4-6F175D3DCCD1}">
                 <a14:hiddenFill xmlns:a14="http://schemas.microsoft.com/office/drawing/2010/main">
                   <a:solidFill>
                     <a:schemeClr val="accent1"/>
                   </a:solidFill>
                 </a14:hiddenFill>
               </a:ext>
-              <a:ext uri="{AF507438-7753-43E0-B8FC-AC1667EBCBE1}">
+              <a:ext uri="{AF507438-7753-43e0-B8FC-AC1667EBCBE1}">
                 <a14:hiddenEffects xmlns:a14="http://schemas.microsoft.com/office/drawing/2010/main">
                   <a:effectLst>
                     <a:outerShdw dist="35921" dir="2700000" algn="ctr" rotWithShape="0">
@@ -9649,14 +10179,14 @@
   <p:timing>
     <p:tnLst>
       <p:par>
-        <p:cTn id="1" dur="indefinite" restart="never" nodeType="tmRoot"/>
+        <p:cTn xmlns:p14="http://schemas.microsoft.com/office/powerpoint/2010/main" id="1" dur="indefinite" restart="never" nodeType="tmRoot"/>
       </p:par>
     </p:tnLst>
   </p:timing>
 </p:sld>
 </file>
 
-<file path=ppt/slides/slide33.xml><?xml version="1.0" encoding="utf-8"?>
+<file path=ppt/slides/slide34.xml><?xml version="1.0" encoding="utf-8"?>
 <p:sld xmlns:a="http://schemas.openxmlformats.org/drawingml/2006/main" xmlns:r="http://schemas.openxmlformats.org/officeDocument/2006/relationships" xmlns:p="http://schemas.openxmlformats.org/presentationml/2006/main">
   <p:cSld>
     <p:spTree>
@@ -9795,14 +10325,14 @@
             </a:ln>
             <a:effectLst/>
             <a:extLst>
-              <a:ext uri="{909E8E84-426E-40DD-AFC4-6F175D3DCCD1}">
+              <a:ext uri="{909E8E84-426E-40dd-AFC4-6F175D3DCCD1}">
                 <a14:hiddenFill xmlns:a14="http://schemas.microsoft.com/office/drawing/2010/main">
                   <a:solidFill>
                     <a:schemeClr val="accent1"/>
                   </a:solidFill>
                 </a14:hiddenFill>
               </a:ext>
-              <a:ext uri="{AF507438-7753-43E0-B8FC-AC1667EBCBE1}">
+              <a:ext uri="{AF507438-7753-43e0-B8FC-AC1667EBCBE1}">
                 <a14:hiddenEffects xmlns:a14="http://schemas.microsoft.com/office/drawing/2010/main">
                   <a:effectLst>
                     <a:outerShdw dist="35921" dir="2700000" algn="ctr" rotWithShape="0">
@@ -10049,14 +10579,14 @@
   <p:timing>
     <p:tnLst>
       <p:par>
-        <p:cTn id="1" dur="indefinite" restart="never" nodeType="tmRoot"/>
+        <p:cTn xmlns:p14="http://schemas.microsoft.com/office/powerpoint/2010/main" id="1" dur="indefinite" restart="never" nodeType="tmRoot"/>
       </p:par>
     </p:tnLst>
   </p:timing>
 </p:sld>
 </file>
 
-<file path=ppt/slides/slide34.xml><?xml version="1.0" encoding="utf-8"?>
+<file path=ppt/slides/slide35.xml><?xml version="1.0" encoding="utf-8"?>
 <p:sld xmlns:a="http://schemas.openxmlformats.org/drawingml/2006/main" xmlns:r="http://schemas.openxmlformats.org/officeDocument/2006/relationships" xmlns:p="http://schemas.openxmlformats.org/presentationml/2006/main">
   <p:cSld>
     <p:spTree>
@@ -10125,14 +10655,14 @@
             </a:ln>
             <a:effectLst/>
             <a:extLst>
-              <a:ext uri="{909E8E84-426E-40DD-AFC4-6F175D3DCCD1}">
+              <a:ext uri="{909E8E84-426E-40dd-AFC4-6F175D3DCCD1}">
                 <a14:hiddenFill xmlns:a14="http://schemas.microsoft.com/office/drawing/2010/main">
                   <a:solidFill>
                     <a:schemeClr val="accent1"/>
                   </a:solidFill>
                 </a14:hiddenFill>
               </a:ext>
-              <a:ext uri="{AF507438-7753-43E0-B8FC-AC1667EBCBE1}">
+              <a:ext uri="{AF507438-7753-43e0-B8FC-AC1667EBCBE1}">
                 <a14:hiddenEffects xmlns:a14="http://schemas.microsoft.com/office/drawing/2010/main">
                   <a:effectLst>
                     <a:outerShdw dist="35921" dir="2700000" algn="ctr" rotWithShape="0">
@@ -10617,14 +11147,14 @@
   <p:timing>
     <p:tnLst>
       <p:par>
-        <p:cTn id="1" dur="indefinite" restart="never" nodeType="tmRoot"/>
+        <p:cTn xmlns:p14="http://schemas.microsoft.com/office/powerpoint/2010/main" id="1" dur="indefinite" restart="never" nodeType="tmRoot"/>
       </p:par>
     </p:tnLst>
   </p:timing>
 </p:sld>
 </file>
 
-<file path=ppt/slides/slide35.xml><?xml version="1.0" encoding="utf-8"?>
+<file path=ppt/slides/slide36.xml><?xml version="1.0" encoding="utf-8"?>
 <p:sld xmlns:a="http://schemas.openxmlformats.org/drawingml/2006/main" xmlns:r="http://schemas.openxmlformats.org/officeDocument/2006/relationships" xmlns:p="http://schemas.openxmlformats.org/presentationml/2006/main">
   <p:cSld>
     <p:spTree>
@@ -10779,14 +11309,14 @@
           </a:ln>
           <a:effectLst/>
           <a:extLst>
-            <a:ext uri="{909E8E84-426E-40DD-AFC4-6F175D3DCCD1}">
+            <a:ext uri="{909E8E84-426E-40dd-AFC4-6F175D3DCCD1}">
               <a14:hiddenFill xmlns:a14="http://schemas.microsoft.com/office/drawing/2010/main">
                 <a:solidFill>
                   <a:schemeClr val="accent1"/>
                 </a:solidFill>
               </a14:hiddenFill>
             </a:ext>
-            <a:ext uri="{AF507438-7753-43E0-B8FC-AC1667EBCBE1}">
+            <a:ext uri="{AF507438-7753-43e0-B8FC-AC1667EBCBE1}">
               <a14:hiddenEffects xmlns:a14="http://schemas.microsoft.com/office/drawing/2010/main">
                 <a:effectLst>
                   <a:outerShdw dist="35921" dir="2700000" algn="ctr" rotWithShape="0">
@@ -10938,14 +11468,14 @@
             </a:ln>
             <a:effectLst/>
             <a:extLst>
-              <a:ext uri="{909E8E84-426E-40DD-AFC4-6F175D3DCCD1}">
+              <a:ext uri="{909E8E84-426E-40dd-AFC4-6F175D3DCCD1}">
                 <a14:hiddenFill xmlns:a14="http://schemas.microsoft.com/office/drawing/2010/main">
                   <a:solidFill>
                     <a:schemeClr val="accent1"/>
                   </a:solidFill>
                 </a14:hiddenFill>
               </a:ext>
-              <a:ext uri="{AF507438-7753-43E0-B8FC-AC1667EBCBE1}">
+              <a:ext uri="{AF507438-7753-43e0-B8FC-AC1667EBCBE1}">
                 <a14:hiddenEffects xmlns:a14="http://schemas.microsoft.com/office/drawing/2010/main">
                   <a:effectLst>
                     <a:outerShdw dist="35921" dir="2700000" algn="ctr" rotWithShape="0">
@@ -11036,14 +11566,14 @@
             </a:ln>
             <a:effectLst/>
             <a:extLst>
-              <a:ext uri="{909E8E84-426E-40DD-AFC4-6F175D3DCCD1}">
+              <a:ext uri="{909E8E84-426E-40dd-AFC4-6F175D3DCCD1}">
                 <a14:hiddenFill xmlns:a14="http://schemas.microsoft.com/office/drawing/2010/main">
                   <a:solidFill>
                     <a:schemeClr val="accent1"/>
                   </a:solidFill>
                 </a14:hiddenFill>
               </a:ext>
-              <a:ext uri="{AF507438-7753-43E0-B8FC-AC1667EBCBE1}">
+              <a:ext uri="{AF507438-7753-43e0-B8FC-AC1667EBCBE1}">
                 <a14:hiddenEffects xmlns:a14="http://schemas.microsoft.com/office/drawing/2010/main">
                   <a:effectLst>
                     <a:outerShdw dist="35921" dir="2700000" algn="ctr" rotWithShape="0">
@@ -11095,14 +11625,14 @@
             </a:ln>
             <a:effectLst/>
             <a:extLst>
-              <a:ext uri="{909E8E84-426E-40DD-AFC4-6F175D3DCCD1}">
+              <a:ext uri="{909E8E84-426E-40dd-AFC4-6F175D3DCCD1}">
                 <a14:hiddenFill xmlns:a14="http://schemas.microsoft.com/office/drawing/2010/main">
                   <a:solidFill>
                     <a:schemeClr val="accent1"/>
                   </a:solidFill>
                 </a14:hiddenFill>
               </a:ext>
-              <a:ext uri="{AF507438-7753-43E0-B8FC-AC1667EBCBE1}">
+              <a:ext uri="{AF507438-7753-43e0-B8FC-AC1667EBCBE1}">
                 <a14:hiddenEffects xmlns:a14="http://schemas.microsoft.com/office/drawing/2010/main">
                   <a:effectLst>
                     <a:outerShdw dist="35921" dir="2700000" algn="ctr" rotWithShape="0">
@@ -11209,14 +11739,14 @@
   <p:timing>
     <p:tnLst>
       <p:par>
-        <p:cTn id="1" dur="indefinite" restart="never" nodeType="tmRoot"/>
+        <p:cTn xmlns:p14="http://schemas.microsoft.com/office/powerpoint/2010/main" id="1" dur="indefinite" restart="never" nodeType="tmRoot"/>
       </p:par>
     </p:tnLst>
   </p:timing>
 </p:sld>
 </file>
 
-<file path=ppt/slides/slide36.xml><?xml version="1.0" encoding="utf-8"?>
+<file path=ppt/slides/slide37.xml><?xml version="1.0" encoding="utf-8"?>
 <p:sld xmlns:a="http://schemas.openxmlformats.org/drawingml/2006/main" xmlns:r="http://schemas.openxmlformats.org/officeDocument/2006/relationships" xmlns:p="http://schemas.openxmlformats.org/presentationml/2006/main">
   <p:cSld>
     <p:spTree>
@@ -11329,14 +11859,14 @@
           </a:ln>
           <a:effectLst/>
           <a:extLst>
-            <a:ext uri="{909E8E84-426E-40DD-AFC4-6F175D3DCCD1}">
+            <a:ext uri="{909E8E84-426E-40dd-AFC4-6F175D3DCCD1}">
               <a14:hiddenFill xmlns:a14="http://schemas.microsoft.com/office/drawing/2010/main">
                 <a:solidFill>
                   <a:schemeClr val="accent1"/>
                 </a:solidFill>
               </a14:hiddenFill>
             </a:ext>
-            <a:ext uri="{AF507438-7753-43E0-B8FC-AC1667EBCBE1}">
+            <a:ext uri="{AF507438-7753-43e0-B8FC-AC1667EBCBE1}">
               <a14:hiddenEffects xmlns:a14="http://schemas.microsoft.com/office/drawing/2010/main">
                 <a:effectLst>
                   <a:outerShdw dist="35921" dir="2700000" algn="ctr" rotWithShape="0">
@@ -11615,14 +12145,14 @@
   <p:timing>
     <p:tnLst>
       <p:par>
-        <p:cTn id="1" dur="indefinite" restart="never" nodeType="tmRoot"/>
+        <p:cTn xmlns:p14="http://schemas.microsoft.com/office/powerpoint/2010/main" id="1" dur="indefinite" restart="never" nodeType="tmRoot"/>
       </p:par>
     </p:tnLst>
   </p:timing>
 </p:sld>
 </file>
 
-<file path=ppt/slides/slide37.xml><?xml version="1.0" encoding="utf-8"?>
+<file path=ppt/slides/slide38.xml><?xml version="1.0" encoding="utf-8"?>
 <p:sld xmlns:a="http://schemas.openxmlformats.org/drawingml/2006/main" xmlns:r="http://schemas.openxmlformats.org/officeDocument/2006/relationships" xmlns:p="http://schemas.openxmlformats.org/presentationml/2006/main">
   <p:cSld>
     <p:spTree>
@@ -11702,14 +12232,14 @@
           </a:ln>
           <a:effectLst/>
           <a:extLst>
-            <a:ext uri="{909E8E84-426E-40DD-AFC4-6F175D3DCCD1}">
+            <a:ext uri="{909E8E84-426E-40dd-AFC4-6F175D3DCCD1}">
               <a14:hiddenFill xmlns:a14="http://schemas.microsoft.com/office/drawing/2010/main">
                 <a:solidFill>
                   <a:schemeClr val="accent1"/>
                 </a:solidFill>
               </a14:hiddenFill>
             </a:ext>
-            <a:ext uri="{AF507438-7753-43E0-B8FC-AC1667EBCBE1}">
+            <a:ext uri="{AF507438-7753-43e0-B8FC-AC1667EBCBE1}">
               <a14:hiddenEffects xmlns:a14="http://schemas.microsoft.com/office/drawing/2010/main">
                 <a:effectLst>
                   <a:outerShdw dist="35921" dir="2700000" algn="ctr" rotWithShape="0">
@@ -11761,14 +12291,14 @@
           </a:ln>
           <a:effectLst/>
           <a:extLst>
-            <a:ext uri="{909E8E84-426E-40DD-AFC4-6F175D3DCCD1}">
+            <a:ext uri="{909E8E84-426E-40dd-AFC4-6F175D3DCCD1}">
               <a14:hiddenFill xmlns:a14="http://schemas.microsoft.com/office/drawing/2010/main">
                 <a:solidFill>
                   <a:schemeClr val="accent1"/>
                 </a:solidFill>
               </a14:hiddenFill>
             </a:ext>
-            <a:ext uri="{AF507438-7753-43E0-B8FC-AC1667EBCBE1}">
+            <a:ext uri="{AF507438-7753-43e0-B8FC-AC1667EBCBE1}">
               <a14:hiddenEffects xmlns:a14="http://schemas.microsoft.com/office/drawing/2010/main">
                 <a:effectLst>
                   <a:outerShdw dist="35921" dir="2700000" algn="ctr" rotWithShape="0">
@@ -11898,14 +12428,14 @@
           </a:ln>
           <a:effectLst/>
           <a:extLst>
-            <a:ext uri="{909E8E84-426E-40DD-AFC4-6F175D3DCCD1}">
+            <a:ext uri="{909E8E84-426E-40dd-AFC4-6F175D3DCCD1}">
               <a14:hiddenFill xmlns:a14="http://schemas.microsoft.com/office/drawing/2010/main">
                 <a:solidFill>
                   <a:schemeClr val="accent1"/>
                 </a:solidFill>
               </a14:hiddenFill>
             </a:ext>
-            <a:ext uri="{AF507438-7753-43E0-B8FC-AC1667EBCBE1}">
+            <a:ext uri="{AF507438-7753-43e0-B8FC-AC1667EBCBE1}">
               <a14:hiddenEffects xmlns:a14="http://schemas.microsoft.com/office/drawing/2010/main">
                 <a:effectLst>
                   <a:outerShdw dist="35921" dir="2700000" algn="ctr" rotWithShape="0">
@@ -12130,14 +12660,14 @@
           </a:ln>
           <a:effectLst/>
           <a:extLst>
-            <a:ext uri="{909E8E84-426E-40DD-AFC4-6F175D3DCCD1}">
+            <a:ext uri="{909E8E84-426E-40dd-AFC4-6F175D3DCCD1}">
               <a14:hiddenFill xmlns:a14="http://schemas.microsoft.com/office/drawing/2010/main">
                 <a:solidFill>
                   <a:schemeClr val="accent1"/>
                 </a:solidFill>
               </a14:hiddenFill>
             </a:ext>
-            <a:ext uri="{AF507438-7753-43E0-B8FC-AC1667EBCBE1}">
+            <a:ext uri="{AF507438-7753-43e0-B8FC-AC1667EBCBE1}">
               <a14:hiddenEffects xmlns:a14="http://schemas.microsoft.com/office/drawing/2010/main">
                 <a:effectLst>
                   <a:outerShdw dist="35921" dir="2700000" algn="ctr" rotWithShape="0">
@@ -12162,14 +12692,14 @@
   <p:timing>
     <p:tnLst>
       <p:par>
-        <p:cTn id="1" dur="indefinite" restart="never" nodeType="tmRoot"/>
+        <p:cTn xmlns:p14="http://schemas.microsoft.com/office/powerpoint/2010/main" id="1" dur="indefinite" restart="never" nodeType="tmRoot"/>
       </p:par>
     </p:tnLst>
   </p:timing>
 </p:sld>
 </file>
 
-<file path=ppt/slides/slide38.xml><?xml version="1.0" encoding="utf-8"?>
+<file path=ppt/slides/slide39.xml><?xml version="1.0" encoding="utf-8"?>
 <p:sld xmlns:a="http://schemas.openxmlformats.org/drawingml/2006/main" xmlns:r="http://schemas.openxmlformats.org/officeDocument/2006/relationships" xmlns:p="http://schemas.openxmlformats.org/presentationml/2006/main">
   <p:cSld>
     <p:spTree>
@@ -12337,134 +12867,7 @@
   <p:timing>
     <p:tnLst>
       <p:par>
-        <p:cTn id="1" dur="indefinite" restart="never" nodeType="tmRoot"/>
-      </p:par>
-    </p:tnLst>
-  </p:timing>
-</p:sld>
-</file>
-
-<file path=ppt/slides/slide39.xml><?xml version="1.0" encoding="utf-8"?>
-<p:sld xmlns:a="http://schemas.openxmlformats.org/drawingml/2006/main" xmlns:r="http://schemas.openxmlformats.org/officeDocument/2006/relationships" xmlns:p="http://schemas.openxmlformats.org/presentationml/2006/main">
-  <p:cSld>
-    <p:spTree>
-      <p:nvGrpSpPr>
-        <p:cNvPr id="1" name=""/>
-        <p:cNvGrpSpPr/>
-        <p:nvPr/>
-      </p:nvGrpSpPr>
-      <p:grpSpPr>
-        <a:xfrm>
-          <a:off x="0" y="0"/>
-          <a:ext cx="0" cy="0"/>
-          <a:chOff x="0" y="0"/>
-          <a:chExt cx="0" cy="0"/>
-        </a:xfrm>
-      </p:grpSpPr>
-      <p:sp>
-        <p:nvSpPr>
-          <p:cNvPr id="2" name="Titre 1"/>
-          <p:cNvSpPr>
-            <a:spLocks noGrp="1"/>
-          </p:cNvSpPr>
-          <p:nvPr>
-            <p:ph type="title"/>
-          </p:nvPr>
-        </p:nvSpPr>
-        <p:spPr/>
-        <p:txBody>
-          <a:bodyPr/>
-          <a:lstStyle/>
-          <a:p>
-            <a:r>
-              <a:rPr lang="fr-FR" dirty="0" smtClean="0"/>
-              <a:t>APT Adoption</a:t>
-            </a:r>
-            <a:endParaRPr lang="fr-FR" dirty="0"/>
-          </a:p>
-        </p:txBody>
-      </p:sp>
-      <p:sp>
-        <p:nvSpPr>
-          <p:cNvPr id="3" name="Espace réservé du contenu 2"/>
-          <p:cNvSpPr>
-            <a:spLocks noGrp="1"/>
-          </p:cNvSpPr>
-          <p:nvPr>
-            <p:ph idx="1"/>
-          </p:nvPr>
-        </p:nvSpPr>
-        <p:spPr/>
-        <p:txBody>
-          <a:bodyPr/>
-          <a:lstStyle/>
-          <a:p>
-            <a:pPr marL="0" indent="0">
-              <a:buNone/>
-            </a:pPr>
-            <a:r>
-              <a:rPr lang="en-US" dirty="0"/>
-              <a:t>“As the lead engineer on JSR 269 in JDK 6, I'd be heartened to see greater adoption and use of annotation processing by Java developers.” </a:t>
-            </a:r>
-            <a:endParaRPr lang="en-US" dirty="0" smtClean="0"/>
-          </a:p>
-          <a:p>
-            <a:pPr marL="0" indent="0">
-              <a:buNone/>
-            </a:pPr>
-            <a:r>
-              <a:rPr lang="en-US" dirty="0"/>
-              <a:t>	</a:t>
-            </a:r>
-            <a:r>
-              <a:rPr lang="pl-PL" dirty="0" smtClean="0"/>
-              <a:t>Joseph </a:t>
-            </a:r>
-            <a:r>
-              <a:rPr lang="pl-PL" dirty="0"/>
-              <a:t>D. </a:t>
-            </a:r>
-            <a:r>
-              <a:rPr lang="pl-PL" dirty="0" err="1"/>
-              <a:t>Darcy</a:t>
-            </a:r>
-            <a:r>
-              <a:rPr lang="pl-PL" dirty="0"/>
-              <a:t> </a:t>
-            </a:r>
-            <a:r>
-              <a:rPr lang="en-US" dirty="0"/>
-              <a:t>(Oracle</a:t>
-            </a:r>
-            <a:r>
-              <a:rPr lang="en-US" dirty="0" smtClean="0"/>
-              <a:t>)</a:t>
-            </a:r>
-            <a:endParaRPr lang="fr-FR" dirty="0"/>
-          </a:p>
-          <a:p>
-            <a:pPr lvl="1"/>
-            <a:endParaRPr lang="en-US" dirty="0"/>
-          </a:p>
-          <a:p>
-            <a:endParaRPr lang="fr-FR" dirty="0"/>
-          </a:p>
-        </p:txBody>
-      </p:sp>
-    </p:spTree>
-    <p:extLst>
-      <p:ext uri="{BB962C8B-B14F-4D97-AF65-F5344CB8AC3E}">
-        <p14:creationId xmlns:p14="http://schemas.microsoft.com/office/powerpoint/2010/main" val="1095163259"/>
-      </p:ext>
-    </p:extLst>
-  </p:cSld>
-  <p:clrMapOvr>
-    <a:masterClrMapping/>
-  </p:clrMapOvr>
-  <p:timing>
-    <p:tnLst>
-      <p:par>
-        <p:cTn id="1" dur="indefinite" restart="never" nodeType="tmRoot"/>
+        <p:cTn xmlns:p14="http://schemas.microsoft.com/office/powerpoint/2010/main" id="1" dur="indefinite" restart="never" nodeType="tmRoot"/>
       </p:par>
     </p:tnLst>
   </p:timing>
@@ -12879,7 +13282,7 @@
   <p:timing>
     <p:tnLst>
       <p:par>
-        <p:cTn id="1" dur="indefinite" restart="never" nodeType="tmRoot"/>
+        <p:cTn xmlns:p14="http://schemas.microsoft.com/office/powerpoint/2010/main" id="1" dur="indefinite" restart="never" nodeType="tmRoot"/>
       </p:par>
     </p:tnLst>
   </p:timing>
@@ -12920,7 +13323,7 @@
           <a:p>
             <a:r>
               <a:rPr lang="fr-FR" dirty="0" smtClean="0"/>
-              <a:t>APT JDK 8</a:t>
+              <a:t>APT Adoption</a:t>
             </a:r>
             <a:endParaRPr lang="fr-FR" dirty="0"/>
           </a:p>
@@ -12936,92 +13339,59 @@
             <p:ph idx="1"/>
           </p:nvPr>
         </p:nvSpPr>
-        <p:spPr>
-          <a:xfrm>
-            <a:off x="457200" y="1219200"/>
-            <a:ext cx="8229600" cy="4876800"/>
-          </a:xfrm>
-        </p:spPr>
-        <p:txBody>
-          <a:bodyPr>
-            <a:normAutofit lnSpcReduction="10000"/>
-          </a:bodyPr>
+        <p:spPr/>
+        <p:txBody>
+          <a:bodyPr/>
           <a:lstStyle/>
           <a:p>
-            <a:r>
-              <a:rPr lang="fr-FR" dirty="0"/>
-              <a:t>possibilité d’ajouter une annotation sur les types d’objets (JSR </a:t>
-            </a:r>
-            <a:r>
-              <a:rPr lang="fr-FR" dirty="0" smtClean="0"/>
-              <a:t>308)</a:t>
-            </a:r>
-          </a:p>
-          <a:p>
-            <a:r>
-              <a:rPr lang="fr-FR" dirty="0" smtClean="0"/>
-              <a:t>possibilité </a:t>
-            </a:r>
-            <a:r>
-              <a:rPr lang="fr-FR" dirty="0"/>
-              <a:t>de répéter une annotation sur une déclaration (JEP </a:t>
-            </a:r>
-            <a:r>
-              <a:rPr lang="fr-FR" dirty="0" smtClean="0"/>
-              <a:t>120)</a:t>
-            </a:r>
-          </a:p>
-          <a:p>
-            <a:r>
-              <a:rPr lang="fr-FR" dirty="0" smtClean="0"/>
-              <a:t>portage </a:t>
-            </a:r>
-            <a:r>
-              <a:rPr lang="fr-FR" dirty="0"/>
-              <a:t>de l’API “</a:t>
-            </a:r>
-            <a:r>
-              <a:rPr lang="fr-FR" dirty="0" err="1"/>
-              <a:t>javax.lang.model</a:t>
-            </a:r>
-            <a:r>
-              <a:rPr lang="fr-FR" dirty="0"/>
-              <a:t>” au </a:t>
-            </a:r>
-            <a:r>
-              <a:rPr lang="fr-FR" dirty="0" err="1"/>
-              <a:t>runtime</a:t>
-            </a:r>
-            <a:r>
-              <a:rPr lang="fr-FR" dirty="0"/>
-              <a:t> pour qu’elle ne soit pas disponible uniquement à la compilation (JEP </a:t>
-            </a:r>
-            <a:r>
-              <a:rPr lang="fr-FR" dirty="0" smtClean="0"/>
-              <a:t>119)</a:t>
-            </a:r>
-          </a:p>
-          <a:p>
-            <a:r>
-              <a:rPr lang="fi-FI" dirty="0" err="1" smtClean="0"/>
-              <a:t>Voir</a:t>
-            </a:r>
-            <a:r>
-              <a:rPr lang="fi-FI" dirty="0" smtClean="0"/>
-              <a:t> les </a:t>
-            </a:r>
-            <a:r>
-              <a:rPr lang="fi-FI" dirty="0" err="1" smtClean="0"/>
-              <a:t>notes</a:t>
-            </a:r>
-            <a:r>
-              <a:rPr lang="fi-FI" dirty="0" smtClean="0"/>
-              <a:t> : http</a:t>
-            </a:r>
-            <a:r>
-              <a:rPr lang="fi-FI" dirty="0"/>
-              <a:t>://blog.soat.fr/2012/11/devoxx-2012-jsr-308-annotations-on-java-types/</a:t>
-            </a:r>
+            <a:pPr marL="0" indent="0">
+              <a:buNone/>
+            </a:pPr>
+            <a:r>
+              <a:rPr lang="en-US" dirty="0"/>
+              <a:t>“As the lead engineer on JSR 269 in JDK 6, I'd be heartened to see greater adoption and use of annotation processing by Java developers.” </a:t>
+            </a:r>
+            <a:endParaRPr lang="en-US" dirty="0" smtClean="0"/>
+          </a:p>
+          <a:p>
+            <a:pPr marL="0" indent="0">
+              <a:buNone/>
+            </a:pPr>
+            <a:r>
+              <a:rPr lang="en-US" dirty="0"/>
+              <a:t>	</a:t>
+            </a:r>
+            <a:r>
+              <a:rPr lang="pl-PL" dirty="0" smtClean="0"/>
+              <a:t>Joseph </a:t>
+            </a:r>
+            <a:r>
+              <a:rPr lang="pl-PL" dirty="0"/>
+              <a:t>D. </a:t>
+            </a:r>
+            <a:r>
+              <a:rPr lang="pl-PL" dirty="0" err="1"/>
+              <a:t>Darcy</a:t>
+            </a:r>
+            <a:r>
+              <a:rPr lang="pl-PL" dirty="0"/>
+              <a:t> </a:t>
+            </a:r>
+            <a:r>
+              <a:rPr lang="en-US" dirty="0"/>
+              <a:t>(Oracle</a:t>
+            </a:r>
+            <a:r>
+              <a:rPr lang="en-US" dirty="0" smtClean="0"/>
+              <a:t>)</a:t>
+            </a:r>
+            <a:endParaRPr lang="fr-FR" dirty="0"/>
+          </a:p>
+          <a:p>
+            <a:pPr lvl="1"/>
+            <a:endParaRPr lang="en-US" dirty="0"/>
+          </a:p>
+          <a:p>
             <a:endParaRPr lang="fr-FR" dirty="0"/>
           </a:p>
         </p:txBody>
@@ -13029,7 +13399,7 @@
     </p:spTree>
     <p:extLst>
       <p:ext uri="{BB962C8B-B14F-4D97-AF65-F5344CB8AC3E}">
-        <p14:creationId xmlns:p14="http://schemas.microsoft.com/office/powerpoint/2010/main" val="746055321"/>
+        <p14:creationId xmlns:p14="http://schemas.microsoft.com/office/powerpoint/2010/main" val="1095163259"/>
       </p:ext>
     </p:extLst>
   </p:cSld>
@@ -13039,7 +13409,7 @@
   <p:timing>
     <p:tnLst>
       <p:par>
-        <p:cTn id="1" dur="indefinite" restart="never" nodeType="tmRoot"/>
+        <p:cTn xmlns:p14="http://schemas.microsoft.com/office/powerpoint/2010/main" id="1" dur="indefinite" restart="never" nodeType="tmRoot"/>
       </p:par>
     </p:tnLst>
   </p:timing>
@@ -13073,52 +13443,14 @@
             <p:ph type="title"/>
           </p:nvPr>
         </p:nvSpPr>
-        <p:spPr>
-          <a:xfrm>
-            <a:off x="457200" y="12815"/>
-            <a:ext cx="8229600" cy="1143000"/>
-          </a:xfrm>
-        </p:spPr>
-        <p:txBody>
-          <a:bodyPr>
-            <a:normAutofit fontScale="90000"/>
-          </a:bodyPr>
+        <p:spPr/>
+        <p:txBody>
+          <a:bodyPr/>
           <a:lstStyle/>
           <a:p>
             <a:r>
-              <a:rPr lang="fr-FR" dirty="0" err="1" smtClean="0"/>
-              <a:t>JavaOne</a:t>
-            </a:r>
-            <a:r>
               <a:rPr lang="fr-FR" dirty="0" smtClean="0"/>
-              <a:t> 2012</a:t>
-            </a:r>
-            <a:br>
-              <a:rPr lang="fr-FR" dirty="0" smtClean="0"/>
-            </a:br>
-            <a:r>
-              <a:rPr lang="fr-FR" dirty="0" smtClean="0"/>
-              <a:t>APT </a:t>
-            </a:r>
-            <a:r>
-              <a:rPr lang="fr-FR" dirty="0" err="1" smtClean="0"/>
-              <a:t>virtual</a:t>
-            </a:r>
-            <a:r>
-              <a:rPr lang="fr-FR" dirty="0" smtClean="0"/>
-              <a:t> mini-</a:t>
-            </a:r>
-            <a:r>
-              <a:rPr lang="fr-FR" dirty="0" err="1"/>
-              <a:t>t</a:t>
-            </a:r>
-            <a:r>
-              <a:rPr lang="fr-FR" dirty="0" err="1" smtClean="0"/>
-              <a:t>rack</a:t>
-            </a:r>
-            <a:r>
-              <a:rPr lang="fr-FR" dirty="0" smtClean="0"/>
-              <a:t> </a:t>
+              <a:t>APT JDK 8</a:t>
             </a:r>
             <a:endParaRPr lang="fr-FR" dirty="0"/>
           </a:p>
@@ -13136,206 +13468,98 @@
         </p:nvSpPr>
         <p:spPr>
           <a:xfrm>
-            <a:off x="457200" y="1219201"/>
-            <a:ext cx="8001000" cy="3962400"/>
+            <a:off x="457200" y="1219200"/>
+            <a:ext cx="8229600" cy="4876800"/>
           </a:xfrm>
         </p:spPr>
         <p:txBody>
           <a:bodyPr>
-            <a:normAutofit fontScale="62500" lnSpcReduction="20000"/>
+            <a:normAutofit lnSpcReduction="10000"/>
           </a:bodyPr>
           <a:lstStyle/>
           <a:p>
             <a:r>
-              <a:rPr lang="en-US" dirty="0" smtClean="0"/>
-              <a:t>Sessions</a:t>
-            </a:r>
-            <a:endParaRPr lang="en-US" dirty="0"/>
-          </a:p>
-          <a:p>
-            <a:pPr lvl="1"/>
-            <a:r>
-              <a:rPr lang="en-US" b="1" dirty="0"/>
-              <a:t>Advanced Annotation Processing with JSR </a:t>
-            </a:r>
-            <a:r>
-              <a:rPr lang="en-US" b="1" dirty="0" smtClean="0"/>
-              <a:t>269</a:t>
-            </a:r>
-            <a:endParaRPr lang="en-US" dirty="0"/>
-          </a:p>
-          <a:p>
-            <a:pPr lvl="2"/>
-            <a:r>
-              <a:rPr lang="en-US" dirty="0" err="1" smtClean="0"/>
-              <a:t>Jaroslav</a:t>
-            </a:r>
-            <a:r>
-              <a:rPr lang="en-US" dirty="0" smtClean="0"/>
-              <a:t> </a:t>
-            </a:r>
-            <a:r>
-              <a:rPr lang="en-US" dirty="0" err="1"/>
-              <a:t>Tulach</a:t>
-            </a:r>
-            <a:endParaRPr lang="en-US" dirty="0"/>
-          </a:p>
-          <a:p>
-            <a:pPr lvl="1"/>
-            <a:r>
-              <a:rPr lang="en-US" b="1" dirty="0"/>
-              <a:t>Build Your Own Type System for Fun and </a:t>
-            </a:r>
-            <a:r>
-              <a:rPr lang="en-US" b="1" dirty="0" smtClean="0"/>
-              <a:t>Profit</a:t>
-            </a:r>
-            <a:endParaRPr lang="en-US" dirty="0"/>
-          </a:p>
-          <a:p>
-            <a:pPr lvl="2"/>
-            <a:r>
-              <a:rPr lang="en-US" dirty="0" smtClean="0"/>
-              <a:t>Werner </a:t>
-            </a:r>
-            <a:r>
-              <a:rPr lang="en-US" dirty="0" err="1"/>
-              <a:t>Dietl</a:t>
-            </a:r>
-            <a:r>
-              <a:rPr lang="en-US" dirty="0"/>
-              <a:t> and Michael Ernst</a:t>
-            </a:r>
-          </a:p>
-          <a:p>
-            <a:pPr lvl="1"/>
-            <a:r>
-              <a:rPr lang="en-US" b="1" dirty="0" smtClean="0"/>
-              <a:t>Annotations </a:t>
-            </a:r>
-            <a:r>
-              <a:rPr lang="en-US" b="1" dirty="0"/>
-              <a:t>and Annotation Processing: What’s New in JDK 8</a:t>
-            </a:r>
-            <a:r>
-              <a:rPr lang="en-US" b="1" dirty="0" smtClean="0"/>
-              <a:t>?</a:t>
-            </a:r>
-          </a:p>
-          <a:p>
-            <a:pPr lvl="2"/>
-            <a:r>
-              <a:rPr lang="en-US" dirty="0" smtClean="0"/>
-              <a:t>Joel </a:t>
-            </a:r>
-            <a:r>
-              <a:rPr lang="en-US" dirty="0" err="1"/>
-              <a:t>Borggrén</a:t>
-            </a:r>
-            <a:r>
-              <a:rPr lang="en-US" dirty="0"/>
-              <a:t>-Franck</a:t>
-            </a:r>
-          </a:p>
-          <a:p>
-            <a:pPr lvl="1"/>
-            <a:r>
-              <a:rPr lang="en-US" b="1" dirty="0" smtClean="0"/>
-              <a:t>Hack into Your Compiler!</a:t>
-            </a:r>
-            <a:endParaRPr lang="en-US" dirty="0"/>
-          </a:p>
-          <a:p>
-            <a:pPr lvl="2"/>
-            <a:r>
-              <a:rPr lang="en-US" dirty="0" err="1" smtClean="0"/>
-              <a:t>Jaroslav</a:t>
-            </a:r>
-            <a:r>
-              <a:rPr lang="en-US" dirty="0" smtClean="0"/>
-              <a:t> </a:t>
-            </a:r>
-            <a:r>
-              <a:rPr lang="en-US" dirty="0" err="1"/>
-              <a:t>Tulach</a:t>
-            </a:r>
-            <a:endParaRPr lang="en-US" dirty="0"/>
-          </a:p>
-          <a:p>
-            <a:pPr lvl="1"/>
-            <a:r>
-              <a:rPr lang="en-US" b="1" dirty="0"/>
-              <a:t>Writing Annotation Processors to Aid Your Development </a:t>
-            </a:r>
-            <a:r>
-              <a:rPr lang="en-US" b="1" dirty="0" smtClean="0"/>
-              <a:t>Process</a:t>
-            </a:r>
-            <a:endParaRPr lang="en-US" b="1" dirty="0"/>
-          </a:p>
-          <a:p>
-            <a:pPr lvl="2"/>
-            <a:r>
-              <a:rPr lang="en-US" dirty="0" smtClean="0"/>
-              <a:t>Ian Robertson</a:t>
-            </a:r>
-          </a:p>
-          <a:p>
-            <a:pPr lvl="2"/>
-            <a:endParaRPr lang="en-US" dirty="0"/>
-          </a:p>
-          <a:p>
+              <a:rPr lang="fr-FR" dirty="0"/>
+              <a:t>possibilité d’ajouter une annotation sur les types d’objets (JSR </a:t>
+            </a:r>
+            <a:r>
+              <a:rPr lang="fr-FR" dirty="0" smtClean="0"/>
+              <a:t>308)</a:t>
+            </a:r>
+          </a:p>
+          <a:p>
+            <a:r>
+              <a:rPr lang="fr-FR" dirty="0" smtClean="0"/>
+              <a:t>possibilité </a:t>
+            </a:r>
+            <a:r>
+              <a:rPr lang="fr-FR" dirty="0"/>
+              <a:t>de répéter une annotation sur une déclaration (JEP </a:t>
+            </a:r>
+            <a:r>
+              <a:rPr lang="fr-FR" dirty="0" smtClean="0"/>
+              <a:t>120)</a:t>
+            </a:r>
+          </a:p>
+          <a:p>
+            <a:r>
+              <a:rPr lang="fr-FR" dirty="0" smtClean="0"/>
+              <a:t>portage </a:t>
+            </a:r>
+            <a:r>
+              <a:rPr lang="fr-FR" dirty="0"/>
+              <a:t>de l’API “</a:t>
+            </a:r>
             <a:r>
               <a:rPr lang="fr-FR" dirty="0" err="1"/>
-              <a:t>Thanks</a:t>
+              <a:t>javax.lang.model</a:t>
             </a:r>
             <a:r>
               <a:rPr lang="fr-FR" dirty="0"/>
-              <a:t> to </a:t>
-            </a:r>
-          </a:p>
-          <a:p>
-            <a:pPr lvl="1"/>
-            <a:r>
-              <a:rPr lang="pl-PL" dirty="0"/>
-              <a:t>Joseph D. </a:t>
-            </a:r>
-            <a:r>
-              <a:rPr lang="pl-PL" dirty="0" err="1"/>
-              <a:t>Darcy</a:t>
-            </a:r>
-            <a:r>
-              <a:rPr lang="pl-PL" dirty="0"/>
-              <a:t> (APT spec </a:t>
-            </a:r>
-            <a:r>
-              <a:rPr lang="pl-PL" dirty="0" err="1"/>
-              <a:t>lead</a:t>
-            </a:r>
-            <a:r>
-              <a:rPr lang="en-US" dirty="0" smtClean="0"/>
-              <a:t>) - </a:t>
-            </a:r>
-            <a:r>
-              <a:rPr lang="pl-PL" sz="2000" dirty="0">
-                <a:hlinkClick r:id="rId2"/>
-              </a:rPr>
-              <a:t>https://blogs.oracle.com/darcy/</a:t>
-            </a:r>
-            <a:endParaRPr lang="en-US" dirty="0"/>
-          </a:p>
-          <a:p>
-            <a:pPr marL="914400" lvl="2" indent="0">
-              <a:buNone/>
-            </a:pPr>
-            <a:endParaRPr lang="fr-FR" dirty="0" smtClean="0"/>
+              <a:t>” au </a:t>
+            </a:r>
+            <a:r>
+              <a:rPr lang="fr-FR" dirty="0" err="1"/>
+              <a:t>runtime</a:t>
+            </a:r>
+            <a:r>
+              <a:rPr lang="fr-FR" dirty="0"/>
+              <a:t> pour qu’elle ne soit pas disponible uniquement à la compilation (JEP </a:t>
+            </a:r>
+            <a:r>
+              <a:rPr lang="fr-FR" dirty="0" smtClean="0"/>
+              <a:t>119)</a:t>
+            </a:r>
+          </a:p>
+          <a:p>
+            <a:r>
+              <a:rPr lang="fi-FI" dirty="0" err="1" smtClean="0"/>
+              <a:t>Voir</a:t>
+            </a:r>
+            <a:r>
+              <a:rPr lang="fi-FI" dirty="0" smtClean="0"/>
+              <a:t> les </a:t>
+            </a:r>
+            <a:r>
+              <a:rPr lang="fi-FI" dirty="0" err="1" smtClean="0"/>
+              <a:t>notes</a:t>
+            </a:r>
+            <a:r>
+              <a:rPr lang="fi-FI" dirty="0" smtClean="0"/>
+              <a:t> : http</a:t>
+            </a:r>
+            <a:r>
+              <a:rPr lang="fi-FI" dirty="0"/>
+              <a:t>://blog.soat.fr/2012/11/devoxx-2012-jsr-308-annotations-on-java-types/</a:t>
+            </a:r>
+            <a:endParaRPr lang="fr-FR" dirty="0"/>
           </a:p>
         </p:txBody>
       </p:sp>
     </p:spTree>
     <p:extLst>
       <p:ext uri="{BB962C8B-B14F-4D97-AF65-F5344CB8AC3E}">
-        <p14:creationId xmlns:p14="http://schemas.microsoft.com/office/powerpoint/2010/main" val="3669740791"/>
+        <p14:creationId xmlns:p14="http://schemas.microsoft.com/office/powerpoint/2010/main" val="746055321"/>
       </p:ext>
     </p:extLst>
   </p:cSld>
@@ -13345,7 +13569,7 @@
   <p:timing>
     <p:tnLst>
       <p:par>
-        <p:cTn id="1" dur="indefinite" restart="never" nodeType="tmRoot"/>
+        <p:cTn xmlns:p14="http://schemas.microsoft.com/office/powerpoint/2010/main" id="1" dur="indefinite" restart="never" nodeType="tmRoot"/>
       </p:par>
     </p:tnLst>
   </p:timing>
@@ -13371,6 +13595,312 @@
       </p:grpSpPr>
       <p:sp>
         <p:nvSpPr>
+          <p:cNvPr id="2" name="Titre 1"/>
+          <p:cNvSpPr>
+            <a:spLocks noGrp="1"/>
+          </p:cNvSpPr>
+          <p:nvPr>
+            <p:ph type="title"/>
+          </p:nvPr>
+        </p:nvSpPr>
+        <p:spPr>
+          <a:xfrm>
+            <a:off x="457200" y="12815"/>
+            <a:ext cx="8229600" cy="1143000"/>
+          </a:xfrm>
+        </p:spPr>
+        <p:txBody>
+          <a:bodyPr>
+            <a:normAutofit fontScale="90000"/>
+          </a:bodyPr>
+          <a:lstStyle/>
+          <a:p>
+            <a:r>
+              <a:rPr lang="fr-FR" dirty="0" err="1" smtClean="0"/>
+              <a:t>JavaOne</a:t>
+            </a:r>
+            <a:r>
+              <a:rPr lang="fr-FR" dirty="0" smtClean="0"/>
+              <a:t> 2012</a:t>
+            </a:r>
+            <a:br>
+              <a:rPr lang="fr-FR" dirty="0" smtClean="0"/>
+            </a:br>
+            <a:r>
+              <a:rPr lang="fr-FR" dirty="0" smtClean="0"/>
+              <a:t>APT </a:t>
+            </a:r>
+            <a:r>
+              <a:rPr lang="fr-FR" dirty="0" err="1" smtClean="0"/>
+              <a:t>virtual</a:t>
+            </a:r>
+            <a:r>
+              <a:rPr lang="fr-FR" dirty="0" smtClean="0"/>
+              <a:t> mini-</a:t>
+            </a:r>
+            <a:r>
+              <a:rPr lang="fr-FR" dirty="0" err="1"/>
+              <a:t>t</a:t>
+            </a:r>
+            <a:r>
+              <a:rPr lang="fr-FR" dirty="0" err="1" smtClean="0"/>
+              <a:t>rack</a:t>
+            </a:r>
+            <a:r>
+              <a:rPr lang="fr-FR" dirty="0" smtClean="0"/>
+              <a:t> </a:t>
+            </a:r>
+            <a:endParaRPr lang="fr-FR" dirty="0"/>
+          </a:p>
+        </p:txBody>
+      </p:sp>
+      <p:sp>
+        <p:nvSpPr>
+          <p:cNvPr id="3" name="Espace réservé du contenu 2"/>
+          <p:cNvSpPr>
+            <a:spLocks noGrp="1"/>
+          </p:cNvSpPr>
+          <p:nvPr>
+            <p:ph idx="1"/>
+          </p:nvPr>
+        </p:nvSpPr>
+        <p:spPr>
+          <a:xfrm>
+            <a:off x="457200" y="1219201"/>
+            <a:ext cx="8001000" cy="3962400"/>
+          </a:xfrm>
+        </p:spPr>
+        <p:txBody>
+          <a:bodyPr>
+            <a:normAutofit fontScale="62500" lnSpcReduction="20000"/>
+          </a:bodyPr>
+          <a:lstStyle/>
+          <a:p>
+            <a:r>
+              <a:rPr lang="en-US" dirty="0" smtClean="0"/>
+              <a:t>Sessions</a:t>
+            </a:r>
+            <a:endParaRPr lang="en-US" dirty="0"/>
+          </a:p>
+          <a:p>
+            <a:pPr lvl="1"/>
+            <a:r>
+              <a:rPr lang="en-US" b="1" dirty="0"/>
+              <a:t>Advanced Annotation Processing with JSR </a:t>
+            </a:r>
+            <a:r>
+              <a:rPr lang="en-US" b="1" dirty="0" smtClean="0"/>
+              <a:t>269</a:t>
+            </a:r>
+            <a:endParaRPr lang="en-US" dirty="0"/>
+          </a:p>
+          <a:p>
+            <a:pPr lvl="2"/>
+            <a:r>
+              <a:rPr lang="en-US" dirty="0" err="1" smtClean="0"/>
+              <a:t>Jaroslav</a:t>
+            </a:r>
+            <a:r>
+              <a:rPr lang="en-US" dirty="0" smtClean="0"/>
+              <a:t> </a:t>
+            </a:r>
+            <a:r>
+              <a:rPr lang="en-US" dirty="0" err="1"/>
+              <a:t>Tulach</a:t>
+            </a:r>
+            <a:endParaRPr lang="en-US" dirty="0"/>
+          </a:p>
+          <a:p>
+            <a:pPr lvl="1"/>
+            <a:r>
+              <a:rPr lang="en-US" b="1" dirty="0"/>
+              <a:t>Build Your Own Type System for Fun and </a:t>
+            </a:r>
+            <a:r>
+              <a:rPr lang="en-US" b="1" dirty="0" smtClean="0"/>
+              <a:t>Profit</a:t>
+            </a:r>
+            <a:endParaRPr lang="en-US" dirty="0"/>
+          </a:p>
+          <a:p>
+            <a:pPr lvl="2"/>
+            <a:r>
+              <a:rPr lang="en-US" dirty="0" smtClean="0"/>
+              <a:t>Werner </a:t>
+            </a:r>
+            <a:r>
+              <a:rPr lang="en-US" dirty="0" err="1"/>
+              <a:t>Dietl</a:t>
+            </a:r>
+            <a:r>
+              <a:rPr lang="en-US" dirty="0"/>
+              <a:t> and Michael Ernst</a:t>
+            </a:r>
+          </a:p>
+          <a:p>
+            <a:pPr lvl="1"/>
+            <a:r>
+              <a:rPr lang="en-US" b="1" dirty="0" smtClean="0"/>
+              <a:t>Annotations </a:t>
+            </a:r>
+            <a:r>
+              <a:rPr lang="en-US" b="1" dirty="0"/>
+              <a:t>and Annotation Processing: What’s New in JDK 8</a:t>
+            </a:r>
+            <a:r>
+              <a:rPr lang="en-US" b="1" dirty="0" smtClean="0"/>
+              <a:t>?</a:t>
+            </a:r>
+          </a:p>
+          <a:p>
+            <a:pPr lvl="2"/>
+            <a:r>
+              <a:rPr lang="en-US" dirty="0" smtClean="0"/>
+              <a:t>Joel </a:t>
+            </a:r>
+            <a:r>
+              <a:rPr lang="en-US" dirty="0" err="1"/>
+              <a:t>Borggrén</a:t>
+            </a:r>
+            <a:r>
+              <a:rPr lang="en-US" dirty="0"/>
+              <a:t>-Franck</a:t>
+            </a:r>
+          </a:p>
+          <a:p>
+            <a:pPr lvl="1"/>
+            <a:r>
+              <a:rPr lang="en-US" b="1" dirty="0" smtClean="0"/>
+              <a:t>Hack into Your Compiler!</a:t>
+            </a:r>
+            <a:endParaRPr lang="en-US" dirty="0"/>
+          </a:p>
+          <a:p>
+            <a:pPr lvl="2"/>
+            <a:r>
+              <a:rPr lang="en-US" dirty="0" err="1" smtClean="0"/>
+              <a:t>Jaroslav</a:t>
+            </a:r>
+            <a:r>
+              <a:rPr lang="en-US" dirty="0" smtClean="0"/>
+              <a:t> </a:t>
+            </a:r>
+            <a:r>
+              <a:rPr lang="en-US" dirty="0" err="1"/>
+              <a:t>Tulach</a:t>
+            </a:r>
+            <a:endParaRPr lang="en-US" dirty="0"/>
+          </a:p>
+          <a:p>
+            <a:pPr lvl="1"/>
+            <a:r>
+              <a:rPr lang="en-US" b="1" dirty="0"/>
+              <a:t>Writing Annotation Processors to Aid Your Development </a:t>
+            </a:r>
+            <a:r>
+              <a:rPr lang="en-US" b="1" dirty="0" smtClean="0"/>
+              <a:t>Process</a:t>
+            </a:r>
+            <a:endParaRPr lang="en-US" b="1" dirty="0"/>
+          </a:p>
+          <a:p>
+            <a:pPr lvl="2"/>
+            <a:r>
+              <a:rPr lang="en-US" dirty="0" smtClean="0"/>
+              <a:t>Ian Robertson</a:t>
+            </a:r>
+          </a:p>
+          <a:p>
+            <a:pPr lvl="2"/>
+            <a:endParaRPr lang="en-US" dirty="0"/>
+          </a:p>
+          <a:p>
+            <a:r>
+              <a:rPr lang="fr-FR" dirty="0" err="1"/>
+              <a:t>Thanks</a:t>
+            </a:r>
+            <a:r>
+              <a:rPr lang="fr-FR" dirty="0"/>
+              <a:t> to </a:t>
+            </a:r>
+          </a:p>
+          <a:p>
+            <a:pPr lvl="1"/>
+            <a:r>
+              <a:rPr lang="pl-PL" dirty="0"/>
+              <a:t>Joseph D. </a:t>
+            </a:r>
+            <a:r>
+              <a:rPr lang="pl-PL" dirty="0" err="1"/>
+              <a:t>Darcy</a:t>
+            </a:r>
+            <a:r>
+              <a:rPr lang="pl-PL" dirty="0"/>
+              <a:t> (APT spec </a:t>
+            </a:r>
+            <a:r>
+              <a:rPr lang="pl-PL" dirty="0" err="1"/>
+              <a:t>lead</a:t>
+            </a:r>
+            <a:r>
+              <a:rPr lang="en-US" dirty="0" smtClean="0"/>
+              <a:t>) - </a:t>
+            </a:r>
+            <a:r>
+              <a:rPr lang="pl-PL" sz="2000" dirty="0">
+                <a:hlinkClick r:id="rId2"/>
+              </a:rPr>
+              <a:t>https://blogs.oracle.com/darcy/</a:t>
+            </a:r>
+            <a:endParaRPr lang="en-US" dirty="0"/>
+          </a:p>
+          <a:p>
+            <a:pPr marL="914400" lvl="2" indent="0">
+              <a:buNone/>
+            </a:pPr>
+            <a:endParaRPr lang="fr-FR" dirty="0" smtClean="0"/>
+          </a:p>
+        </p:txBody>
+      </p:sp>
+    </p:spTree>
+    <p:extLst>
+      <p:ext uri="{BB962C8B-B14F-4D97-AF65-F5344CB8AC3E}">
+        <p14:creationId xmlns:p14="http://schemas.microsoft.com/office/powerpoint/2010/main" val="3669740791"/>
+      </p:ext>
+    </p:extLst>
+  </p:cSld>
+  <p:clrMapOvr>
+    <a:masterClrMapping/>
+  </p:clrMapOvr>
+  <p:timing>
+    <p:tnLst>
+      <p:par>
+        <p:cTn xmlns:p14="http://schemas.microsoft.com/office/powerpoint/2010/main" id="1" dur="indefinite" restart="never" nodeType="tmRoot"/>
+      </p:par>
+    </p:tnLst>
+  </p:timing>
+</p:sld>
+</file>
+
+<file path=ppt/slides/slide43.xml><?xml version="1.0" encoding="utf-8"?>
+<p:sld xmlns:a="http://schemas.openxmlformats.org/drawingml/2006/main" xmlns:r="http://schemas.openxmlformats.org/officeDocument/2006/relationships" xmlns:p="http://schemas.openxmlformats.org/presentationml/2006/main">
+  <p:cSld>
+    <p:spTree>
+      <p:nvGrpSpPr>
+        <p:cNvPr id="1" name=""/>
+        <p:cNvGrpSpPr/>
+        <p:nvPr/>
+      </p:nvGrpSpPr>
+      <p:grpSpPr>
+        <a:xfrm>
+          <a:off x="0" y="0"/>
+          <a:ext cx="0" cy="0"/>
+          <a:chOff x="0" y="0"/>
+          <a:chExt cx="0" cy="0"/>
+        </a:xfrm>
+      </p:grpSpPr>
+      <p:sp>
+        <p:nvSpPr>
           <p:cNvPr id="4" name="Titre 3"/>
           <p:cNvSpPr>
             <a:spLocks noGrp="1"/>
@@ -13432,7 +13962,7 @@
             <a:fld id="{491EF83F-DC3D-2B41-8CED-EDA4CF3DA041}" type="slidenum">
               <a:rPr lang="en-US"/>
               <a:pPr/>
-              <a:t>42</a:t>
+              <a:t>43</a:t>
             </a:fld>
             <a:endParaRPr lang="en-US"/>
           </a:p>
@@ -13618,7 +14148,7 @@
   <p:timing>
     <p:tnLst>
       <p:par>
-        <p:cTn id="1" dur="indefinite" restart="never" nodeType="tmRoot"/>
+        <p:cTn xmlns:p14="http://schemas.microsoft.com/office/powerpoint/2010/main" id="1" dur="indefinite" restart="never" nodeType="tmRoot"/>
       </p:par>
     </p:tnLst>
   </p:timing>
@@ -13692,7 +14222,7 @@
   <p:timing>
     <p:tnLst>
       <p:par>
-        <p:cTn id="1" dur="indefinite" restart="never" nodeType="tmRoot"/>
+        <p:cTn xmlns:p14="http://schemas.microsoft.com/office/powerpoint/2010/main" id="1" dur="indefinite" restart="never" nodeType="tmRoot"/>
       </p:par>
     </p:tnLst>
   </p:timing>
@@ -13854,7 +14384,7 @@
   <p:timing>
     <p:tnLst>
       <p:par>
-        <p:cTn id="1" dur="indefinite" restart="never" nodeType="tmRoot"/>
+        <p:cTn xmlns:p14="http://schemas.microsoft.com/office/powerpoint/2010/main" id="1" dur="indefinite" restart="never" nodeType="tmRoot"/>
       </p:par>
     </p:tnLst>
   </p:timing>
@@ -13916,14 +14446,14 @@
           </a:ln>
           <a:effectLst/>
           <a:extLst>
-            <a:ext uri="{909E8E84-426E-40DD-AFC4-6F175D3DCCD1}">
+            <a:ext uri="{909E8E84-426E-40dd-AFC4-6F175D3DCCD1}">
               <a14:hiddenFill xmlns:a14="http://schemas.microsoft.com/office/drawing/2010/main">
                 <a:solidFill>
                   <a:schemeClr val="accent1"/>
                 </a:solidFill>
               </a14:hiddenFill>
             </a:ext>
-            <a:ext uri="{AF507438-7753-43E0-B8FC-AC1667EBCBE1}">
+            <a:ext uri="{AF507438-7753-43e0-B8FC-AC1667EBCBE1}">
               <a14:hiddenEffects xmlns:a14="http://schemas.microsoft.com/office/drawing/2010/main">
                 <a:effectLst>
                   <a:outerShdw dist="35921" dir="2700000" algn="ctr" rotWithShape="0">
@@ -14312,7 +14842,7 @@
   <p:timing>
     <p:tnLst>
       <p:par>
-        <p:cTn id="1" dur="indefinite" restart="never" nodeType="tmRoot"/>
+        <p:cTn xmlns:p14="http://schemas.microsoft.com/office/powerpoint/2010/main" id="1" dur="indefinite" restart="never" nodeType="tmRoot"/>
       </p:par>
     </p:tnLst>
   </p:timing>
@@ -14459,14 +14989,14 @@
           </a:ln>
           <a:effectLst/>
           <a:extLst>
-            <a:ext uri="{909E8E84-426E-40DD-AFC4-6F175D3DCCD1}">
+            <a:ext uri="{909E8E84-426E-40dd-AFC4-6F175D3DCCD1}">
               <a14:hiddenFill xmlns:a14="http://schemas.microsoft.com/office/drawing/2010/main">
                 <a:solidFill>
                   <a:schemeClr val="accent1"/>
                 </a:solidFill>
               </a14:hiddenFill>
             </a:ext>
-            <a:ext uri="{91240B29-F687-4F45-9708-019B960494DF}">
+            <a:ext uri="{91240B29-F687-4f45-9708-019B960494DF}">
               <a14:hiddenLine xmlns:a14="http://schemas.microsoft.com/office/drawing/2010/main" w="9525">
                 <a:solidFill>
                   <a:schemeClr val="tx1"/>
@@ -14476,7 +15006,7 @@
                 <a:tailEnd/>
               </a14:hiddenLine>
             </a:ext>
-            <a:ext uri="{AF507438-7753-43E0-B8FC-AC1667EBCBE1}">
+            <a:ext uri="{AF507438-7753-43e0-B8FC-AC1667EBCBE1}">
               <a14:hiddenEffects xmlns:a14="http://schemas.microsoft.com/office/drawing/2010/main">
                 <a:effectLst>
                   <a:outerShdw dist="35921" dir="2700000" algn="ctr" rotWithShape="0">
@@ -14564,14 +15094,14 @@
           </a:ln>
           <a:effectLst/>
           <a:extLst>
-            <a:ext uri="{909E8E84-426E-40DD-AFC4-6F175D3DCCD1}">
+            <a:ext uri="{909E8E84-426E-40dd-AFC4-6F175D3DCCD1}">
               <a14:hiddenFill xmlns:a14="http://schemas.microsoft.com/office/drawing/2010/main">
                 <a:solidFill>
                   <a:schemeClr val="accent1"/>
                 </a:solidFill>
               </a14:hiddenFill>
             </a:ext>
-            <a:ext uri="{AF507438-7753-43E0-B8FC-AC1667EBCBE1}">
+            <a:ext uri="{AF507438-7753-43e0-B8FC-AC1667EBCBE1}">
               <a14:hiddenEffects xmlns:a14="http://schemas.microsoft.com/office/drawing/2010/main">
                 <a:effectLst>
                   <a:outerShdw dist="35921" dir="2700000" algn="ctr" rotWithShape="0">
@@ -14623,14 +15153,14 @@
           </a:ln>
           <a:effectLst/>
           <a:extLst>
-            <a:ext uri="{909E8E84-426E-40DD-AFC4-6F175D3DCCD1}">
+            <a:ext uri="{909E8E84-426E-40dd-AFC4-6F175D3DCCD1}">
               <a14:hiddenFill xmlns:a14="http://schemas.microsoft.com/office/drawing/2010/main">
                 <a:solidFill>
                   <a:schemeClr val="accent1"/>
                 </a:solidFill>
               </a14:hiddenFill>
             </a:ext>
-            <a:ext uri="{AF507438-7753-43E0-B8FC-AC1667EBCBE1}">
+            <a:ext uri="{AF507438-7753-43e0-B8FC-AC1667EBCBE1}">
               <a14:hiddenEffects xmlns:a14="http://schemas.microsoft.com/office/drawing/2010/main">
                 <a:effectLst>
                   <a:outerShdw dist="35921" dir="2700000" algn="ctr" rotWithShape="0">
@@ -14655,7 +15185,7 @@
   <p:timing>
     <p:tnLst>
       <p:par>
-        <p:cTn id="1" dur="indefinite" restart="never" nodeType="tmRoot"/>
+        <p:cTn xmlns:p14="http://schemas.microsoft.com/office/powerpoint/2010/main" id="1" dur="indefinite" restart="never" nodeType="tmRoot"/>
       </p:par>
     </p:tnLst>
   </p:timing>
@@ -14807,7 +15337,7 @@
   <p:timing>
     <p:tnLst>
       <p:par>
-        <p:cTn id="1" dur="indefinite" restart="never" nodeType="tmRoot"/>
+        <p:cTn xmlns:p14="http://schemas.microsoft.com/office/powerpoint/2010/main" id="1" dur="indefinite" restart="never" nodeType="tmRoot"/>
       </p:par>
     </p:tnLst>
   </p:timing>

--- a/ez18n-slides/Jugs2013/SmartAnnotationProcessing_2013.pptx
+++ b/ez18n-slides/Jugs2013/SmartAnnotationProcessing_2013.pptx
@@ -5746,6 +5746,13 @@
   <p:clrMapOvr>
     <a:masterClrMapping/>
   </p:clrMapOvr>
+  <p:timing>
+    <p:tnLst>
+      <p:par>
+        <p:cTn xmlns:p14="http://schemas.microsoft.com/office/powerpoint/2010/main" id="1" dur="indefinite" restart="never" nodeType="tmRoot"/>
+      </p:par>
+    </p:tnLst>
+  </p:timing>
 </p:sld>
 </file>
 

--- a/ez18n-slides/Jugs2013/SmartAnnotationProcessing_2013.pptx
+++ b/ez18n-slides/Jugs2013/SmartAnnotationProcessing_2013.pptx
@@ -237,7 +237,7 @@
           <a:p>
             <a:fld id="{08ED011F-C245-0E49-A952-42A1461A07A3}" type="datetimeFigureOut">
               <a:rPr lang="fr-FR" smtClean="0"/>
-              <a:t>12/02/13</a:t>
+              <a:t>12/02/2013</a:t>
             </a:fld>
             <a:endParaRPr lang="fr-FR"/>
           </a:p>
@@ -303,7 +303,7 @@
           <a:p>
             <a:fld id="{713BC9A0-7A0D-1347-A7DA-E989599F80D5}" type="slidenum">
               <a:rPr lang="fr-FR" smtClean="0"/>
-              <a:t>‹#›</a:t>
+              <a:t>‹N°›</a:t>
             </a:fld>
             <a:endParaRPr lang="fr-FR"/>
           </a:p>
@@ -402,7 +402,7 @@
           <a:p>
             <a:fld id="{91D8CEF6-FA3A-DE46-91EA-16BEFB9EEE40}" type="datetimeFigureOut">
               <a:rPr lang="fr-FR" smtClean="0"/>
-              <a:t>12/02/13</a:t>
+              <a:t>12/02/2013</a:t>
             </a:fld>
             <a:endParaRPr lang="fr-FR"/>
           </a:p>
@@ -561,7 +561,7 @@
           <a:p>
             <a:fld id="{13603A7C-4BFD-0942-ACE5-B49507E18EA0}" type="slidenum">
               <a:rPr lang="fr-FR" smtClean="0"/>
-              <a:t>‹#›</a:t>
+              <a:t>‹N°›</a:t>
             </a:fld>
             <a:endParaRPr lang="fr-FR"/>
           </a:p>
@@ -1268,7 +1268,7 @@
           <a:p>
             <a:fld id="{CDB8DDEB-C0FB-4A06-AB03-5B35B2987E25}" type="slidenum">
               <a:rPr lang="fr-FR" smtClean="0"/>
-              <a:t>‹#›</a:t>
+              <a:t>‹N°›</a:t>
             </a:fld>
             <a:endParaRPr lang="fr-FR"/>
           </a:p>
@@ -1287,7 +1287,7 @@
   <p:timing>
     <p:tnLst>
       <p:par>
-        <p:cTn xmlns:p14="http://schemas.microsoft.com/office/powerpoint/2010/main" id="1" dur="indefinite" restart="never" nodeType="tmRoot"/>
+        <p:cTn id="1" dur="indefinite" restart="never" nodeType="tmRoot"/>
       </p:par>
     </p:tnLst>
   </p:timing>
@@ -1430,7 +1430,7 @@
           <a:p>
             <a:fld id="{CDB8DDEB-C0FB-4A06-AB03-5B35B2987E25}" type="slidenum">
               <a:rPr lang="fr-FR" smtClean="0"/>
-              <a:t>‹#›</a:t>
+              <a:t>‹N°›</a:t>
             </a:fld>
             <a:endParaRPr lang="fr-FR"/>
           </a:p>
@@ -1449,7 +1449,7 @@
   <p:timing>
     <p:tnLst>
       <p:par>
-        <p:cTn xmlns:p14="http://schemas.microsoft.com/office/powerpoint/2010/main" id="1" dur="indefinite" restart="never" nodeType="tmRoot"/>
+        <p:cTn id="1" dur="indefinite" restart="never" nodeType="tmRoot"/>
       </p:par>
     </p:tnLst>
   </p:timing>
@@ -1602,7 +1602,7 @@
           <a:p>
             <a:fld id="{CDB8DDEB-C0FB-4A06-AB03-5B35B2987E25}" type="slidenum">
               <a:rPr lang="fr-FR" smtClean="0"/>
-              <a:t>‹#›</a:t>
+              <a:t>‹N°›</a:t>
             </a:fld>
             <a:endParaRPr lang="fr-FR"/>
           </a:p>
@@ -1621,7 +1621,7 @@
   <p:timing>
     <p:tnLst>
       <p:par>
-        <p:cTn xmlns:p14="http://schemas.microsoft.com/office/powerpoint/2010/main" id="1" dur="indefinite" restart="never" nodeType="tmRoot"/>
+        <p:cTn id="1" dur="indefinite" restart="never" nodeType="tmRoot"/>
       </p:par>
     </p:tnLst>
   </p:timing>
@@ -1764,7 +1764,7 @@
           <a:p>
             <a:fld id="{CDB8DDEB-C0FB-4A06-AB03-5B35B2987E25}" type="slidenum">
               <a:rPr lang="fr-FR" smtClean="0"/>
-              <a:t>‹#›</a:t>
+              <a:t>‹N°›</a:t>
             </a:fld>
             <a:endParaRPr lang="fr-FR"/>
           </a:p>
@@ -1783,7 +1783,7 @@
   <p:timing>
     <p:tnLst>
       <p:par>
-        <p:cTn xmlns:p14="http://schemas.microsoft.com/office/powerpoint/2010/main" id="1" dur="indefinite" restart="never" nodeType="tmRoot"/>
+        <p:cTn id="1" dur="indefinite" restart="never" nodeType="tmRoot"/>
       </p:par>
     </p:tnLst>
   </p:timing>
@@ -1998,7 +1998,7 @@
           <a:p>
             <a:fld id="{CDB8DDEB-C0FB-4A06-AB03-5B35B2987E25}" type="slidenum">
               <a:rPr lang="fr-FR" smtClean="0"/>
-              <a:t>‹#›</a:t>
+              <a:t>‹N°›</a:t>
             </a:fld>
             <a:endParaRPr lang="fr-FR"/>
           </a:p>
@@ -2017,7 +2017,7 @@
   <p:timing>
     <p:tnLst>
       <p:par>
-        <p:cTn xmlns:p14="http://schemas.microsoft.com/office/powerpoint/2010/main" id="1" dur="indefinite" restart="never" nodeType="tmRoot"/>
+        <p:cTn id="1" dur="indefinite" restart="never" nodeType="tmRoot"/>
       </p:par>
     </p:tnLst>
   </p:timing>
@@ -2278,7 +2278,7 @@
           <a:p>
             <a:fld id="{CDB8DDEB-C0FB-4A06-AB03-5B35B2987E25}" type="slidenum">
               <a:rPr lang="fr-FR" smtClean="0"/>
-              <a:t>‹#›</a:t>
+              <a:t>‹N°›</a:t>
             </a:fld>
             <a:endParaRPr lang="fr-FR"/>
           </a:p>
@@ -2297,7 +2297,7 @@
   <p:timing>
     <p:tnLst>
       <p:par>
-        <p:cTn xmlns:p14="http://schemas.microsoft.com/office/powerpoint/2010/main" id="1" dur="indefinite" restart="never" nodeType="tmRoot"/>
+        <p:cTn id="1" dur="indefinite" restart="never" nodeType="tmRoot"/>
       </p:par>
     </p:tnLst>
   </p:timing>
@@ -2688,7 +2688,7 @@
           <a:p>
             <a:fld id="{CDB8DDEB-C0FB-4A06-AB03-5B35B2987E25}" type="slidenum">
               <a:rPr lang="fr-FR" smtClean="0"/>
-              <a:t>‹#›</a:t>
+              <a:t>‹N°›</a:t>
             </a:fld>
             <a:endParaRPr lang="fr-FR"/>
           </a:p>
@@ -2707,7 +2707,7 @@
   <p:timing>
     <p:tnLst>
       <p:par>
-        <p:cTn xmlns:p14="http://schemas.microsoft.com/office/powerpoint/2010/main" id="1" dur="indefinite" restart="never" nodeType="tmRoot"/>
+        <p:cTn id="1" dur="indefinite" restart="never" nodeType="tmRoot"/>
       </p:par>
     </p:tnLst>
   </p:timing>
@@ -2798,7 +2798,7 @@
           <a:p>
             <a:fld id="{CDB8DDEB-C0FB-4A06-AB03-5B35B2987E25}" type="slidenum">
               <a:rPr lang="fr-FR" smtClean="0"/>
-              <a:t>‹#›</a:t>
+              <a:t>‹N°›</a:t>
             </a:fld>
             <a:endParaRPr lang="fr-FR"/>
           </a:p>
@@ -2817,7 +2817,7 @@
   <p:timing>
     <p:tnLst>
       <p:par>
-        <p:cTn xmlns:p14="http://schemas.microsoft.com/office/powerpoint/2010/main" id="1" dur="indefinite" restart="never" nodeType="tmRoot"/>
+        <p:cTn id="1" dur="indefinite" restart="never" nodeType="tmRoot"/>
       </p:par>
     </p:tnLst>
   </p:timing>
@@ -2877,7 +2877,7 @@
           <a:p>
             <a:fld id="{CDB8DDEB-C0FB-4A06-AB03-5B35B2987E25}" type="slidenum">
               <a:rPr lang="fr-FR" smtClean="0"/>
-              <a:t>‹#›</a:t>
+              <a:t>‹N°›</a:t>
             </a:fld>
             <a:endParaRPr lang="fr-FR"/>
           </a:p>
@@ -3135,7 +3135,7 @@
           <a:p>
             <a:fld id="{CDB8DDEB-C0FB-4A06-AB03-5B35B2987E25}" type="slidenum">
               <a:rPr lang="fr-FR" smtClean="0"/>
-              <a:t>‹#›</a:t>
+              <a:t>‹N°›</a:t>
             </a:fld>
             <a:endParaRPr lang="fr-FR"/>
           </a:p>
@@ -3154,7 +3154,7 @@
   <p:timing>
     <p:tnLst>
       <p:par>
-        <p:cTn xmlns:p14="http://schemas.microsoft.com/office/powerpoint/2010/main" id="1" dur="indefinite" restart="never" nodeType="tmRoot"/>
+        <p:cTn id="1" dur="indefinite" restart="never" nodeType="tmRoot"/>
       </p:par>
     </p:tnLst>
   </p:timing>
@@ -3376,7 +3376,7 @@
           <a:p>
             <a:fld id="{CDB8DDEB-C0FB-4A06-AB03-5B35B2987E25}" type="slidenum">
               <a:rPr lang="fr-FR" smtClean="0"/>
-              <a:t>‹#›</a:t>
+              <a:t>‹N°›</a:t>
             </a:fld>
             <a:endParaRPr lang="fr-FR"/>
           </a:p>
@@ -3395,7 +3395,7 @@
   <p:timing>
     <p:tnLst>
       <p:par>
-        <p:cTn xmlns:p14="http://schemas.microsoft.com/office/powerpoint/2010/main" id="1" dur="indefinite" restart="never" nodeType="tmRoot"/>
+        <p:cTn id="1" dur="indefinite" restart="never" nodeType="tmRoot"/>
       </p:par>
     </p:tnLst>
   </p:timing>
@@ -3591,7 +3591,7 @@
           <a:p>
             <a:fld id="{CDB8DDEB-C0FB-4A06-AB03-5B35B2987E25}" type="slidenum">
               <a:rPr lang="fr-FR" smtClean="0"/>
-              <a:t>‹#›</a:t>
+              <a:t>‹N°›</a:t>
             </a:fld>
             <a:endParaRPr lang="fr-FR" dirty="0"/>
           </a:p>
@@ -3689,7 +3689,7 @@
   <p:timing>
     <p:tnLst>
       <p:par>
-        <p:cTn xmlns:p14="http://schemas.microsoft.com/office/powerpoint/2010/main" id="1" dur="indefinite" restart="never" nodeType="tmRoot"/>
+        <p:cTn id="1" dur="indefinite" restart="never" nodeType="tmRoot"/>
       </p:par>
     </p:tnLst>
   </p:timing>
@@ -4040,7 +4040,7 @@
   <p:timing>
     <p:tnLst>
       <p:par>
-        <p:cTn xmlns:p14="http://schemas.microsoft.com/office/powerpoint/2010/main" id="1" dur="indefinite" restart="never" nodeType="tmRoot"/>
+        <p:cTn id="1" dur="indefinite" restart="never" nodeType="tmRoot"/>
       </p:par>
     </p:tnLst>
   </p:timing>
@@ -4107,7 +4107,7 @@
   <p:timing>
     <p:tnLst>
       <p:par>
-        <p:cTn xmlns:p14="http://schemas.microsoft.com/office/powerpoint/2010/main" id="1" dur="indefinite" restart="never" nodeType="tmRoot"/>
+        <p:cTn id="1" dur="indefinite" restart="never" nodeType="tmRoot"/>
       </p:par>
     </p:tnLst>
   </p:timing>
@@ -4398,7 +4398,7 @@
   <p:timing>
     <p:tnLst>
       <p:par>
-        <p:cTn xmlns:p14="http://schemas.microsoft.com/office/powerpoint/2010/main" id="1" dur="indefinite" restart="never" nodeType="tmRoot"/>
+        <p:cTn id="1" dur="indefinite" restart="never" nodeType="tmRoot"/>
       </p:par>
     </p:tnLst>
   </p:timing>
@@ -4570,7 +4570,7 @@
   <p:timing>
     <p:tnLst>
       <p:par>
-        <p:cTn xmlns:p14="http://schemas.microsoft.com/office/powerpoint/2010/main" id="1" dur="indefinite" restart="never" nodeType="tmRoot"/>
+        <p:cTn id="1" dur="indefinite" restart="never" nodeType="tmRoot"/>
       </p:par>
     </p:tnLst>
   </p:timing>
@@ -4732,7 +4732,7 @@
   <p:timing>
     <p:tnLst>
       <p:par>
-        <p:cTn xmlns:p14="http://schemas.microsoft.com/office/powerpoint/2010/main" id="1" dur="indefinite" restart="never" nodeType="tmRoot"/>
+        <p:cTn id="1" dur="indefinite" restart="never" nodeType="tmRoot"/>
       </p:par>
     </p:tnLst>
   </p:timing>
@@ -4806,7 +4806,7 @@
   <p:timing>
     <p:tnLst>
       <p:par>
-        <p:cTn xmlns:p14="http://schemas.microsoft.com/office/powerpoint/2010/main" id="1" dur="indefinite" restart="never" nodeType="tmRoot"/>
+        <p:cTn id="1" dur="indefinite" restart="never" nodeType="tmRoot"/>
       </p:par>
     </p:tnLst>
   </p:timing>
@@ -4880,7 +4880,7 @@
   <p:timing>
     <p:tnLst>
       <p:par>
-        <p:cTn xmlns:p14="http://schemas.microsoft.com/office/powerpoint/2010/main" id="1" dur="indefinite" restart="never" nodeType="tmRoot"/>
+        <p:cTn id="1" dur="indefinite" restart="never" nodeType="tmRoot"/>
       </p:par>
     </p:tnLst>
   </p:timing>
@@ -5002,7 +5002,7 @@
   <p:timing>
     <p:tnLst>
       <p:par>
-        <p:cTn xmlns:p14="http://schemas.microsoft.com/office/powerpoint/2010/main" id="1" dur="indefinite" restart="never" nodeType="tmRoot"/>
+        <p:cTn id="1" dur="indefinite" restart="never" nodeType="tmRoot"/>
       </p:par>
     </p:tnLst>
   </p:timing>
@@ -5285,14 +5285,14 @@
           </a:ln>
           <a:effectLst/>
           <a:extLst>
-            <a:ext uri="{909E8E84-426E-40dd-AFC4-6F175D3DCCD1}">
+            <a:ext uri="{909E8E84-426E-40DD-AFC4-6F175D3DCCD1}">
               <a14:hiddenFill xmlns:a14="http://schemas.microsoft.com/office/drawing/2010/main">
                 <a:solidFill>
                   <a:schemeClr val="accent1"/>
                 </a:solidFill>
               </a14:hiddenFill>
             </a:ext>
-            <a:ext uri="{91240B29-F687-4f45-9708-019B960494DF}">
+            <a:ext uri="{91240B29-F687-4F45-9708-019B960494DF}">
               <a14:hiddenLine xmlns:a14="http://schemas.microsoft.com/office/drawing/2010/main" w="9525">
                 <a:solidFill>
                   <a:schemeClr val="tx1"/>
@@ -5302,7 +5302,7 @@
                 <a:tailEnd/>
               </a14:hiddenLine>
             </a:ext>
-            <a:ext uri="{AF507438-7753-43e0-B8FC-AC1667EBCBE1}">
+            <a:ext uri="{AF507438-7753-43E0-B8FC-AC1667EBCBE1}">
               <a14:hiddenEffects xmlns:a14="http://schemas.microsoft.com/office/drawing/2010/main">
                 <a:effectLst>
                   <a:outerShdw dist="35921" dir="2700000" algn="ctr" rotWithShape="0">
@@ -5349,14 +5349,14 @@
           </a:ln>
           <a:effectLst/>
           <a:extLst>
-            <a:ext uri="{909E8E84-426E-40dd-AFC4-6F175D3DCCD1}">
+            <a:ext uri="{909E8E84-426E-40DD-AFC4-6F175D3DCCD1}">
               <a14:hiddenFill xmlns:a14="http://schemas.microsoft.com/office/drawing/2010/main">
                 <a:solidFill>
                   <a:schemeClr val="accent1"/>
                 </a:solidFill>
               </a14:hiddenFill>
             </a:ext>
-            <a:ext uri="{91240B29-F687-4f45-9708-019B960494DF}">
+            <a:ext uri="{91240B29-F687-4F45-9708-019B960494DF}">
               <a14:hiddenLine xmlns:a14="http://schemas.microsoft.com/office/drawing/2010/main" w="9525">
                 <a:solidFill>
                   <a:schemeClr val="tx1"/>
@@ -5366,7 +5366,7 @@
                 <a:tailEnd/>
               </a14:hiddenLine>
             </a:ext>
-            <a:ext uri="{AF507438-7753-43e0-B8FC-AC1667EBCBE1}">
+            <a:ext uri="{AF507438-7753-43E0-B8FC-AC1667EBCBE1}">
               <a14:hiddenEffects xmlns:a14="http://schemas.microsoft.com/office/drawing/2010/main">
                 <a:effectLst>
                   <a:outerShdw dist="35921" dir="2700000" algn="ctr" rotWithShape="0">
@@ -5391,7 +5391,7 @@
   <p:timing>
     <p:tnLst>
       <p:par>
-        <p:cTn xmlns:p14="http://schemas.microsoft.com/office/powerpoint/2010/main" id="1" dur="indefinite" restart="never" nodeType="tmRoot"/>
+        <p:cTn id="1" dur="indefinite" restart="never" nodeType="tmRoot"/>
       </p:par>
     </p:tnLst>
   </p:timing>
@@ -5542,7 +5542,7 @@
   <p:timing>
     <p:tnLst>
       <p:par>
-        <p:cTn xmlns:p14="http://schemas.microsoft.com/office/powerpoint/2010/main" id="1" dur="indefinite" restart="never" nodeType="tmRoot"/>
+        <p:cTn id="1" dur="indefinite" restart="never" nodeType="tmRoot"/>
       </p:par>
     </p:tnLst>
   </p:timing>
@@ -5582,20 +5582,24 @@
           <a:lstStyle/>
           <a:p>
             <a:r>
-              <a:rPr lang="fr-FR" dirty="0" smtClean="0"/>
+              <a:rPr lang="fr-FR" dirty="0" smtClean="0">
+                <a:solidFill>
+                  <a:srgbClr val="334097"/>
+                </a:solidFill>
+              </a:rPr>
               <a:t>SPI </a:t>
             </a:r>
             <a:r>
               <a:rPr lang="fr-FR" dirty="0" err="1" smtClean="0">
                 <a:solidFill>
-                  <a:srgbClr val="1F497D"/>
+                  <a:srgbClr val="334097"/>
                 </a:solidFill>
               </a:rPr>
               <a:t>Discovery</a:t>
             </a:r>
             <a:endParaRPr lang="fr-FR" dirty="0">
               <a:solidFill>
-                <a:srgbClr val="1F497D"/>
+                <a:srgbClr val="334097"/>
               </a:solidFill>
             </a:endParaRPr>
           </a:p>
@@ -5618,8 +5622,21 @@
           <a:p>
             <a:r>
               <a:rPr lang="fr-FR" dirty="0" smtClean="0"/>
-              <a:t>SPI (Service Provider Interface)</a:t>
-            </a:r>
+              <a:t>SPI </a:t>
+            </a:r>
+            <a:r>
+              <a:rPr lang="fr-FR" dirty="0" smtClean="0"/>
+              <a:t>- Service </a:t>
+            </a:r>
+            <a:r>
+              <a:rPr lang="fr-FR" dirty="0" smtClean="0"/>
+              <a:t>Provider </a:t>
+            </a:r>
+            <a:r>
+              <a:rPr lang="fr-FR" dirty="0" smtClean="0"/>
+              <a:t>Interface</a:t>
+            </a:r>
+            <a:endParaRPr lang="fr-FR" dirty="0" smtClean="0"/>
           </a:p>
           <a:p>
             <a:r>
@@ -5699,34 +5716,42 @@
             <a:endParaRPr lang="fr-FR" dirty="0" smtClean="0"/>
           </a:p>
           <a:p>
-            <a:pPr lvl="1"/>
+            <a:pPr lvl="1">
+              <a:buFont typeface="Wingdings" pitchFamily="2" charset="2"/>
+              <a:buChar char="§"/>
+            </a:pPr>
             <a:r>
               <a:rPr lang="en-US" dirty="0" smtClean="0">
                 <a:solidFill>
-                  <a:srgbClr val="000090"/>
+                  <a:srgbClr val="364097"/>
                 </a:solidFill>
               </a:rPr>
               <a:t>/</a:t>
             </a:r>
             <a:r>
-              <a:rPr lang="en-US" dirty="0">
+              <a:rPr lang="en-US" dirty="0" smtClean="0">
                 <a:solidFill>
-                  <a:srgbClr val="000090"/>
+                  <a:srgbClr val="364097"/>
                 </a:solidFill>
               </a:rPr>
               <a:t>META-INF/services/</a:t>
             </a:r>
-            <a:r>
-              <a:rPr lang="en-US" dirty="0" err="1">
+          </a:p>
+          <a:p>
+            <a:pPr marL="457200" lvl="1" indent="0">
+              <a:buNone/>
+            </a:pPr>
+            <a:r>
+              <a:rPr lang="en-US" dirty="0" err="1" smtClean="0">
                 <a:solidFill>
-                  <a:srgbClr val="000090"/>
+                  <a:srgbClr val="364097"/>
                 </a:solidFill>
               </a:rPr>
               <a:t>javax.annotation.processing.Processor</a:t>
             </a:r>
             <a:endParaRPr lang="fr-FR" dirty="0" smtClean="0">
               <a:solidFill>
-                <a:srgbClr val="000090"/>
+                <a:srgbClr val="364097"/>
               </a:solidFill>
             </a:endParaRPr>
           </a:p>
@@ -5749,7 +5774,7 @@
   <p:timing>
     <p:tnLst>
       <p:par>
-        <p:cTn xmlns:p14="http://schemas.microsoft.com/office/powerpoint/2010/main" id="1" dur="indefinite" restart="never" nodeType="tmRoot"/>
+        <p:cTn id="1" dur="indefinite" restart="never" nodeType="tmRoot"/>
       </p:par>
     </p:tnLst>
   </p:timing>
@@ -6184,7 +6209,7 @@
   <p:timing>
     <p:tnLst>
       <p:par>
-        <p:cTn xmlns:p14="http://schemas.microsoft.com/office/powerpoint/2010/main" id="1" dur="indefinite" restart="never" nodeType="tmRoot"/>
+        <p:cTn id="1" dur="indefinite" restart="never" nodeType="tmRoot"/>
       </p:par>
     </p:tnLst>
   </p:timing>
@@ -6567,7 +6592,7 @@
   <p:timing>
     <p:tnLst>
       <p:par>
-        <p:cTn xmlns:p14="http://schemas.microsoft.com/office/powerpoint/2010/main" id="1" dur="indefinite" restart="never" nodeType="tmRoot"/>
+        <p:cTn id="1" dur="indefinite" restart="never" nodeType="tmRoot"/>
       </p:par>
     </p:tnLst>
   </p:timing>
@@ -6910,7 +6935,7 @@
   <p:timing>
     <p:tnLst>
       <p:par>
-        <p:cTn xmlns:p14="http://schemas.microsoft.com/office/powerpoint/2010/main" id="1" dur="indefinite" restart="never" nodeType="tmRoot"/>
+        <p:cTn id="1" dur="indefinite" restart="never" nodeType="tmRoot"/>
       </p:par>
     </p:tnLst>
   </p:timing>
@@ -7662,7 +7687,7 @@
   <p:timing>
     <p:tnLst>
       <p:par>
-        <p:cTn xmlns:p14="http://schemas.microsoft.com/office/powerpoint/2010/main" id="1" dur="indefinite" restart="never" nodeType="tmRoot"/>
+        <p:cTn id="1" dur="indefinite" restart="never" nodeType="tmRoot"/>
       </p:par>
     </p:tnLst>
   </p:timing>
@@ -7736,11 +7761,7 @@
             </a:pPr>
             <a:r>
               <a:rPr lang="en-US" dirty="0" smtClean="0"/>
-              <a:t>maven-processor-plugin (google-code</a:t>
-            </a:r>
-            <a:r>
-              <a:rPr lang="en-US" dirty="0" smtClean="0"/>
-              <a:t>)</a:t>
+              <a:t>maven-processor-plugin (google-code)</a:t>
             </a:r>
           </a:p>
           <a:p>
@@ -7760,7 +7781,6 @@
               <a:rPr lang="en-US" dirty="0" smtClean="0"/>
               <a:t> java compiler simply</a:t>
             </a:r>
-            <a:endParaRPr lang="en-US" dirty="0" smtClean="0"/>
           </a:p>
           <a:p>
             <a:r>
@@ -7809,7 +7829,7 @@
   <p:timing>
     <p:tnLst>
       <p:par>
-        <p:cTn xmlns:p14="http://schemas.microsoft.com/office/powerpoint/2010/main" id="1" dur="indefinite" restart="never" nodeType="tmRoot"/>
+        <p:cTn id="1" dur="indefinite" restart="never" nodeType="tmRoot"/>
       </p:par>
     </p:tnLst>
   </p:timing>
@@ -7958,7 +7978,7 @@
   <p:timing>
     <p:tnLst>
       <p:par>
-        <p:cTn xmlns:p14="http://schemas.microsoft.com/office/powerpoint/2010/main" id="1" dur="indefinite" restart="never" nodeType="tmRoot"/>
+        <p:cTn id="1" dur="indefinite" restart="never" nodeType="tmRoot"/>
       </p:par>
     </p:tnLst>
   </p:timing>
@@ -8137,7 +8157,7 @@
   <p:timing>
     <p:tnLst>
       <p:par>
-        <p:cTn xmlns:p14="http://schemas.microsoft.com/office/powerpoint/2010/main" id="1" dur="indefinite" restart="never" nodeType="tmRoot"/>
+        <p:cTn id="1" dur="indefinite" restart="never" nodeType="tmRoot"/>
       </p:par>
     </p:tnLst>
   </p:timing>
@@ -8326,7 +8346,7 @@
   <p:timing>
     <p:tnLst>
       <p:par>
-        <p:cTn xmlns:p14="http://schemas.microsoft.com/office/powerpoint/2010/main" id="1" dur="indefinite" restart="never" nodeType="tmRoot"/>
+        <p:cTn id="1" dur="indefinite" restart="never" nodeType="tmRoot"/>
       </p:par>
     </p:tnLst>
   </p:timing>
@@ -8495,7 +8515,7 @@
   <p:timing>
     <p:tnLst>
       <p:par>
-        <p:cTn xmlns:p14="http://schemas.microsoft.com/office/powerpoint/2010/main" id="1" dur="indefinite" restart="never" nodeType="tmRoot"/>
+        <p:cTn id="1" dur="indefinite" restart="never" nodeType="tmRoot"/>
       </p:par>
     </p:tnLst>
   </p:timing>
@@ -8569,7 +8589,7 @@
   <p:timing>
     <p:tnLst>
       <p:par>
-        <p:cTn xmlns:p14="http://schemas.microsoft.com/office/powerpoint/2010/main" id="1" dur="indefinite" restart="never" nodeType="tmRoot"/>
+        <p:cTn id="1" dur="indefinite" restart="never" nodeType="tmRoot"/>
       </p:par>
     </p:tnLst>
   </p:timing>
@@ -8752,7 +8772,7 @@
   <p:timing>
     <p:tnLst>
       <p:par>
-        <p:cTn xmlns:p14="http://schemas.microsoft.com/office/powerpoint/2010/main" id="1" dur="indefinite" restart="never" nodeType="tmRoot"/>
+        <p:cTn id="1" dur="indefinite" restart="never" nodeType="tmRoot"/>
       </p:par>
     </p:tnLst>
   </p:timing>
@@ -8842,14 +8862,14 @@
           </a:ln>
           <a:effectLst/>
           <a:extLst>
-            <a:ext uri="{909E8E84-426E-40dd-AFC4-6F175D3DCCD1}">
+            <a:ext uri="{909E8E84-426E-40DD-AFC4-6F175D3DCCD1}">
               <a14:hiddenFill xmlns:a14="http://schemas.microsoft.com/office/drawing/2010/main">
                 <a:solidFill>
                   <a:schemeClr val="accent1"/>
                 </a:solidFill>
               </a14:hiddenFill>
             </a:ext>
-            <a:ext uri="{91240B29-F687-4f45-9708-019B960494DF}">
+            <a:ext uri="{91240B29-F687-4F45-9708-019B960494DF}">
               <a14:hiddenLine xmlns:a14="http://schemas.microsoft.com/office/drawing/2010/main" w="9525">
                 <a:solidFill>
                   <a:schemeClr val="tx1"/>
@@ -8859,7 +8879,7 @@
                 <a:tailEnd/>
               </a14:hiddenLine>
             </a:ext>
-            <a:ext uri="{AF507438-7753-43e0-B8FC-AC1667EBCBE1}">
+            <a:ext uri="{AF507438-7753-43E0-B8FC-AC1667EBCBE1}">
               <a14:hiddenEffects xmlns:a14="http://schemas.microsoft.com/office/drawing/2010/main">
                 <a:effectLst>
                   <a:outerShdw dist="35921" dir="2700000" algn="ctr" rotWithShape="0">
@@ -8914,7 +8934,7 @@
   <p:timing>
     <p:tnLst>
       <p:par>
-        <p:cTn xmlns:p14="http://schemas.microsoft.com/office/powerpoint/2010/main" id="1" dur="indefinite" restart="never" nodeType="tmRoot"/>
+        <p:cTn id="1" dur="indefinite" restart="never" nodeType="tmRoot"/>
       </p:par>
     </p:tnLst>
   </p:timing>
@@ -9010,7 +9030,7 @@
   <p:timing>
     <p:tnLst>
       <p:par>
-        <p:cTn xmlns:p14="http://schemas.microsoft.com/office/powerpoint/2010/main" id="1" dur="indefinite" restart="never" nodeType="tmRoot"/>
+        <p:cTn id="1" dur="indefinite" restart="never" nodeType="tmRoot"/>
       </p:par>
     </p:tnLst>
   </p:timing>
@@ -9136,14 +9156,14 @@
           </a:ln>
           <a:effectLst/>
           <a:extLst>
-            <a:ext uri="{909E8E84-426E-40dd-AFC4-6F175D3DCCD1}">
+            <a:ext uri="{909E8E84-426E-40DD-AFC4-6F175D3DCCD1}">
               <a14:hiddenFill xmlns:a14="http://schemas.microsoft.com/office/drawing/2010/main">
                 <a:solidFill>
                   <a:schemeClr val="accent1"/>
                 </a:solidFill>
               </a14:hiddenFill>
             </a:ext>
-            <a:ext uri="{91240B29-F687-4f45-9708-019B960494DF}">
+            <a:ext uri="{91240B29-F687-4F45-9708-019B960494DF}">
               <a14:hiddenLine xmlns:a14="http://schemas.microsoft.com/office/drawing/2010/main" w="9525">
                 <a:solidFill>
                   <a:schemeClr val="tx1"/>
@@ -9153,7 +9173,7 @@
                 <a:tailEnd/>
               </a14:hiddenLine>
             </a:ext>
-            <a:ext uri="{AF507438-7753-43e0-B8FC-AC1667EBCBE1}">
+            <a:ext uri="{AF507438-7753-43E0-B8FC-AC1667EBCBE1}">
               <a14:hiddenEffects xmlns:a14="http://schemas.microsoft.com/office/drawing/2010/main">
                 <a:effectLst>
                   <a:outerShdw dist="35921" dir="2700000" algn="ctr" rotWithShape="0">
@@ -9178,7 +9198,7 @@
   <p:timing>
     <p:tnLst>
       <p:par>
-        <p:cTn xmlns:p14="http://schemas.microsoft.com/office/powerpoint/2010/main" id="1" dur="indefinite" restart="never" nodeType="tmRoot"/>
+        <p:cTn id="1" dur="indefinite" restart="never" nodeType="tmRoot"/>
       </p:par>
     </p:tnLst>
   </p:timing>
@@ -9342,14 +9362,14 @@
             </a:ln>
             <a:effectLst/>
             <a:extLst>
-              <a:ext uri="{909E8E84-426E-40dd-AFC4-6F175D3DCCD1}">
+              <a:ext uri="{909E8E84-426E-40DD-AFC4-6F175D3DCCD1}">
                 <a14:hiddenFill xmlns:a14="http://schemas.microsoft.com/office/drawing/2010/main">
                   <a:solidFill>
                     <a:schemeClr val="accent1"/>
                   </a:solidFill>
                 </a14:hiddenFill>
               </a:ext>
-              <a:ext uri="{AF507438-7753-43e0-B8FC-AC1667EBCBE1}">
+              <a:ext uri="{AF507438-7753-43E0-B8FC-AC1667EBCBE1}">
                 <a14:hiddenEffects xmlns:a14="http://schemas.microsoft.com/office/drawing/2010/main">
                   <a:effectLst>
                     <a:outerShdw dist="35921" dir="2700000" algn="ctr" rotWithShape="0">
@@ -9770,7 +9790,7 @@
   <p:timing>
     <p:tnLst>
       <p:par>
-        <p:cTn xmlns:p14="http://schemas.microsoft.com/office/powerpoint/2010/main" id="1" dur="indefinite" restart="never" nodeType="tmRoot"/>
+        <p:cTn id="1" dur="indefinite" restart="never" nodeType="tmRoot"/>
       </p:par>
     </p:tnLst>
   </p:timing>
@@ -9920,14 +9940,14 @@
             </a:ln>
             <a:effectLst/>
             <a:extLst>
-              <a:ext uri="{909E8E84-426E-40dd-AFC4-6F175D3DCCD1}">
+              <a:ext uri="{909E8E84-426E-40DD-AFC4-6F175D3DCCD1}">
                 <a14:hiddenFill xmlns:a14="http://schemas.microsoft.com/office/drawing/2010/main">
                   <a:solidFill>
                     <a:schemeClr val="accent1"/>
                   </a:solidFill>
                 </a14:hiddenFill>
               </a:ext>
-              <a:ext uri="{AF507438-7753-43e0-B8FC-AC1667EBCBE1}">
+              <a:ext uri="{AF507438-7753-43E0-B8FC-AC1667EBCBE1}">
                 <a14:hiddenEffects xmlns:a14="http://schemas.microsoft.com/office/drawing/2010/main">
                   <a:effectLst>
                     <a:outerShdw dist="35921" dir="2700000" algn="ctr" rotWithShape="0">
@@ -10186,7 +10206,7 @@
   <p:timing>
     <p:tnLst>
       <p:par>
-        <p:cTn xmlns:p14="http://schemas.microsoft.com/office/powerpoint/2010/main" id="1" dur="indefinite" restart="never" nodeType="tmRoot"/>
+        <p:cTn id="1" dur="indefinite" restart="never" nodeType="tmRoot"/>
       </p:par>
     </p:tnLst>
   </p:timing>
@@ -10332,14 +10352,14 @@
             </a:ln>
             <a:effectLst/>
             <a:extLst>
-              <a:ext uri="{909E8E84-426E-40dd-AFC4-6F175D3DCCD1}">
+              <a:ext uri="{909E8E84-426E-40DD-AFC4-6F175D3DCCD1}">
                 <a14:hiddenFill xmlns:a14="http://schemas.microsoft.com/office/drawing/2010/main">
                   <a:solidFill>
                     <a:schemeClr val="accent1"/>
                   </a:solidFill>
                 </a14:hiddenFill>
               </a:ext>
-              <a:ext uri="{AF507438-7753-43e0-B8FC-AC1667EBCBE1}">
+              <a:ext uri="{AF507438-7753-43E0-B8FC-AC1667EBCBE1}">
                 <a14:hiddenEffects xmlns:a14="http://schemas.microsoft.com/office/drawing/2010/main">
                   <a:effectLst>
                     <a:outerShdw dist="35921" dir="2700000" algn="ctr" rotWithShape="0">
@@ -10586,7 +10606,7 @@
   <p:timing>
     <p:tnLst>
       <p:par>
-        <p:cTn xmlns:p14="http://schemas.microsoft.com/office/powerpoint/2010/main" id="1" dur="indefinite" restart="never" nodeType="tmRoot"/>
+        <p:cTn id="1" dur="indefinite" restart="never" nodeType="tmRoot"/>
       </p:par>
     </p:tnLst>
   </p:timing>
@@ -10662,14 +10682,14 @@
             </a:ln>
             <a:effectLst/>
             <a:extLst>
-              <a:ext uri="{909E8E84-426E-40dd-AFC4-6F175D3DCCD1}">
+              <a:ext uri="{909E8E84-426E-40DD-AFC4-6F175D3DCCD1}">
                 <a14:hiddenFill xmlns:a14="http://schemas.microsoft.com/office/drawing/2010/main">
                   <a:solidFill>
                     <a:schemeClr val="accent1"/>
                   </a:solidFill>
                 </a14:hiddenFill>
               </a:ext>
-              <a:ext uri="{AF507438-7753-43e0-B8FC-AC1667EBCBE1}">
+              <a:ext uri="{AF507438-7753-43E0-B8FC-AC1667EBCBE1}">
                 <a14:hiddenEffects xmlns:a14="http://schemas.microsoft.com/office/drawing/2010/main">
                   <a:effectLst>
                     <a:outerShdw dist="35921" dir="2700000" algn="ctr" rotWithShape="0">
@@ -11154,7 +11174,7 @@
   <p:timing>
     <p:tnLst>
       <p:par>
-        <p:cTn xmlns:p14="http://schemas.microsoft.com/office/powerpoint/2010/main" id="1" dur="indefinite" restart="never" nodeType="tmRoot"/>
+        <p:cTn id="1" dur="indefinite" restart="never" nodeType="tmRoot"/>
       </p:par>
     </p:tnLst>
   </p:timing>
@@ -11316,14 +11336,14 @@
           </a:ln>
           <a:effectLst/>
           <a:extLst>
-            <a:ext uri="{909E8E84-426E-40dd-AFC4-6F175D3DCCD1}">
+            <a:ext uri="{909E8E84-426E-40DD-AFC4-6F175D3DCCD1}">
               <a14:hiddenFill xmlns:a14="http://schemas.microsoft.com/office/drawing/2010/main">
                 <a:solidFill>
                   <a:schemeClr val="accent1"/>
                 </a:solidFill>
               </a14:hiddenFill>
             </a:ext>
-            <a:ext uri="{AF507438-7753-43e0-B8FC-AC1667EBCBE1}">
+            <a:ext uri="{AF507438-7753-43E0-B8FC-AC1667EBCBE1}">
               <a14:hiddenEffects xmlns:a14="http://schemas.microsoft.com/office/drawing/2010/main">
                 <a:effectLst>
                   <a:outerShdw dist="35921" dir="2700000" algn="ctr" rotWithShape="0">
@@ -11475,14 +11495,14 @@
             </a:ln>
             <a:effectLst/>
             <a:extLst>
-              <a:ext uri="{909E8E84-426E-40dd-AFC4-6F175D3DCCD1}">
+              <a:ext uri="{909E8E84-426E-40DD-AFC4-6F175D3DCCD1}">
                 <a14:hiddenFill xmlns:a14="http://schemas.microsoft.com/office/drawing/2010/main">
                   <a:solidFill>
                     <a:schemeClr val="accent1"/>
                   </a:solidFill>
                 </a14:hiddenFill>
               </a:ext>
-              <a:ext uri="{AF507438-7753-43e0-B8FC-AC1667EBCBE1}">
+              <a:ext uri="{AF507438-7753-43E0-B8FC-AC1667EBCBE1}">
                 <a14:hiddenEffects xmlns:a14="http://schemas.microsoft.com/office/drawing/2010/main">
                   <a:effectLst>
                     <a:outerShdw dist="35921" dir="2700000" algn="ctr" rotWithShape="0">
@@ -11573,14 +11593,14 @@
             </a:ln>
             <a:effectLst/>
             <a:extLst>
-              <a:ext uri="{909E8E84-426E-40dd-AFC4-6F175D3DCCD1}">
+              <a:ext uri="{909E8E84-426E-40DD-AFC4-6F175D3DCCD1}">
                 <a14:hiddenFill xmlns:a14="http://schemas.microsoft.com/office/drawing/2010/main">
                   <a:solidFill>
                     <a:schemeClr val="accent1"/>
                   </a:solidFill>
                 </a14:hiddenFill>
               </a:ext>
-              <a:ext uri="{AF507438-7753-43e0-B8FC-AC1667EBCBE1}">
+              <a:ext uri="{AF507438-7753-43E0-B8FC-AC1667EBCBE1}">
                 <a14:hiddenEffects xmlns:a14="http://schemas.microsoft.com/office/drawing/2010/main">
                   <a:effectLst>
                     <a:outerShdw dist="35921" dir="2700000" algn="ctr" rotWithShape="0">
@@ -11632,14 +11652,14 @@
             </a:ln>
             <a:effectLst/>
             <a:extLst>
-              <a:ext uri="{909E8E84-426E-40dd-AFC4-6F175D3DCCD1}">
+              <a:ext uri="{909E8E84-426E-40DD-AFC4-6F175D3DCCD1}">
                 <a14:hiddenFill xmlns:a14="http://schemas.microsoft.com/office/drawing/2010/main">
                   <a:solidFill>
                     <a:schemeClr val="accent1"/>
                   </a:solidFill>
                 </a14:hiddenFill>
               </a:ext>
-              <a:ext uri="{AF507438-7753-43e0-B8FC-AC1667EBCBE1}">
+              <a:ext uri="{AF507438-7753-43E0-B8FC-AC1667EBCBE1}">
                 <a14:hiddenEffects xmlns:a14="http://schemas.microsoft.com/office/drawing/2010/main">
                   <a:effectLst>
                     <a:outerShdw dist="35921" dir="2700000" algn="ctr" rotWithShape="0">
@@ -11746,7 +11766,7 @@
   <p:timing>
     <p:tnLst>
       <p:par>
-        <p:cTn xmlns:p14="http://schemas.microsoft.com/office/powerpoint/2010/main" id="1" dur="indefinite" restart="never" nodeType="tmRoot"/>
+        <p:cTn id="1" dur="indefinite" restart="never" nodeType="tmRoot"/>
       </p:par>
     </p:tnLst>
   </p:timing>
@@ -11866,14 +11886,14 @@
           </a:ln>
           <a:effectLst/>
           <a:extLst>
-            <a:ext uri="{909E8E84-426E-40dd-AFC4-6F175D3DCCD1}">
+            <a:ext uri="{909E8E84-426E-40DD-AFC4-6F175D3DCCD1}">
               <a14:hiddenFill xmlns:a14="http://schemas.microsoft.com/office/drawing/2010/main">
                 <a:solidFill>
                   <a:schemeClr val="accent1"/>
                 </a:solidFill>
               </a14:hiddenFill>
             </a:ext>
-            <a:ext uri="{AF507438-7753-43e0-B8FC-AC1667EBCBE1}">
+            <a:ext uri="{AF507438-7753-43E0-B8FC-AC1667EBCBE1}">
               <a14:hiddenEffects xmlns:a14="http://schemas.microsoft.com/office/drawing/2010/main">
                 <a:effectLst>
                   <a:outerShdw dist="35921" dir="2700000" algn="ctr" rotWithShape="0">
@@ -12152,7 +12172,7 @@
   <p:timing>
     <p:tnLst>
       <p:par>
-        <p:cTn xmlns:p14="http://schemas.microsoft.com/office/powerpoint/2010/main" id="1" dur="indefinite" restart="never" nodeType="tmRoot"/>
+        <p:cTn id="1" dur="indefinite" restart="never" nodeType="tmRoot"/>
       </p:par>
     </p:tnLst>
   </p:timing>
@@ -12239,14 +12259,14 @@
           </a:ln>
           <a:effectLst/>
           <a:extLst>
-            <a:ext uri="{909E8E84-426E-40dd-AFC4-6F175D3DCCD1}">
+            <a:ext uri="{909E8E84-426E-40DD-AFC4-6F175D3DCCD1}">
               <a14:hiddenFill xmlns:a14="http://schemas.microsoft.com/office/drawing/2010/main">
                 <a:solidFill>
                   <a:schemeClr val="accent1"/>
                 </a:solidFill>
               </a14:hiddenFill>
             </a:ext>
-            <a:ext uri="{AF507438-7753-43e0-B8FC-AC1667EBCBE1}">
+            <a:ext uri="{AF507438-7753-43E0-B8FC-AC1667EBCBE1}">
               <a14:hiddenEffects xmlns:a14="http://schemas.microsoft.com/office/drawing/2010/main">
                 <a:effectLst>
                   <a:outerShdw dist="35921" dir="2700000" algn="ctr" rotWithShape="0">
@@ -12298,14 +12318,14 @@
           </a:ln>
           <a:effectLst/>
           <a:extLst>
-            <a:ext uri="{909E8E84-426E-40dd-AFC4-6F175D3DCCD1}">
+            <a:ext uri="{909E8E84-426E-40DD-AFC4-6F175D3DCCD1}">
               <a14:hiddenFill xmlns:a14="http://schemas.microsoft.com/office/drawing/2010/main">
                 <a:solidFill>
                   <a:schemeClr val="accent1"/>
                 </a:solidFill>
               </a14:hiddenFill>
             </a:ext>
-            <a:ext uri="{AF507438-7753-43e0-B8FC-AC1667EBCBE1}">
+            <a:ext uri="{AF507438-7753-43E0-B8FC-AC1667EBCBE1}">
               <a14:hiddenEffects xmlns:a14="http://schemas.microsoft.com/office/drawing/2010/main">
                 <a:effectLst>
                   <a:outerShdw dist="35921" dir="2700000" algn="ctr" rotWithShape="0">
@@ -12435,14 +12455,14 @@
           </a:ln>
           <a:effectLst/>
           <a:extLst>
-            <a:ext uri="{909E8E84-426E-40dd-AFC4-6F175D3DCCD1}">
+            <a:ext uri="{909E8E84-426E-40DD-AFC4-6F175D3DCCD1}">
               <a14:hiddenFill xmlns:a14="http://schemas.microsoft.com/office/drawing/2010/main">
                 <a:solidFill>
                   <a:schemeClr val="accent1"/>
                 </a:solidFill>
               </a14:hiddenFill>
             </a:ext>
-            <a:ext uri="{AF507438-7753-43e0-B8FC-AC1667EBCBE1}">
+            <a:ext uri="{AF507438-7753-43E0-B8FC-AC1667EBCBE1}">
               <a14:hiddenEffects xmlns:a14="http://schemas.microsoft.com/office/drawing/2010/main">
                 <a:effectLst>
                   <a:outerShdw dist="35921" dir="2700000" algn="ctr" rotWithShape="0">
@@ -12667,14 +12687,14 @@
           </a:ln>
           <a:effectLst/>
           <a:extLst>
-            <a:ext uri="{909E8E84-426E-40dd-AFC4-6F175D3DCCD1}">
+            <a:ext uri="{909E8E84-426E-40DD-AFC4-6F175D3DCCD1}">
               <a14:hiddenFill xmlns:a14="http://schemas.microsoft.com/office/drawing/2010/main">
                 <a:solidFill>
                   <a:schemeClr val="accent1"/>
                 </a:solidFill>
               </a14:hiddenFill>
             </a:ext>
-            <a:ext uri="{AF507438-7753-43e0-B8FC-AC1667EBCBE1}">
+            <a:ext uri="{AF507438-7753-43E0-B8FC-AC1667EBCBE1}">
               <a14:hiddenEffects xmlns:a14="http://schemas.microsoft.com/office/drawing/2010/main">
                 <a:effectLst>
                   <a:outerShdw dist="35921" dir="2700000" algn="ctr" rotWithShape="0">
@@ -12699,7 +12719,7 @@
   <p:timing>
     <p:tnLst>
       <p:par>
-        <p:cTn xmlns:p14="http://schemas.microsoft.com/office/powerpoint/2010/main" id="1" dur="indefinite" restart="never" nodeType="tmRoot"/>
+        <p:cTn id="1" dur="indefinite" restart="never" nodeType="tmRoot"/>
       </p:par>
     </p:tnLst>
   </p:timing>
@@ -12874,7 +12894,7 @@
   <p:timing>
     <p:tnLst>
       <p:par>
-        <p:cTn xmlns:p14="http://schemas.microsoft.com/office/powerpoint/2010/main" id="1" dur="indefinite" restart="never" nodeType="tmRoot"/>
+        <p:cTn id="1" dur="indefinite" restart="never" nodeType="tmRoot"/>
       </p:par>
     </p:tnLst>
   </p:timing>
@@ -13289,7 +13309,7 @@
   <p:timing>
     <p:tnLst>
       <p:par>
-        <p:cTn xmlns:p14="http://schemas.microsoft.com/office/powerpoint/2010/main" id="1" dur="indefinite" restart="never" nodeType="tmRoot"/>
+        <p:cTn id="1" dur="indefinite" restart="never" nodeType="tmRoot"/>
       </p:par>
     </p:tnLst>
   </p:timing>
@@ -13416,7 +13436,7 @@
   <p:timing>
     <p:tnLst>
       <p:par>
-        <p:cTn xmlns:p14="http://schemas.microsoft.com/office/powerpoint/2010/main" id="1" dur="indefinite" restart="never" nodeType="tmRoot"/>
+        <p:cTn id="1" dur="indefinite" restart="never" nodeType="tmRoot"/>
       </p:par>
     </p:tnLst>
   </p:timing>
@@ -13576,7 +13596,7 @@
   <p:timing>
     <p:tnLst>
       <p:par>
-        <p:cTn xmlns:p14="http://schemas.microsoft.com/office/powerpoint/2010/main" id="1" dur="indefinite" restart="never" nodeType="tmRoot"/>
+        <p:cTn id="1" dur="indefinite" restart="never" nodeType="tmRoot"/>
       </p:par>
     </p:tnLst>
   </p:timing>
@@ -13882,7 +13902,7 @@
   <p:timing>
     <p:tnLst>
       <p:par>
-        <p:cTn xmlns:p14="http://schemas.microsoft.com/office/powerpoint/2010/main" id="1" dur="indefinite" restart="never" nodeType="tmRoot"/>
+        <p:cTn id="1" dur="indefinite" restart="never" nodeType="tmRoot"/>
       </p:par>
     </p:tnLst>
   </p:timing>
@@ -14155,7 +14175,7 @@
   <p:timing>
     <p:tnLst>
       <p:par>
-        <p:cTn xmlns:p14="http://schemas.microsoft.com/office/powerpoint/2010/main" id="1" dur="indefinite" restart="never" nodeType="tmRoot"/>
+        <p:cTn id="1" dur="indefinite" restart="never" nodeType="tmRoot"/>
       </p:par>
     </p:tnLst>
   </p:timing>
@@ -14229,7 +14249,7 @@
   <p:timing>
     <p:tnLst>
       <p:par>
-        <p:cTn xmlns:p14="http://schemas.microsoft.com/office/powerpoint/2010/main" id="1" dur="indefinite" restart="never" nodeType="tmRoot"/>
+        <p:cTn id="1" dur="indefinite" restart="never" nodeType="tmRoot"/>
       </p:par>
     </p:tnLst>
   </p:timing>
@@ -14391,7 +14411,7 @@
   <p:timing>
     <p:tnLst>
       <p:par>
-        <p:cTn xmlns:p14="http://schemas.microsoft.com/office/powerpoint/2010/main" id="1" dur="indefinite" restart="never" nodeType="tmRoot"/>
+        <p:cTn id="1" dur="indefinite" restart="never" nodeType="tmRoot"/>
       </p:par>
     </p:tnLst>
   </p:timing>
@@ -14453,14 +14473,14 @@
           </a:ln>
           <a:effectLst/>
           <a:extLst>
-            <a:ext uri="{909E8E84-426E-40dd-AFC4-6F175D3DCCD1}">
+            <a:ext uri="{909E8E84-426E-40DD-AFC4-6F175D3DCCD1}">
               <a14:hiddenFill xmlns:a14="http://schemas.microsoft.com/office/drawing/2010/main">
                 <a:solidFill>
                   <a:schemeClr val="accent1"/>
                 </a:solidFill>
               </a14:hiddenFill>
             </a:ext>
-            <a:ext uri="{AF507438-7753-43e0-B8FC-AC1667EBCBE1}">
+            <a:ext uri="{AF507438-7753-43E0-B8FC-AC1667EBCBE1}">
               <a14:hiddenEffects xmlns:a14="http://schemas.microsoft.com/office/drawing/2010/main">
                 <a:effectLst>
                   <a:outerShdw dist="35921" dir="2700000" algn="ctr" rotWithShape="0">
@@ -14849,7 +14869,7 @@
   <p:timing>
     <p:tnLst>
       <p:par>
-        <p:cTn xmlns:p14="http://schemas.microsoft.com/office/powerpoint/2010/main" id="1" dur="indefinite" restart="never" nodeType="tmRoot"/>
+        <p:cTn id="1" dur="indefinite" restart="never" nodeType="tmRoot"/>
       </p:par>
     </p:tnLst>
   </p:timing>
@@ -14996,14 +15016,14 @@
           </a:ln>
           <a:effectLst/>
           <a:extLst>
-            <a:ext uri="{909E8E84-426E-40dd-AFC4-6F175D3DCCD1}">
+            <a:ext uri="{909E8E84-426E-40DD-AFC4-6F175D3DCCD1}">
               <a14:hiddenFill xmlns:a14="http://schemas.microsoft.com/office/drawing/2010/main">
                 <a:solidFill>
                   <a:schemeClr val="accent1"/>
                 </a:solidFill>
               </a14:hiddenFill>
             </a:ext>
-            <a:ext uri="{91240B29-F687-4f45-9708-019B960494DF}">
+            <a:ext uri="{91240B29-F687-4F45-9708-019B960494DF}">
               <a14:hiddenLine xmlns:a14="http://schemas.microsoft.com/office/drawing/2010/main" w="9525">
                 <a:solidFill>
                   <a:schemeClr val="tx1"/>
@@ -15013,7 +15033,7 @@
                 <a:tailEnd/>
               </a14:hiddenLine>
             </a:ext>
-            <a:ext uri="{AF507438-7753-43e0-B8FC-AC1667EBCBE1}">
+            <a:ext uri="{AF507438-7753-43E0-B8FC-AC1667EBCBE1}">
               <a14:hiddenEffects xmlns:a14="http://schemas.microsoft.com/office/drawing/2010/main">
                 <a:effectLst>
                   <a:outerShdw dist="35921" dir="2700000" algn="ctr" rotWithShape="0">
@@ -15101,14 +15121,14 @@
           </a:ln>
           <a:effectLst/>
           <a:extLst>
-            <a:ext uri="{909E8E84-426E-40dd-AFC4-6F175D3DCCD1}">
+            <a:ext uri="{909E8E84-426E-40DD-AFC4-6F175D3DCCD1}">
               <a14:hiddenFill xmlns:a14="http://schemas.microsoft.com/office/drawing/2010/main">
                 <a:solidFill>
                   <a:schemeClr val="accent1"/>
                 </a:solidFill>
               </a14:hiddenFill>
             </a:ext>
-            <a:ext uri="{AF507438-7753-43e0-B8FC-AC1667EBCBE1}">
+            <a:ext uri="{AF507438-7753-43E0-B8FC-AC1667EBCBE1}">
               <a14:hiddenEffects xmlns:a14="http://schemas.microsoft.com/office/drawing/2010/main">
                 <a:effectLst>
                   <a:outerShdw dist="35921" dir="2700000" algn="ctr" rotWithShape="0">
@@ -15160,14 +15180,14 @@
           </a:ln>
           <a:effectLst/>
           <a:extLst>
-            <a:ext uri="{909E8E84-426E-40dd-AFC4-6F175D3DCCD1}">
+            <a:ext uri="{909E8E84-426E-40DD-AFC4-6F175D3DCCD1}">
               <a14:hiddenFill xmlns:a14="http://schemas.microsoft.com/office/drawing/2010/main">
                 <a:solidFill>
                   <a:schemeClr val="accent1"/>
                 </a:solidFill>
               </a14:hiddenFill>
             </a:ext>
-            <a:ext uri="{AF507438-7753-43e0-B8FC-AC1667EBCBE1}">
+            <a:ext uri="{AF507438-7753-43E0-B8FC-AC1667EBCBE1}">
               <a14:hiddenEffects xmlns:a14="http://schemas.microsoft.com/office/drawing/2010/main">
                 <a:effectLst>
                   <a:outerShdw dist="35921" dir="2700000" algn="ctr" rotWithShape="0">
@@ -15192,7 +15212,7 @@
   <p:timing>
     <p:tnLst>
       <p:par>
-        <p:cTn xmlns:p14="http://schemas.microsoft.com/office/powerpoint/2010/main" id="1" dur="indefinite" restart="never" nodeType="tmRoot"/>
+        <p:cTn id="1" dur="indefinite" restart="never" nodeType="tmRoot"/>
       </p:par>
     </p:tnLst>
   </p:timing>
@@ -15344,7 +15364,7 @@
   <p:timing>
     <p:tnLst>
       <p:par>
-        <p:cTn xmlns:p14="http://schemas.microsoft.com/office/powerpoint/2010/main" id="1" dur="indefinite" restart="never" nodeType="tmRoot"/>
+        <p:cTn id="1" dur="indefinite" restart="never" nodeType="tmRoot"/>
       </p:par>
     </p:tnLst>
   </p:timing>
